--- a/ai/8.1.pptx
+++ b/ai/8.1.pptx
@@ -227,7 +227,7 @@
   </p:defaultTextStyle>
   <p:extLst>
     <p:ext uri="{EFAFB233-063F-42B5-8137-9DF3F51BA10A}">
-      <p15:sldGuideLst xmlns:p15="http://schemas.microsoft.com/office/powerpoint/2012/main" xmlns="">
+      <p15:sldGuideLst xmlns:p15="http://schemas.microsoft.com/office/powerpoint/2012/main">
         <p15:guide id="1" orient="horz" pos="2880">
           <p15:clr>
             <a:srgbClr val="A4A3A4"/>
@@ -564,18 +564,10 @@
                   <a:schemeClr val="dk2"/>
                 </a:solidFill>
               </a:rPr>
-              <a:t>Note from Chuck.  If you are using these materials, you can remove the UM logo and replace it with your own, but please retain the CC-BY logo on the first page as well as retain the </a:t>
-            </a:r>
-            <a:r>
-              <a:rPr lang="en-US" dirty="0" smtClean="0">
-                <a:solidFill>
-                  <a:schemeClr val="dk2"/>
-                </a:solidFill>
-              </a:rPr>
-              <a:t>acknowledgement page(s)</a:t>
-            </a:r>
-            <a:r>
-              <a:rPr lang="en-US" baseline="0" dirty="0" smtClean="0">
+              <a:t>Note from Chuck.  If you are using these materials, you can remove the UM logo and replace it with your own, but please retain the CC-BY logo on the first page as well as retain the acknowledgement page(s)</a:t>
+            </a:r>
+            <a:r>
+              <a:rPr lang="en-US" baseline="0" dirty="0">
                 <a:solidFill>
                   <a:schemeClr val="dk2"/>
                 </a:solidFill>
@@ -1927,7 +1919,7 @@
           </a:lstStyle>
           <a:p>
             <a:r>
-              <a:rPr lang="en-US" smtClean="0"/>
+              <a:rPr lang="en-US"/>
               <a:t>Click to edit Master title style</a:t>
             </a:r>
             <a:endParaRPr lang="en-US" dirty="0"/>
@@ -2055,7 +2047,7 @@
           </a:lstStyle>
           <a:p>
             <a:r>
-              <a:rPr lang="en-US" smtClean="0"/>
+              <a:rPr lang="en-US"/>
               <a:t>Click to edit Master subtitle style</a:t>
             </a:r>
             <a:endParaRPr lang="en-US" dirty="0"/>
@@ -2307,7 +2299,7 @@
           </a:lstStyle>
           <a:p>
             <a:r>
-              <a:rPr lang="en-US" smtClean="0"/>
+              <a:rPr lang="en-US"/>
               <a:t>Click to edit Master title style</a:t>
             </a:r>
             <a:endParaRPr lang="en-US" dirty="0"/>
@@ -2372,35 +2364,35 @@
           <a:p>
             <a:pPr lvl="0"/>
             <a:r>
-              <a:rPr lang="en-US" smtClean="0"/>
+              <a:rPr lang="en-US"/>
               <a:t>Click to edit Master text styles</a:t>
             </a:r>
           </a:p>
           <a:p>
             <a:pPr lvl="1"/>
             <a:r>
-              <a:rPr lang="en-US" smtClean="0"/>
+              <a:rPr lang="en-US"/>
               <a:t>Second level</a:t>
             </a:r>
           </a:p>
           <a:p>
             <a:pPr lvl="2"/>
             <a:r>
-              <a:rPr lang="en-US" smtClean="0"/>
+              <a:rPr lang="en-US"/>
               <a:t>Third level</a:t>
             </a:r>
           </a:p>
           <a:p>
             <a:pPr lvl="3"/>
             <a:r>
-              <a:rPr lang="en-US" smtClean="0"/>
+              <a:rPr lang="en-US"/>
               <a:t>Fourth level</a:t>
             </a:r>
           </a:p>
           <a:p>
             <a:pPr lvl="4"/>
             <a:r>
-              <a:rPr lang="en-US" smtClean="0"/>
+              <a:rPr lang="en-US"/>
               <a:t>Fifth level</a:t>
             </a:r>
             <a:endParaRPr lang="en-US" dirty="0"/>
@@ -2470,7 +2462,7 @@
           </a:lstStyle>
           <a:p>
             <a:r>
-              <a:rPr lang="en-US" smtClean="0"/>
+              <a:rPr lang="en-US"/>
               <a:t>Click to edit Master title style</a:t>
             </a:r>
             <a:endParaRPr lang="en-US" dirty="0"/>
@@ -2590,7 +2582,7 @@
           <a:p>
             <a:pPr lvl="0"/>
             <a:r>
-              <a:rPr lang="en-US" smtClean="0"/>
+              <a:rPr lang="en-US"/>
               <a:t>Click to edit Master text styles</a:t>
             </a:r>
           </a:p>
@@ -2661,7 +2653,7 @@
           </a:lstStyle>
           <a:p>
             <a:r>
-              <a:rPr lang="en-US" smtClean="0"/>
+              <a:rPr lang="en-US"/>
               <a:t>Click to edit Master title style</a:t>
             </a:r>
             <a:endParaRPr lang="en-US" dirty="0"/>
@@ -2736,35 +2728,35 @@
           <a:p>
             <a:pPr lvl="0"/>
             <a:r>
-              <a:rPr lang="en-US" smtClean="0"/>
+              <a:rPr lang="en-US"/>
               <a:t>Click to edit Master text styles</a:t>
             </a:r>
           </a:p>
           <a:p>
             <a:pPr lvl="1"/>
             <a:r>
-              <a:rPr lang="en-US" smtClean="0"/>
+              <a:rPr lang="en-US"/>
               <a:t>Second level</a:t>
             </a:r>
           </a:p>
           <a:p>
             <a:pPr lvl="2"/>
             <a:r>
-              <a:rPr lang="en-US" smtClean="0"/>
+              <a:rPr lang="en-US"/>
               <a:t>Third level</a:t>
             </a:r>
           </a:p>
           <a:p>
             <a:pPr lvl="3"/>
             <a:r>
-              <a:rPr lang="en-US" smtClean="0"/>
+              <a:rPr lang="en-US"/>
               <a:t>Fourth level</a:t>
             </a:r>
           </a:p>
           <a:p>
             <a:pPr lvl="4"/>
             <a:r>
-              <a:rPr lang="en-US" smtClean="0"/>
+              <a:rPr lang="en-US"/>
               <a:t>Fifth level</a:t>
             </a:r>
             <a:endParaRPr lang="en-US" dirty="0"/>
@@ -2839,35 +2831,35 @@
           <a:p>
             <a:pPr lvl="0"/>
             <a:r>
-              <a:rPr lang="en-US" smtClean="0"/>
+              <a:rPr lang="en-US"/>
               <a:t>Click to edit Master text styles</a:t>
             </a:r>
           </a:p>
           <a:p>
             <a:pPr lvl="1"/>
             <a:r>
-              <a:rPr lang="en-US" smtClean="0"/>
+              <a:rPr lang="en-US"/>
               <a:t>Second level</a:t>
             </a:r>
           </a:p>
           <a:p>
             <a:pPr lvl="2"/>
             <a:r>
-              <a:rPr lang="en-US" smtClean="0"/>
+              <a:rPr lang="en-US"/>
               <a:t>Third level</a:t>
             </a:r>
           </a:p>
           <a:p>
             <a:pPr lvl="3"/>
             <a:r>
-              <a:rPr lang="en-US" smtClean="0"/>
+              <a:rPr lang="en-US"/>
               <a:t>Fourth level</a:t>
             </a:r>
           </a:p>
           <a:p>
             <a:pPr lvl="4"/>
             <a:r>
-              <a:rPr lang="en-US" smtClean="0"/>
+              <a:rPr lang="en-US"/>
               <a:t>Fifth level</a:t>
             </a:r>
             <a:endParaRPr lang="en-US" dirty="0"/>
@@ -2939,7 +2931,7 @@
           </a:lstStyle>
           <a:p>
             <a:r>
-              <a:rPr lang="en-US" smtClean="0"/>
+              <a:rPr lang="en-US"/>
               <a:t>Click to edit Master title style</a:t>
             </a:r>
             <a:endParaRPr lang="en-US" dirty="0"/>
@@ -3014,7 +3006,7 @@
           <a:p>
             <a:pPr lvl="0"/>
             <a:r>
-              <a:rPr lang="en-US" smtClean="0"/>
+              <a:rPr lang="en-US"/>
               <a:t>Click to edit Master text styles</a:t>
             </a:r>
           </a:p>
@@ -3085,35 +3077,35 @@
           <a:p>
             <a:pPr lvl="0"/>
             <a:r>
-              <a:rPr lang="en-US" smtClean="0"/>
+              <a:rPr lang="en-US"/>
               <a:t>Click to edit Master text styles</a:t>
             </a:r>
           </a:p>
           <a:p>
             <a:pPr lvl="1"/>
             <a:r>
-              <a:rPr lang="en-US" smtClean="0"/>
+              <a:rPr lang="en-US"/>
               <a:t>Second level</a:t>
             </a:r>
           </a:p>
           <a:p>
             <a:pPr lvl="2"/>
             <a:r>
-              <a:rPr lang="en-US" smtClean="0"/>
+              <a:rPr lang="en-US"/>
               <a:t>Third level</a:t>
             </a:r>
           </a:p>
           <a:p>
             <a:pPr lvl="3"/>
             <a:r>
-              <a:rPr lang="en-US" smtClean="0"/>
+              <a:rPr lang="en-US"/>
               <a:t>Fourth level</a:t>
             </a:r>
           </a:p>
           <a:p>
             <a:pPr lvl="4"/>
             <a:r>
-              <a:rPr lang="en-US" smtClean="0"/>
+              <a:rPr lang="en-US"/>
               <a:t>Fifth level</a:t>
             </a:r>
             <a:endParaRPr lang="en-US" dirty="0"/>
@@ -3188,7 +3180,7 @@
           <a:p>
             <a:pPr lvl="0"/>
             <a:r>
-              <a:rPr lang="en-US" smtClean="0"/>
+              <a:rPr lang="en-US"/>
               <a:t>Click to edit Master text styles</a:t>
             </a:r>
           </a:p>
@@ -3259,35 +3251,35 @@
           <a:p>
             <a:pPr lvl="0"/>
             <a:r>
-              <a:rPr lang="en-US" smtClean="0"/>
+              <a:rPr lang="en-US"/>
               <a:t>Click to edit Master text styles</a:t>
             </a:r>
           </a:p>
           <a:p>
             <a:pPr lvl="1"/>
             <a:r>
-              <a:rPr lang="en-US" smtClean="0"/>
+              <a:rPr lang="en-US"/>
               <a:t>Second level</a:t>
             </a:r>
           </a:p>
           <a:p>
             <a:pPr lvl="2"/>
             <a:r>
-              <a:rPr lang="en-US" smtClean="0"/>
+              <a:rPr lang="en-US"/>
               <a:t>Third level</a:t>
             </a:r>
           </a:p>
           <a:p>
             <a:pPr lvl="3"/>
             <a:r>
-              <a:rPr lang="en-US" smtClean="0"/>
+              <a:rPr lang="en-US"/>
               <a:t>Fourth level</a:t>
             </a:r>
           </a:p>
           <a:p>
             <a:pPr lvl="4"/>
             <a:r>
-              <a:rPr lang="en-US" smtClean="0"/>
+              <a:rPr lang="en-US"/>
               <a:t>Fifth level</a:t>
             </a:r>
             <a:endParaRPr lang="en-US" dirty="0"/>
@@ -3359,7 +3351,7 @@
           </a:lstStyle>
           <a:p>
             <a:r>
-              <a:rPr lang="en-US" smtClean="0"/>
+              <a:rPr lang="en-US"/>
               <a:t>Click to edit Master title style</a:t>
             </a:r>
             <a:endParaRPr lang="en-US" dirty="0"/>
@@ -3460,7 +3452,7 @@
           </a:lstStyle>
           <a:p>
             <a:r>
-              <a:rPr lang="en-US" smtClean="0"/>
+              <a:rPr lang="en-US"/>
               <a:t>Click to edit Master title style</a:t>
             </a:r>
             <a:endParaRPr lang="en-US" dirty="0"/>
@@ -3535,35 +3527,35 @@
           <a:p>
             <a:pPr lvl="0"/>
             <a:r>
-              <a:rPr lang="en-US" smtClean="0"/>
+              <a:rPr lang="en-US"/>
               <a:t>Click to edit Master text styles</a:t>
             </a:r>
           </a:p>
           <a:p>
             <a:pPr lvl="1"/>
             <a:r>
-              <a:rPr lang="en-US" smtClean="0"/>
+              <a:rPr lang="en-US"/>
               <a:t>Second level</a:t>
             </a:r>
           </a:p>
           <a:p>
             <a:pPr lvl="2"/>
             <a:r>
-              <a:rPr lang="en-US" smtClean="0"/>
+              <a:rPr lang="en-US"/>
               <a:t>Third level</a:t>
             </a:r>
           </a:p>
           <a:p>
             <a:pPr lvl="3"/>
             <a:r>
-              <a:rPr lang="en-US" smtClean="0"/>
+              <a:rPr lang="en-US"/>
               <a:t>Fourth level</a:t>
             </a:r>
           </a:p>
           <a:p>
             <a:pPr lvl="4"/>
             <a:r>
-              <a:rPr lang="en-US" smtClean="0"/>
+              <a:rPr lang="en-US"/>
               <a:t>Fifth level</a:t>
             </a:r>
             <a:endParaRPr lang="en-US" dirty="0"/>
@@ -3633,7 +3625,7 @@
           <a:p>
             <a:pPr lvl="0"/>
             <a:r>
-              <a:rPr lang="en-US" smtClean="0"/>
+              <a:rPr lang="en-US"/>
               <a:t>Click to edit Master text styles</a:t>
             </a:r>
           </a:p>
@@ -3704,7 +3696,7 @@
           </a:lstStyle>
           <a:p>
             <a:r>
-              <a:rPr lang="en-US" smtClean="0"/>
+              <a:rPr lang="en-US"/>
               <a:t>Click to edit Master title style</a:t>
             </a:r>
             <a:endParaRPr lang="en-US" dirty="0"/>
@@ -3769,10 +3761,9 @@
           </a:lstStyle>
           <a:p>
             <a:r>
-              <a:rPr lang="en-US" smtClean="0"/>
+              <a:rPr lang="en-US"/>
               <a:t>Drag picture to placeholder or click icon to add</a:t>
             </a:r>
-            <a:endParaRPr lang="en-US"/>
           </a:p>
         </p:txBody>
       </p:sp>
@@ -3841,7 +3832,7 @@
           <a:p>
             <a:pPr lvl="0"/>
             <a:r>
-              <a:rPr lang="en-US" smtClean="0"/>
+              <a:rPr lang="en-US"/>
               <a:t>Click to edit Master text styles</a:t>
             </a:r>
           </a:p>
@@ -3913,35 +3904,35 @@
           <a:p>
             <a:pPr lvl="0"/>
             <a:r>
-              <a:rPr lang="en-US" smtClean="0"/>
+              <a:rPr lang="en-US"/>
               <a:t>Click to edit Master text styles</a:t>
             </a:r>
           </a:p>
           <a:p>
             <a:pPr lvl="1"/>
             <a:r>
-              <a:rPr lang="en-US" smtClean="0"/>
+              <a:rPr lang="en-US"/>
               <a:t>Second level</a:t>
             </a:r>
           </a:p>
           <a:p>
             <a:pPr lvl="2"/>
             <a:r>
-              <a:rPr lang="en-US" smtClean="0"/>
+              <a:rPr lang="en-US"/>
               <a:t>Third level</a:t>
             </a:r>
           </a:p>
           <a:p>
             <a:pPr lvl="3"/>
             <a:r>
-              <a:rPr lang="en-US" smtClean="0"/>
+              <a:rPr lang="en-US"/>
               <a:t>Fourth level</a:t>
             </a:r>
           </a:p>
           <a:p>
             <a:pPr lvl="4"/>
             <a:r>
-              <a:rPr lang="en-US" smtClean="0"/>
+              <a:rPr lang="en-US"/>
               <a:t>Fifth level</a:t>
             </a:r>
             <a:endParaRPr lang="en-US" dirty="0"/>
@@ -4001,7 +3992,7 @@
           <a:lstStyle/>
           <a:p>
             <a:r>
-              <a:rPr lang="en-US" sz="2300" dirty="0" smtClean="0">
+              <a:rPr lang="en-US" sz="2300" dirty="0">
                 <a:solidFill>
                   <a:srgbClr val="FFFFFF"/>
                 </a:solidFill>
@@ -4010,13 +4001,6 @@
               </a:rPr>
               <a:t>Lists – Part 1</a:t>
             </a:r>
-            <a:endParaRPr lang="en-US" sz="2300" dirty="0">
-              <a:solidFill>
-                <a:srgbClr val="FFFFFF"/>
-              </a:solidFill>
-              <a:latin typeface="Lucida Grande"/>
-              <a:cs typeface="Lucida Grande"/>
-            </a:endParaRPr>
           </a:p>
         </p:txBody>
       </p:sp>
@@ -4044,7 +4028,7 @@
           <a:p>
             <a:pPr algn="ctr"/>
             <a:r>
-              <a:rPr lang="en-US" sz="1700" b="0" dirty="0" smtClean="0">
+              <a:rPr lang="en-US" sz="1700" b="0" dirty="0">
                 <a:solidFill>
                   <a:schemeClr val="bg1"/>
                 </a:solidFill>
@@ -4054,7 +4038,7 @@
               <a:t>PYTHON</a:t>
             </a:r>
             <a:r>
-              <a:rPr lang="en-US" sz="1700" baseline="0" dirty="0" smtClean="0">
+              <a:rPr lang="en-US" sz="1700" baseline="0" dirty="0">
                 <a:solidFill>
                   <a:schemeClr val="bg1"/>
                 </a:solidFill>
@@ -4067,7 +4051,7 @@
           <a:p>
             <a:pPr algn="ctr"/>
             <a:r>
-              <a:rPr lang="en-US" sz="1700" baseline="0" dirty="0" smtClean="0">
+              <a:rPr lang="en-US" sz="1700" baseline="0" dirty="0">
                 <a:solidFill>
                   <a:schemeClr val="bg1"/>
                 </a:solidFill>
@@ -4107,13 +4091,6 @@
     <p:sldLayoutId id="2147483693" r:id="rId10"/>
     <p:sldLayoutId id="2147483694" r:id="rId11"/>
   </p:sldLayoutIdLst>
-  <p:timing>
-    <p:tnLst>
-      <p:par>
-        <p:cTn xmlns:p14="http://schemas.microsoft.com/office/powerpoint/2010/main" id="1" dur="indefinite" restart="never" nodeType="tmRoot"/>
-      </p:par>
-    </p:tnLst>
-  </p:timing>
   <p:hf sldNum="0" hdr="0" ftr="0" dt="0"/>
   <p:txStyles>
     <p:titleStyle>
@@ -4428,7 +4405,7 @@
               <a:buNone/>
             </a:pPr>
             <a:r>
-              <a:rPr lang="en-US" sz="7600" u="none" strike="noStrike" cap="none">
+              <a:rPr lang="en-US" sz="7600" u="none" strike="noStrike" cap="none" dirty="0" err="1">
                 <a:solidFill>
                   <a:srgbClr val="FFFF00"/>
                 </a:solidFill>
@@ -4437,8 +4414,17 @@
                 <a:cs typeface="Arial" charset="0"/>
                 <a:sym typeface="Cabin"/>
               </a:rPr>
-              <a:t>Python Lists</a:t>
-            </a:r>
+              <a:t>Listas</a:t>
+            </a:r>
+            <a:endParaRPr lang="en-US" sz="7600" u="none" strike="noStrike" cap="none" dirty="0">
+              <a:solidFill>
+                <a:srgbClr val="FFFF00"/>
+              </a:solidFill>
+              <a:latin typeface="Arial" charset="0"/>
+              <a:ea typeface="Arial" charset="0"/>
+              <a:cs typeface="Arial" charset="0"/>
+              <a:sym typeface="Cabin"/>
+            </a:endParaRPr>
           </a:p>
         </p:txBody>
       </p:sp>
@@ -4498,10 +4484,10 @@
                 <a:cs typeface="Arial" charset="0"/>
                 <a:sym typeface="Cabin"/>
               </a:rPr>
-              <a:t>Chapter </a:t>
-            </a:r>
-            <a:r>
-              <a:rPr lang="en-US" sz="4800" u="none" strike="noStrike" cap="none" dirty="0" smtClean="0">
+              <a:t>Cap</a:t>
+            </a:r>
+            <a:r>
+              <a:rPr lang="es-MX" sz="4800" u="none" strike="noStrike" cap="none" dirty="0" err="1">
                 <a:solidFill>
                   <a:schemeClr val="lt1"/>
                 </a:solidFill>
@@ -4510,17 +4496,20 @@
                 <a:cs typeface="Arial" charset="0"/>
                 <a:sym typeface="Cabin"/>
               </a:rPr>
-              <a:t>8</a:t>
-            </a:r>
-            <a:endParaRPr lang="en-US" sz="4800" u="none" strike="noStrike" cap="none" dirty="0">
-              <a:solidFill>
-                <a:schemeClr val="lt1"/>
-              </a:solidFill>
-              <a:latin typeface="Arial" charset="0"/>
-              <a:ea typeface="Arial" charset="0"/>
-              <a:cs typeface="Arial" charset="0"/>
-              <a:sym typeface="Cabin"/>
-            </a:endParaRPr>
+              <a:t>ítulo</a:t>
+            </a:r>
+            <a:r>
+              <a:rPr lang="en-US" sz="4800" u="none" strike="noStrike" cap="none" dirty="0">
+                <a:solidFill>
+                  <a:schemeClr val="lt1"/>
+                </a:solidFill>
+                <a:latin typeface="Arial" charset="0"/>
+                <a:ea typeface="Arial" charset="0"/>
+                <a:cs typeface="Arial" charset="0"/>
+                <a:sym typeface="Cabin"/>
+              </a:rPr>
+              <a:t> 8</a:t>
+            </a:r>
           </a:p>
         </p:txBody>
       </p:sp>
@@ -4567,7 +4556,7 @@
               <a:buNone/>
             </a:pPr>
             <a:r>
-              <a:rPr lang="en-US" sz="3200" u="none" strike="noStrike" cap="none" smtClean="0">
+              <a:rPr lang="en-US" sz="3200" u="none" strike="noStrike" cap="none" dirty="0">
                 <a:solidFill>
                   <a:srgbClr val="FFFF00"/>
                 </a:solidFill>
@@ -4576,9 +4565,21 @@
                 <a:cs typeface="Arial" charset="0"/>
                 <a:sym typeface="Cabin"/>
               </a:rPr>
-              <a:t>Python for Everybody</a:t>
-            </a:r>
-            <a:endParaRPr lang="en-US" sz="3200" u="none" strike="noStrike" cap="none" dirty="0" smtClean="0">
+              <a:t>Python para </a:t>
+            </a:r>
+            <a:r>
+              <a:rPr lang="en-US" sz="3200" u="none" strike="noStrike" cap="none" dirty="0" err="1">
+                <a:solidFill>
+                  <a:srgbClr val="FFFF00"/>
+                </a:solidFill>
+                <a:latin typeface="Arial" charset="0"/>
+                <a:ea typeface="Arial" charset="0"/>
+                <a:cs typeface="Arial" charset="0"/>
+                <a:sym typeface="Cabin"/>
+              </a:rPr>
+              <a:t>Todos</a:t>
+            </a:r>
+            <a:endParaRPr lang="en-US" sz="3200" u="none" strike="noStrike" cap="none" dirty="0">
               <a:solidFill>
                 <a:srgbClr val="FFFF00"/>
               </a:solidFill>
@@ -4607,7 +4608,7 @@
               <a:buNone/>
             </a:pPr>
             <a:r>
-              <a:rPr lang="en-US" sz="3200" dirty="0" smtClean="0">
+              <a:rPr lang="en-US" sz="3200" dirty="0">
                 <a:solidFill>
                   <a:srgbClr val="FFFF00"/>
                 </a:solidFill>
@@ -4616,7 +4617,7 @@
                 <a:cs typeface="Arial" charset="0"/>
                 <a:sym typeface="Cabin"/>
               </a:rPr>
-              <a:t>www.py4e.com</a:t>
+              <a:t>es.py4e.com</a:t>
             </a:r>
             <a:endParaRPr lang="en-US" sz="3200" u="none" strike="noStrike" cap="none" dirty="0">
               <a:solidFill>
@@ -4689,13 +4690,6 @@
   <p:clrMapOvr>
     <a:masterClrMapping/>
   </p:clrMapOvr>
-  <p:timing>
-    <p:tnLst>
-      <p:par>
-        <p:cTn xmlns:p14="http://schemas.microsoft.com/office/powerpoint/2010/main" id="1" dur="indefinite" restart="never" nodeType="tmRoot"/>
-      </p:par>
-    </p:tnLst>
-  </p:timing>
 </p:sld>
 </file>
 
@@ -4729,7 +4723,7 @@
         <p:spPr>
           <a:xfrm>
             <a:off x="1155700" y="789709"/>
-            <a:ext cx="13144500" cy="1750290"/>
+            <a:ext cx="13783982" cy="1750290"/>
           </a:xfrm>
           <a:prstGeom prst="rect">
             <a:avLst/>
@@ -4763,7 +4757,7 @@
               <a:buNone/>
             </a:pPr>
             <a:r>
-              <a:rPr lang="en-US" sz="7600" u="none" strike="noStrike" cap="none">
+              <a:rPr lang="es-419" sz="7600" u="none" strike="noStrike" cap="none" dirty="0">
                 <a:solidFill>
                   <a:srgbClr val="FFFF00"/>
                 </a:solidFill>
@@ -4772,7 +4766,31 @@
                 <a:cs typeface="Arial" charset="0"/>
                 <a:sym typeface="Cabin"/>
               </a:rPr>
-              <a:t>How Long is a List?</a:t>
+              <a:t>¿Qué tan </a:t>
+            </a:r>
+            <a:r>
+              <a:rPr lang="es-419" sz="7600" dirty="0">
+                <a:solidFill>
+                  <a:srgbClr val="FFFF00"/>
+                </a:solidFill>
+                <a:latin typeface="Arial" charset="0"/>
+                <a:ea typeface="Arial" charset="0"/>
+                <a:cs typeface="Arial" charset="0"/>
+                <a:sym typeface="Cabin"/>
+              </a:rPr>
+              <a:t>L</a:t>
+            </a:r>
+            <a:r>
+              <a:rPr lang="es-419" sz="7600" u="none" strike="noStrike" cap="none" dirty="0">
+                <a:solidFill>
+                  <a:srgbClr val="FFFF00"/>
+                </a:solidFill>
+                <a:latin typeface="Arial" charset="0"/>
+                <a:ea typeface="Arial" charset="0"/>
+                <a:cs typeface="Arial" charset="0"/>
+                <a:sym typeface="Cabin"/>
+              </a:rPr>
+              <a:t>arga es una Lista?</a:t>
             </a:r>
           </a:p>
         </p:txBody>
@@ -4821,7 +4839,7 @@
               <a:buChar char="•"/>
             </a:pPr>
             <a:r>
-              <a:rPr lang="en-US" sz="3400" b="0" u="none" strike="noStrike" cap="none" dirty="0">
+              <a:rPr lang="es-419" sz="3400" b="0" u="none" strike="noStrike" cap="none" dirty="0">
                 <a:solidFill>
                   <a:schemeClr val="lt1"/>
                 </a:solidFill>
@@ -4830,10 +4848,10 @@
                 <a:cs typeface="Arial" charset="0"/>
                 <a:sym typeface="Cabin"/>
               </a:rPr>
-              <a:t>The </a:t>
-            </a:r>
-            <a:r>
-              <a:rPr lang="en-US" sz="3400" b="0" u="none" strike="noStrike" cap="none" dirty="0" err="1">
+              <a:t>La función </a:t>
+            </a:r>
+            <a:r>
+              <a:rPr lang="es-419" sz="3400" b="0" u="none" strike="noStrike" cap="none" dirty="0" err="1">
                 <a:solidFill>
                   <a:srgbClr val="FF00FF"/>
                 </a:solidFill>
@@ -4845,7 +4863,7 @@
               <a:t>len</a:t>
             </a:r>
             <a:r>
-              <a:rPr lang="en-US" sz="3400" b="0" u="none" strike="noStrike" cap="none" dirty="0">
+              <a:rPr lang="es-419" sz="3400" b="0" u="none" strike="noStrike" cap="none" dirty="0">
                 <a:solidFill>
                   <a:srgbClr val="FF00FF"/>
                 </a:solidFill>
@@ -4857,7 +4875,7 @@
               <a:t>()</a:t>
             </a:r>
             <a:r>
-              <a:rPr lang="en-US" sz="3400" b="0" u="none" strike="noStrike" cap="none" dirty="0">
+              <a:rPr lang="es-419" sz="3400" b="0" u="none" strike="noStrike" cap="none" dirty="0">
                 <a:solidFill>
                   <a:schemeClr val="lt1"/>
                 </a:solidFill>
@@ -4866,10 +4884,10 @@
                 <a:cs typeface="Arial" charset="0"/>
                 <a:sym typeface="Cabin"/>
               </a:rPr>
-              <a:t> function takes a </a:t>
-            </a:r>
-            <a:r>
-              <a:rPr lang="en-US" sz="3400" b="0" u="none" strike="noStrike" cap="none" dirty="0">
+              <a:t> toma una </a:t>
+            </a:r>
+            <a:r>
+              <a:rPr lang="es-419" sz="3400" b="0" u="none" strike="noStrike" cap="none" dirty="0">
                 <a:solidFill>
                   <a:srgbClr val="FF7F00"/>
                 </a:solidFill>
@@ -4878,10 +4896,10 @@
                 <a:cs typeface="Arial" charset="0"/>
                 <a:sym typeface="Cabin"/>
               </a:rPr>
-              <a:t>list</a:t>
-            </a:r>
-            <a:r>
-              <a:rPr lang="en-US" sz="3400" b="0" u="none" strike="noStrike" cap="none" dirty="0">
+              <a:t>lista</a:t>
+            </a:r>
+            <a:r>
+              <a:rPr lang="es-419" sz="3400" b="0" u="none" strike="noStrike" cap="none" dirty="0">
                 <a:solidFill>
                   <a:schemeClr val="lt1"/>
                 </a:solidFill>
@@ -4890,10 +4908,10 @@
                 <a:cs typeface="Arial" charset="0"/>
                 <a:sym typeface="Cabin"/>
               </a:rPr>
-              <a:t> as a parameter and returns the number of </a:t>
-            </a:r>
-            <a:r>
-              <a:rPr lang="en-US" sz="3400" b="0" u="none" strike="noStrike" cap="none" dirty="0">
+              <a:t> como parámetro y retorna el número de </a:t>
+            </a:r>
+            <a:r>
+              <a:rPr lang="es-419" sz="3400" b="0" u="none" strike="noStrike" cap="none" dirty="0">
                 <a:solidFill>
                   <a:srgbClr val="00FFFF"/>
                 </a:solidFill>
@@ -4902,10 +4920,10 @@
                 <a:cs typeface="Arial" charset="0"/>
                 <a:sym typeface="Cabin"/>
               </a:rPr>
-              <a:t>elements</a:t>
-            </a:r>
-            <a:r>
-              <a:rPr lang="en-US" sz="3400" b="0" u="none" strike="noStrike" cap="none" dirty="0">
+              <a:t>elementos</a:t>
+            </a:r>
+            <a:r>
+              <a:rPr lang="es-419" sz="3400" b="0" u="none" strike="noStrike" cap="none" dirty="0">
                 <a:solidFill>
                   <a:schemeClr val="lt1"/>
                 </a:solidFill>
@@ -4914,10 +4932,10 @@
                 <a:cs typeface="Arial" charset="0"/>
                 <a:sym typeface="Cabin"/>
               </a:rPr>
-              <a:t> in the </a:t>
-            </a:r>
-            <a:r>
-              <a:rPr lang="en-US" sz="3400" b="0" u="none" strike="noStrike" cap="none" dirty="0">
+              <a:t> en la </a:t>
+            </a:r>
+            <a:r>
+              <a:rPr lang="es-419" sz="3400" b="0" u="none" strike="noStrike" cap="none" dirty="0">
                 <a:solidFill>
                   <a:srgbClr val="FF7F00"/>
                 </a:solidFill>
@@ -4926,7 +4944,7 @@
                 <a:cs typeface="Arial" charset="0"/>
                 <a:sym typeface="Cabin"/>
               </a:rPr>
-              <a:t>list</a:t>
+              <a:t>lista</a:t>
             </a:r>
           </a:p>
           <a:p>
@@ -4945,7 +4963,7 @@
               <a:buChar char="•"/>
             </a:pPr>
             <a:r>
-              <a:rPr lang="en-US" sz="3400" b="0" u="none" strike="noStrike" cap="none" dirty="0">
+              <a:rPr lang="es-419" sz="3400" b="0" u="none" strike="noStrike" cap="none" dirty="0">
                 <a:solidFill>
                   <a:schemeClr val="lt1"/>
                 </a:solidFill>
@@ -4954,10 +4972,10 @@
                 <a:cs typeface="Arial" charset="0"/>
                 <a:sym typeface="Cabin"/>
               </a:rPr>
-              <a:t>Actually </a:t>
-            </a:r>
-            <a:r>
-              <a:rPr lang="en-US" sz="3400" b="0" u="none" strike="noStrike" cap="none" dirty="0" err="1">
+              <a:t>De hecho, </a:t>
+            </a:r>
+            <a:r>
+              <a:rPr lang="es-419" sz="3400" b="0" u="none" strike="noStrike" cap="none" dirty="0" err="1">
                 <a:solidFill>
                   <a:srgbClr val="FF00FF"/>
                 </a:solidFill>
@@ -4969,7 +4987,7 @@
               <a:t>len</a:t>
             </a:r>
             <a:r>
-              <a:rPr lang="en-US" sz="3400" b="0" u="none" strike="noStrike" cap="none" dirty="0">
+              <a:rPr lang="es-419" sz="3400" b="0" u="none" strike="noStrike" cap="none" dirty="0">
                 <a:solidFill>
                   <a:srgbClr val="FF00FF"/>
                 </a:solidFill>
@@ -4981,7 +4999,7 @@
               <a:t>()</a:t>
             </a:r>
             <a:r>
-              <a:rPr lang="en-US" sz="3400" b="0" u="none" strike="noStrike" cap="none" dirty="0">
+              <a:rPr lang="es-419" sz="3400" b="0" u="none" strike="noStrike" cap="none" dirty="0">
                 <a:solidFill>
                   <a:schemeClr val="lt1"/>
                 </a:solidFill>
@@ -4990,7 +5008,31 @@
                 <a:cs typeface="Arial" charset="0"/>
                 <a:sym typeface="Cabin"/>
               </a:rPr>
-              <a:t> tells us the number of elements of any set or sequence (such as a string...)</a:t>
+              <a:t> nos da el número de elementos de cualquier conjunto o secuencia (</a:t>
+            </a:r>
+            <a:r>
+              <a:rPr lang="es-419" sz="3400" b="0" dirty="0">
+                <a:solidFill>
+                  <a:schemeClr val="lt1"/>
+                </a:solidFill>
+                <a:latin typeface="Arial" charset="0"/>
+                <a:ea typeface="Arial" charset="0"/>
+                <a:cs typeface="Arial" charset="0"/>
+                <a:sym typeface="Cabin"/>
+              </a:rPr>
+              <a:t>tal como una cadena</a:t>
+            </a:r>
+            <a:r>
+              <a:rPr lang="es-419" sz="3400" b="0" u="none" strike="noStrike" cap="none" dirty="0">
+                <a:solidFill>
+                  <a:schemeClr val="lt1"/>
+                </a:solidFill>
+                <a:latin typeface="Arial" charset="0"/>
+                <a:ea typeface="Arial" charset="0"/>
+                <a:cs typeface="Arial" charset="0"/>
+                <a:sym typeface="Cabin"/>
+              </a:rPr>
+              <a:t>...)</a:t>
             </a:r>
           </a:p>
         </p:txBody>
@@ -5020,6 +5062,86 @@
           </a:bodyPr>
           <a:lstStyle/>
           <a:p>
+            <a:pPr lvl="0">
+              <a:buClr>
+                <a:schemeClr val="lt1"/>
+              </a:buClr>
+              <a:buSzPct val="25000"/>
+            </a:pPr>
+            <a:r>
+              <a:rPr lang="es-419" sz="3000" b="1" i="0" u="none" strike="noStrike" cap="none" dirty="0">
+                <a:solidFill>
+                  <a:schemeClr val="lt1"/>
+                </a:solidFill>
+                <a:latin typeface="Courier New"/>
+                <a:ea typeface="Courier New"/>
+                <a:cs typeface="Courier New"/>
+                <a:sym typeface="Courier New"/>
+              </a:rPr>
+              <a:t>&gt;&gt;&gt; </a:t>
+            </a:r>
+            <a:r>
+              <a:rPr lang="es-419" sz="3000" b="1" i="0" u="none" strike="noStrike" cap="none" dirty="0">
+                <a:solidFill>
+                  <a:srgbClr val="00FF00"/>
+                </a:solidFill>
+                <a:latin typeface="Courier New"/>
+                <a:ea typeface="Courier New"/>
+                <a:cs typeface="Courier New"/>
+                <a:sym typeface="Courier New"/>
+              </a:rPr>
+              <a:t>saludo</a:t>
+            </a:r>
+            <a:r>
+              <a:rPr lang="es-419" sz="3000" b="1" i="0" u="none" strike="noStrike" cap="none" dirty="0">
+                <a:solidFill>
+                  <a:schemeClr val="lt1"/>
+                </a:solidFill>
+                <a:latin typeface="Courier New"/>
+                <a:ea typeface="Courier New"/>
+                <a:cs typeface="Courier New"/>
+                <a:sym typeface="Courier New"/>
+              </a:rPr>
+              <a:t> = </a:t>
+            </a:r>
+            <a:r>
+              <a:rPr lang="es-419" sz="3000" b="1" dirty="0">
+                <a:solidFill>
+                  <a:schemeClr val="lt1"/>
+                </a:solidFill>
+                <a:latin typeface="Courier New"/>
+                <a:ea typeface="Courier New"/>
+                <a:cs typeface="Courier New"/>
+                <a:sym typeface="Courier New"/>
+              </a:rPr>
+              <a:t>'</a:t>
+            </a:r>
+            <a:r>
+              <a:rPr lang="es-419" sz="3000" b="1" i="0" u="none" strike="noStrike" cap="none" dirty="0">
+                <a:solidFill>
+                  <a:schemeClr val="lt1"/>
+                </a:solidFill>
+                <a:latin typeface="Courier New"/>
+                <a:ea typeface="Courier New"/>
+                <a:cs typeface="Courier New"/>
+                <a:sym typeface="Courier New"/>
+              </a:rPr>
+              <a:t>Hola Bob</a:t>
+            </a:r>
+            <a:r>
+              <a:rPr lang="es-419" sz="3000" b="1" dirty="0">
+                <a:solidFill>
+                  <a:schemeClr val="lt1"/>
+                </a:solidFill>
+                <a:latin typeface="Courier New"/>
+                <a:ea typeface="Courier New"/>
+                <a:cs typeface="Courier New"/>
+                <a:sym typeface="Courier New"/>
+              </a:rPr>
+              <a:t>'</a:t>
+            </a:r>
+          </a:p>
+          <a:p>
             <a:pPr marL="0" marR="0" lvl="0" indent="0" algn="l" rtl="0">
               <a:lnSpc>
                 <a:spcPct val="100000"/>
@@ -5038,7 +5160,7 @@
               <a:buNone/>
             </a:pPr>
             <a:r>
-              <a:rPr lang="en-US" sz="3000" b="1" i="0" u="none" strike="noStrike" cap="none" dirty="0">
+              <a:rPr lang="es-419" sz="3000" b="1" i="0" u="none" strike="noStrike" cap="none" dirty="0">
                 <a:solidFill>
                   <a:schemeClr val="lt1"/>
                 </a:solidFill>
@@ -5050,7 +5172,55 @@
               <a:t>&gt;&gt;&gt; </a:t>
             </a:r>
             <a:r>
-              <a:rPr lang="en-US" sz="3000" b="1" i="0" u="none" strike="noStrike" cap="none" dirty="0">
+              <a:rPr lang="es-419" sz="3000" b="1" i="0" u="none" strike="noStrike" cap="none" dirty="0" err="1">
+                <a:solidFill>
+                  <a:srgbClr val="FFFF00"/>
+                </a:solidFill>
+                <a:latin typeface="Courier New"/>
+                <a:ea typeface="Courier New"/>
+                <a:cs typeface="Courier New"/>
+                <a:sym typeface="Courier New"/>
+              </a:rPr>
+              <a:t>print</a:t>
+            </a:r>
+            <a:r>
+              <a:rPr lang="es-419" sz="3000" b="1" i="0" u="none" strike="noStrike" cap="none" dirty="0">
+                <a:solidFill>
+                  <a:srgbClr val="FFFF00"/>
+                </a:solidFill>
+                <a:latin typeface="Courier New"/>
+                <a:ea typeface="Courier New"/>
+                <a:cs typeface="Courier New"/>
+                <a:sym typeface="Courier New"/>
+              </a:rPr>
+              <a:t>(</a:t>
+            </a:r>
+            <a:r>
+              <a:rPr lang="es-419" sz="3000" b="1" i="0" u="none" strike="noStrike" cap="none" dirty="0" err="1">
+                <a:solidFill>
+                  <a:srgbClr val="FF00FF"/>
+                </a:solidFill>
+                <a:latin typeface="Courier New"/>
+                <a:ea typeface="Courier New"/>
+                <a:cs typeface="Courier New"/>
+                <a:sym typeface="Courier New"/>
+              </a:rPr>
+              <a:t>len</a:t>
+            </a:r>
+            <a:r>
+              <a:rPr lang="es-419" sz="3000" b="1" i="0" u="none" strike="noStrike" cap="none" dirty="0">
+                <a:solidFill>
+                  <a:schemeClr val="lt1"/>
+                </a:solidFill>
+                <a:latin typeface="Courier New"/>
+                <a:ea typeface="Courier New"/>
+                <a:cs typeface="Courier New"/>
+                <a:sym typeface="Courier New"/>
+              </a:rPr>
+              <a:t>(</a:t>
+            </a:r>
+            <a:r>
+              <a:rPr lang="es-419" sz="3000" b="1" i="0" u="none" strike="noStrike" cap="none" dirty="0">
                 <a:solidFill>
                   <a:srgbClr val="00FF00"/>
                 </a:solidFill>
@@ -5059,31 +5229,31 @@
                 <a:cs typeface="Courier New"/>
                 <a:sym typeface="Courier New"/>
               </a:rPr>
-              <a:t>greet</a:t>
-            </a:r>
-            <a:r>
-              <a:rPr lang="en-US" sz="3000" b="1" i="0" u="none" strike="noStrike" cap="none" dirty="0">
-                <a:solidFill>
-                  <a:schemeClr val="lt1"/>
-                </a:solidFill>
-                <a:latin typeface="Courier New"/>
-                <a:ea typeface="Courier New"/>
-                <a:cs typeface="Courier New"/>
-                <a:sym typeface="Courier New"/>
-              </a:rPr>
-              <a:t> = 'Hello Bob</a:t>
-            </a:r>
-            <a:r>
-              <a:rPr lang="en-US" sz="3000" b="1" dirty="0">
-                <a:solidFill>
-                  <a:schemeClr val="lt1"/>
-                </a:solidFill>
-                <a:latin typeface="Courier New"/>
-                <a:ea typeface="Courier New"/>
-                <a:cs typeface="Courier New"/>
-                <a:sym typeface="Courier New"/>
-              </a:rPr>
-              <a:t>'</a:t>
+              <a:t>saludo</a:t>
+            </a:r>
+            <a:r>
+              <a:rPr lang="es-419" sz="3000" b="1" i="0" u="none" strike="noStrike" cap="none" dirty="0">
+                <a:solidFill>
+                  <a:schemeClr val="lt1"/>
+                </a:solidFill>
+                <a:latin typeface="Courier New"/>
+                <a:ea typeface="Courier New"/>
+                <a:cs typeface="Courier New"/>
+                <a:sym typeface="Courier New"/>
+              </a:rPr>
+              <a:t>)</a:t>
+            </a:r>
+            <a:r>
+              <a:rPr lang="es-419" sz="3000" b="1" i="0" u="none" strike="noStrike" cap="none" dirty="0">
+                <a:solidFill>
+                  <a:srgbClr val="FFFF00"/>
+                </a:solidFill>
+                <a:latin typeface="Courier New"/>
+                <a:ea typeface="Courier New"/>
+                <a:cs typeface="Courier New"/>
+                <a:sym typeface="Courier New"/>
+              </a:rPr>
+              <a:t>)</a:t>
             </a:r>
           </a:p>
           <a:p>
@@ -5105,98 +5275,17 @@
               <a:buNone/>
             </a:pPr>
             <a:r>
-              <a:rPr lang="en-US" sz="3000" b="1" i="0" u="none" strike="noStrike" cap="none" dirty="0">
-                <a:solidFill>
-                  <a:schemeClr val="lt1"/>
-                </a:solidFill>
-                <a:latin typeface="Courier New"/>
-                <a:ea typeface="Courier New"/>
-                <a:cs typeface="Courier New"/>
-                <a:sym typeface="Courier New"/>
-              </a:rPr>
-              <a:t>&gt;&gt;&gt; </a:t>
-            </a:r>
-            <a:r>
-              <a:rPr lang="en-US" sz="3000" b="1" i="0" u="none" strike="noStrike" cap="none" dirty="0" smtClean="0">
-                <a:solidFill>
-                  <a:srgbClr val="FFFF00"/>
-                </a:solidFill>
-                <a:latin typeface="Courier New"/>
-                <a:ea typeface="Courier New"/>
-                <a:cs typeface="Courier New"/>
-                <a:sym typeface="Courier New"/>
-              </a:rPr>
-              <a:t>print(</a:t>
-            </a:r>
-            <a:r>
-              <a:rPr lang="en-US" sz="3000" b="1" i="0" u="none" strike="noStrike" cap="none" dirty="0" err="1" smtClean="0">
-                <a:solidFill>
-                  <a:srgbClr val="FF00FF"/>
-                </a:solidFill>
-                <a:latin typeface="Courier New"/>
-                <a:ea typeface="Courier New"/>
-                <a:cs typeface="Courier New"/>
-                <a:sym typeface="Courier New"/>
-              </a:rPr>
-              <a:t>len</a:t>
-            </a:r>
-            <a:r>
-              <a:rPr lang="en-US" sz="3000" b="1" i="0" u="none" strike="noStrike" cap="none" dirty="0" smtClean="0">
-                <a:solidFill>
-                  <a:schemeClr val="lt1"/>
-                </a:solidFill>
-                <a:latin typeface="Courier New"/>
-                <a:ea typeface="Courier New"/>
-                <a:cs typeface="Courier New"/>
-                <a:sym typeface="Courier New"/>
-              </a:rPr>
-              <a:t>(</a:t>
-            </a:r>
-            <a:r>
-              <a:rPr lang="en-US" sz="3000" b="1" i="0" u="none" strike="noStrike" cap="none" dirty="0" smtClean="0">
-                <a:solidFill>
-                  <a:srgbClr val="00FF00"/>
-                </a:solidFill>
-                <a:latin typeface="Courier New"/>
-                <a:ea typeface="Courier New"/>
-                <a:cs typeface="Courier New"/>
-                <a:sym typeface="Courier New"/>
-              </a:rPr>
-              <a:t>greet</a:t>
-            </a:r>
-            <a:r>
-              <a:rPr lang="en-US" sz="3000" b="1" i="0" u="none" strike="noStrike" cap="none" dirty="0" smtClean="0">
-                <a:solidFill>
-                  <a:schemeClr val="lt1"/>
-                </a:solidFill>
-                <a:latin typeface="Courier New"/>
-                <a:ea typeface="Courier New"/>
-                <a:cs typeface="Courier New"/>
-                <a:sym typeface="Courier New"/>
-              </a:rPr>
-              <a:t>)</a:t>
-            </a:r>
-            <a:r>
-              <a:rPr lang="en-US" sz="3000" b="1" i="0" u="none" strike="noStrike" cap="none" dirty="0" smtClean="0">
-                <a:solidFill>
-                  <a:srgbClr val="FFFF00"/>
-                </a:solidFill>
-                <a:latin typeface="Courier New"/>
-                <a:ea typeface="Courier New"/>
-                <a:cs typeface="Courier New"/>
-                <a:sym typeface="Courier New"/>
-              </a:rPr>
-              <a:t>)</a:t>
-            </a:r>
-            <a:endParaRPr lang="en-US" sz="3000" b="1" i="0" u="none" strike="noStrike" cap="none" dirty="0">
-              <a:solidFill>
-                <a:srgbClr val="FFFF00"/>
-              </a:solidFill>
-              <a:latin typeface="Courier New"/>
-              <a:ea typeface="Courier New"/>
-              <a:cs typeface="Courier New"/>
-              <a:sym typeface="Courier New"/>
-            </a:endParaRPr>
+              <a:rPr lang="es-419" sz="3000" b="1" i="0" u="none" strike="noStrike" cap="none" dirty="0">
+                <a:solidFill>
+                  <a:schemeClr val="lt1"/>
+                </a:solidFill>
+                <a:latin typeface="Courier New"/>
+                <a:ea typeface="Courier New"/>
+                <a:cs typeface="Courier New"/>
+                <a:sym typeface="Courier New"/>
+              </a:rPr>
+              <a:t>9</a:t>
+            </a:r>
           </a:p>
           <a:p>
             <a:pPr marL="0" marR="0" lvl="0" indent="0" algn="l" rtl="0">
@@ -5217,16 +5306,76 @@
               <a:buNone/>
             </a:pPr>
             <a:r>
-              <a:rPr lang="en-US" sz="3000" b="1" i="0" u="none" strike="noStrike" cap="none" dirty="0">
-                <a:solidFill>
-                  <a:schemeClr val="lt1"/>
-                </a:solidFill>
-                <a:latin typeface="Courier New"/>
-                <a:ea typeface="Courier New"/>
-                <a:cs typeface="Courier New"/>
-                <a:sym typeface="Courier New"/>
-              </a:rPr>
-              <a:t>9</a:t>
+              <a:rPr lang="es-419" sz="3000" b="1" i="0" u="none" strike="noStrike" cap="none" dirty="0">
+                <a:solidFill>
+                  <a:schemeClr val="lt1"/>
+                </a:solidFill>
+                <a:latin typeface="Courier New"/>
+                <a:ea typeface="Courier New"/>
+                <a:cs typeface="Courier New"/>
+                <a:sym typeface="Courier New"/>
+              </a:rPr>
+              <a:t>&gt;&gt;&gt; </a:t>
+            </a:r>
+            <a:r>
+              <a:rPr lang="es-419" sz="3000" b="1" i="0" u="none" strike="noStrike" cap="none" dirty="0">
+                <a:solidFill>
+                  <a:srgbClr val="00FF00"/>
+                </a:solidFill>
+                <a:latin typeface="Courier New"/>
+                <a:ea typeface="Courier New"/>
+                <a:cs typeface="Courier New"/>
+                <a:sym typeface="Courier New"/>
+              </a:rPr>
+              <a:t>x</a:t>
+            </a:r>
+            <a:r>
+              <a:rPr lang="es-419" sz="3000" b="1" i="0" u="none" strike="noStrike" cap="none" dirty="0">
+                <a:solidFill>
+                  <a:schemeClr val="lt1"/>
+                </a:solidFill>
+                <a:latin typeface="Courier New"/>
+                <a:ea typeface="Courier New"/>
+                <a:cs typeface="Courier New"/>
+                <a:sym typeface="Courier New"/>
+              </a:rPr>
+              <a:t> = </a:t>
+            </a:r>
+            <a:r>
+              <a:rPr lang="es-419" sz="3000" b="1" i="0" u="none" strike="noStrike" cap="none" dirty="0">
+                <a:solidFill>
+                  <a:srgbClr val="FF7F00"/>
+                </a:solidFill>
+                <a:latin typeface="Courier New"/>
+                <a:ea typeface="Courier New"/>
+                <a:cs typeface="Courier New"/>
+                <a:sym typeface="Courier New"/>
+              </a:rPr>
+              <a:t>[ 1, 2, '</a:t>
+            </a:r>
+            <a:r>
+              <a:rPr lang="es-419" sz="3000" b="1" i="0" u="none" strike="noStrike" cap="none" dirty="0" err="1">
+                <a:solidFill>
+                  <a:srgbClr val="FF7F00"/>
+                </a:solidFill>
+                <a:latin typeface="Courier New"/>
+                <a:ea typeface="Courier New"/>
+                <a:cs typeface="Courier New"/>
+                <a:sym typeface="Courier New"/>
+              </a:rPr>
+              <a:t>joe</a:t>
+            </a:r>
+            <a:r>
+              <a:rPr lang="es-419" sz="3000" b="1" i="0" u="none" strike="noStrike" cap="none" dirty="0">
+                <a:solidFill>
+                  <a:srgbClr val="FF7F00"/>
+                </a:solidFill>
+                <a:latin typeface="Courier New"/>
+                <a:ea typeface="Courier New"/>
+                <a:cs typeface="Courier New"/>
+                <a:sym typeface="Courier New"/>
+              </a:rPr>
+              <a:t>', 99]</a:t>
             </a:r>
           </a:p>
           <a:p>
@@ -5248,7 +5397,7 @@
               <a:buNone/>
             </a:pPr>
             <a:r>
-              <a:rPr lang="en-US" sz="3000" b="1" i="0" u="none" strike="noStrike" cap="none" dirty="0">
+              <a:rPr lang="es-419" sz="3000" b="1" i="0" u="none" strike="noStrike" cap="none" dirty="0">
                 <a:solidFill>
                   <a:schemeClr val="lt1"/>
                 </a:solidFill>
@@ -5260,7 +5409,55 @@
               <a:t>&gt;&gt;&gt; </a:t>
             </a:r>
             <a:r>
-              <a:rPr lang="en-US" sz="3000" b="1" i="0" u="none" strike="noStrike" cap="none" dirty="0">
+              <a:rPr lang="es-419" sz="3000" b="1" i="0" u="none" strike="noStrike" cap="none" dirty="0" err="1">
+                <a:solidFill>
+                  <a:srgbClr val="FFFF00"/>
+                </a:solidFill>
+                <a:latin typeface="Courier New"/>
+                <a:ea typeface="Courier New"/>
+                <a:cs typeface="Courier New"/>
+                <a:sym typeface="Courier New"/>
+              </a:rPr>
+              <a:t>print</a:t>
+            </a:r>
+            <a:r>
+              <a:rPr lang="es-419" sz="3000" b="1" i="0" u="none" strike="noStrike" cap="none" dirty="0">
+                <a:solidFill>
+                  <a:srgbClr val="FFFF00"/>
+                </a:solidFill>
+                <a:latin typeface="Courier New"/>
+                <a:ea typeface="Courier New"/>
+                <a:cs typeface="Courier New"/>
+                <a:sym typeface="Courier New"/>
+              </a:rPr>
+              <a:t>(</a:t>
+            </a:r>
+            <a:r>
+              <a:rPr lang="es-419" sz="3000" b="1" i="0" u="none" strike="noStrike" cap="none" dirty="0" err="1">
+                <a:solidFill>
+                  <a:srgbClr val="FF00FF"/>
+                </a:solidFill>
+                <a:latin typeface="Courier New"/>
+                <a:ea typeface="Courier New"/>
+                <a:cs typeface="Courier New"/>
+                <a:sym typeface="Courier New"/>
+              </a:rPr>
+              <a:t>len</a:t>
+            </a:r>
+            <a:r>
+              <a:rPr lang="es-419" sz="3000" b="1" i="0" u="none" strike="noStrike" cap="none" dirty="0">
+                <a:solidFill>
+                  <a:schemeClr val="lt1"/>
+                </a:solidFill>
+                <a:latin typeface="Courier New"/>
+                <a:ea typeface="Courier New"/>
+                <a:cs typeface="Courier New"/>
+                <a:sym typeface="Courier New"/>
+              </a:rPr>
+              <a:t>(</a:t>
+            </a:r>
+            <a:r>
+              <a:rPr lang="es-419" sz="3000" b="1" i="0" u="none" strike="noStrike" cap="none" dirty="0">
                 <a:solidFill>
                   <a:srgbClr val="00FF00"/>
                 </a:solidFill>
@@ -5272,28 +5469,28 @@
               <a:t>x</a:t>
             </a:r>
             <a:r>
-              <a:rPr lang="en-US" sz="3000" b="1" i="0" u="none" strike="noStrike" cap="none" dirty="0">
-                <a:solidFill>
-                  <a:schemeClr val="lt1"/>
-                </a:solidFill>
-                <a:latin typeface="Courier New"/>
-                <a:ea typeface="Courier New"/>
-                <a:cs typeface="Courier New"/>
-                <a:sym typeface="Courier New"/>
-              </a:rPr>
-              <a:t> = </a:t>
-            </a:r>
-            <a:r>
-              <a:rPr lang="en-US" sz="3000" b="1" i="0" u="none" strike="noStrike" cap="none" dirty="0">
-                <a:solidFill>
-                  <a:srgbClr val="FF7F00"/>
-                </a:solidFill>
-                <a:latin typeface="Courier New"/>
-                <a:ea typeface="Courier New"/>
-                <a:cs typeface="Courier New"/>
-                <a:sym typeface="Courier New"/>
-              </a:rPr>
-              <a:t>[ 1, 2, 'joe', 99]</a:t>
+              <a:rPr lang="es-419" sz="3000" b="1" i="0" u="none" strike="noStrike" cap="none" dirty="0">
+                <a:solidFill>
+                  <a:schemeClr val="lt1"/>
+                </a:solidFill>
+                <a:latin typeface="Courier New"/>
+                <a:ea typeface="Courier New"/>
+                <a:cs typeface="Courier New"/>
+                <a:sym typeface="Courier New"/>
+              </a:rPr>
+              <a:t>)</a:t>
+            </a:r>
+            <a:r>
+              <a:rPr lang="es-419" sz="3000" b="1" i="0" u="none" strike="noStrike" cap="none" dirty="0">
+                <a:solidFill>
+                  <a:srgbClr val="FFFF00"/>
+                </a:solidFill>
+                <a:latin typeface="Courier New"/>
+                <a:ea typeface="Courier New"/>
+                <a:cs typeface="Courier New"/>
+                <a:sym typeface="Courier New"/>
+              </a:rPr>
+              <a:t>)</a:t>
             </a:r>
           </a:p>
           <a:p>
@@ -5315,98 +5512,17 @@
               <a:buNone/>
             </a:pPr>
             <a:r>
-              <a:rPr lang="en-US" sz="3000" b="1" i="0" u="none" strike="noStrike" cap="none" dirty="0">
-                <a:solidFill>
-                  <a:schemeClr val="lt1"/>
-                </a:solidFill>
-                <a:latin typeface="Courier New"/>
-                <a:ea typeface="Courier New"/>
-                <a:cs typeface="Courier New"/>
-                <a:sym typeface="Courier New"/>
-              </a:rPr>
-              <a:t>&gt;&gt;&gt; </a:t>
-            </a:r>
-            <a:r>
-              <a:rPr lang="en-US" sz="3000" b="1" i="0" u="none" strike="noStrike" cap="none" dirty="0" smtClean="0">
-                <a:solidFill>
-                  <a:srgbClr val="FFFF00"/>
-                </a:solidFill>
-                <a:latin typeface="Courier New"/>
-                <a:ea typeface="Courier New"/>
-                <a:cs typeface="Courier New"/>
-                <a:sym typeface="Courier New"/>
-              </a:rPr>
-              <a:t>print(</a:t>
-            </a:r>
-            <a:r>
-              <a:rPr lang="en-US" sz="3000" b="1" i="0" u="none" strike="noStrike" cap="none" dirty="0" err="1" smtClean="0">
-                <a:solidFill>
-                  <a:srgbClr val="FF00FF"/>
-                </a:solidFill>
-                <a:latin typeface="Courier New"/>
-                <a:ea typeface="Courier New"/>
-                <a:cs typeface="Courier New"/>
-                <a:sym typeface="Courier New"/>
-              </a:rPr>
-              <a:t>len</a:t>
-            </a:r>
-            <a:r>
-              <a:rPr lang="en-US" sz="3000" b="1" i="0" u="none" strike="noStrike" cap="none" dirty="0" smtClean="0">
-                <a:solidFill>
-                  <a:schemeClr val="lt1"/>
-                </a:solidFill>
-                <a:latin typeface="Courier New"/>
-                <a:ea typeface="Courier New"/>
-                <a:cs typeface="Courier New"/>
-                <a:sym typeface="Courier New"/>
-              </a:rPr>
-              <a:t>(</a:t>
-            </a:r>
-            <a:r>
-              <a:rPr lang="en-US" sz="3000" b="1" i="0" u="none" strike="noStrike" cap="none" dirty="0" smtClean="0">
-                <a:solidFill>
-                  <a:srgbClr val="00FF00"/>
-                </a:solidFill>
-                <a:latin typeface="Courier New"/>
-                <a:ea typeface="Courier New"/>
-                <a:cs typeface="Courier New"/>
-                <a:sym typeface="Courier New"/>
-              </a:rPr>
-              <a:t>x</a:t>
-            </a:r>
-            <a:r>
-              <a:rPr lang="en-US" sz="3000" b="1" i="0" u="none" strike="noStrike" cap="none" dirty="0" smtClean="0">
-                <a:solidFill>
-                  <a:schemeClr val="lt1"/>
-                </a:solidFill>
-                <a:latin typeface="Courier New"/>
-                <a:ea typeface="Courier New"/>
-                <a:cs typeface="Courier New"/>
-                <a:sym typeface="Courier New"/>
-              </a:rPr>
-              <a:t>)</a:t>
-            </a:r>
-            <a:r>
-              <a:rPr lang="en-US" sz="3000" b="1" i="0" u="none" strike="noStrike" cap="none" dirty="0" smtClean="0">
-                <a:solidFill>
-                  <a:srgbClr val="FFFF00"/>
-                </a:solidFill>
-                <a:latin typeface="Courier New"/>
-                <a:ea typeface="Courier New"/>
-                <a:cs typeface="Courier New"/>
-                <a:sym typeface="Courier New"/>
-              </a:rPr>
-              <a:t>)</a:t>
-            </a:r>
-            <a:endParaRPr lang="en-US" sz="3000" b="1" i="0" u="none" strike="noStrike" cap="none" dirty="0">
-              <a:solidFill>
-                <a:srgbClr val="FFFF00"/>
-              </a:solidFill>
-              <a:latin typeface="Courier New"/>
-              <a:ea typeface="Courier New"/>
-              <a:cs typeface="Courier New"/>
-              <a:sym typeface="Courier New"/>
-            </a:endParaRPr>
+              <a:rPr lang="es-419" sz="3000" b="1" i="0" u="none" strike="noStrike" cap="none" dirty="0">
+                <a:solidFill>
+                  <a:schemeClr val="lt1"/>
+                </a:solidFill>
+                <a:latin typeface="Courier New"/>
+                <a:ea typeface="Courier New"/>
+                <a:cs typeface="Courier New"/>
+                <a:sym typeface="Courier New"/>
+              </a:rPr>
+              <a:t>4</a:t>
+            </a:r>
           </a:p>
           <a:p>
             <a:pPr marL="0" marR="0" lvl="0" indent="0" algn="l" rtl="0">
@@ -5427,38 +5543,7 @@
               <a:buNone/>
             </a:pPr>
             <a:r>
-              <a:rPr lang="en-US" sz="3000" b="1" i="0" u="none" strike="noStrike" cap="none" dirty="0">
-                <a:solidFill>
-                  <a:schemeClr val="lt1"/>
-                </a:solidFill>
-                <a:latin typeface="Courier New"/>
-                <a:ea typeface="Courier New"/>
-                <a:cs typeface="Courier New"/>
-                <a:sym typeface="Courier New"/>
-              </a:rPr>
-              <a:t>4</a:t>
-            </a:r>
-          </a:p>
-          <a:p>
-            <a:pPr marL="0" marR="0" lvl="0" indent="0" algn="l" rtl="0">
-              <a:lnSpc>
-                <a:spcPct val="100000"/>
-              </a:lnSpc>
-              <a:spcBef>
-                <a:spcPts val="0"/>
-              </a:spcBef>
-              <a:spcAft>
-                <a:spcPts val="0"/>
-              </a:spcAft>
-              <a:buClr>
-                <a:schemeClr val="lt1"/>
-              </a:buClr>
-              <a:buSzPct val="25000"/>
-              <a:buFont typeface="Cabin"/>
-              <a:buNone/>
-            </a:pPr>
-            <a:r>
-              <a:rPr lang="en-US" sz="3000" b="1" i="0" u="none" strike="noStrike" cap="none" dirty="0">
+              <a:rPr lang="es-419" sz="3000" b="1" i="0" u="none" strike="noStrike" cap="none" dirty="0">
                 <a:solidFill>
                   <a:schemeClr val="lt1"/>
                 </a:solidFill>
@@ -5483,7 +5568,7 @@
               </a:spcAft>
               <a:buNone/>
             </a:pPr>
-            <a:endParaRPr sz="3000" b="1" dirty="0">
+            <a:endParaRPr lang="es-419" sz="3000" b="1" dirty="0">
               <a:latin typeface="Courier New"/>
               <a:ea typeface="Courier New"/>
               <a:cs typeface="Courier New"/>
@@ -5497,13 +5582,6 @@
   <p:clrMapOvr>
     <a:masterClrMapping/>
   </p:clrMapOvr>
-  <p:timing>
-    <p:tnLst>
-      <p:par>
-        <p:cTn xmlns:p14="http://schemas.microsoft.com/office/powerpoint/2010/main" id="1" dur="indefinite" restart="never" nodeType="tmRoot"/>
-      </p:par>
-    </p:tnLst>
-  </p:timing>
 </p:sld>
 </file>
 
@@ -5567,7 +5645,7 @@
               <a:buNone/>
             </a:pPr>
             <a:r>
-              <a:rPr lang="en-US" sz="7600" u="none" strike="noStrike" cap="none" dirty="0">
+              <a:rPr lang="es-419" sz="7600" u="none" strike="noStrike" cap="none" dirty="0">
                 <a:solidFill>
                   <a:srgbClr val="FFFF00"/>
                 </a:solidFill>
@@ -5576,10 +5654,10 @@
                 <a:cs typeface="Arial" charset="0"/>
                 <a:sym typeface="Cabin"/>
               </a:rPr>
-              <a:t>Using the </a:t>
-            </a:r>
-            <a:r>
-              <a:rPr lang="en-US" sz="7600" dirty="0">
+              <a:t>Usando la Función </a:t>
+            </a:r>
+            <a:r>
+              <a:rPr lang="es-419" sz="7600" dirty="0">
                 <a:solidFill>
                   <a:srgbClr val="FF00FF"/>
                 </a:solidFill>
@@ -5591,7 +5669,7 @@
               <a:t>R</a:t>
             </a:r>
             <a:r>
-              <a:rPr lang="en-US" sz="7600" u="none" strike="noStrike" cap="none" dirty="0" smtClean="0">
+              <a:rPr lang="es-419" sz="7600" u="none" strike="noStrike" cap="none" dirty="0">
                 <a:solidFill>
                   <a:srgbClr val="FF00FF"/>
                 </a:solidFill>
@@ -5600,45 +5678,9 @@
                 <a:cs typeface="Arial" charset="0"/>
                 <a:sym typeface="Cabin"/>
               </a:rPr>
-              <a:t>ange</a:t>
-            </a:r>
-            <a:r>
-              <a:rPr lang="en-US" sz="7600" u="none" strike="noStrike" cap="none" dirty="0" smtClean="0">
-                <a:solidFill>
-                  <a:srgbClr val="FFFF00"/>
-                </a:solidFill>
-                <a:latin typeface="Arial" charset="0"/>
-                <a:ea typeface="Arial" charset="0"/>
-                <a:cs typeface="Arial" charset="0"/>
-                <a:sym typeface="Cabin"/>
-              </a:rPr>
-              <a:t> </a:t>
-            </a:r>
-            <a:r>
-              <a:rPr lang="en-US" sz="7600" dirty="0">
-                <a:solidFill>
-                  <a:srgbClr val="FFFF00"/>
-                </a:solidFill>
-                <a:latin typeface="Arial" charset="0"/>
-                <a:ea typeface="Arial" charset="0"/>
-                <a:cs typeface="Arial" charset="0"/>
-                <a:sym typeface="Cabin"/>
-              </a:rPr>
-              <a:t>F</a:t>
-            </a:r>
-            <a:r>
-              <a:rPr lang="en-US" sz="7600" u="none" strike="noStrike" cap="none" dirty="0" smtClean="0">
-                <a:solidFill>
-                  <a:srgbClr val="FFFF00"/>
-                </a:solidFill>
-                <a:latin typeface="Arial" charset="0"/>
-                <a:ea typeface="Arial" charset="0"/>
-                <a:cs typeface="Arial" charset="0"/>
-                <a:sym typeface="Cabin"/>
-              </a:rPr>
-              <a:t>unction</a:t>
-            </a:r>
-            <a:endParaRPr lang="en-US" sz="7600" u="none" strike="noStrike" cap="none" dirty="0">
+              <a:t>ango</a:t>
+            </a:r>
+            <a:endParaRPr lang="es-419" sz="7600" u="none" strike="noStrike" cap="none" dirty="0">
               <a:solidFill>
                 <a:srgbClr val="FFFF00"/>
               </a:solidFill>
@@ -5662,7 +5704,7 @@
         </p:nvSpPr>
         <p:spPr>
           <a:xfrm>
-            <a:off x="1155700" y="1725532"/>
+            <a:off x="1155700" y="2330650"/>
             <a:ext cx="5916613" cy="5702299"/>
           </a:xfrm>
           <a:prstGeom prst="rect">
@@ -5694,7 +5736,7 @@
               <a:buChar char="•"/>
             </a:pPr>
             <a:r>
-              <a:rPr lang="en-US" sz="3400" b="0" u="none" strike="noStrike" cap="none" dirty="0">
+              <a:rPr lang="es-419" sz="3400" b="0" u="none" strike="noStrike" cap="none" dirty="0">
                 <a:solidFill>
                   <a:schemeClr val="lt1"/>
                 </a:solidFill>
@@ -5703,10 +5745,10 @@
                 <a:cs typeface="Arial" charset="0"/>
                 <a:sym typeface="Cabin"/>
               </a:rPr>
-              <a:t>The </a:t>
-            </a:r>
-            <a:r>
-              <a:rPr lang="en-US" sz="3400" b="0" u="none" strike="noStrike" cap="none" dirty="0">
+              <a:t>La función </a:t>
+            </a:r>
+            <a:r>
+              <a:rPr lang="es-419" sz="3400" b="0" u="none" strike="noStrike" cap="none" dirty="0">
                 <a:solidFill>
                   <a:srgbClr val="FF00FF"/>
                 </a:solidFill>
@@ -5715,10 +5757,10 @@
                 <a:cs typeface="Arial" charset="0"/>
                 <a:sym typeface="Cabin"/>
               </a:rPr>
-              <a:t>range</a:t>
-            </a:r>
-            <a:r>
-              <a:rPr lang="en-US" sz="3400" b="0" u="none" strike="noStrike" cap="none" dirty="0">
+              <a:t>rango</a:t>
+            </a:r>
+            <a:r>
+              <a:rPr lang="es-419" sz="3400" b="0" u="none" strike="noStrike" cap="none" dirty="0">
                 <a:solidFill>
                   <a:schemeClr val="lt1"/>
                 </a:solidFill>
@@ -5727,10 +5769,10 @@
                 <a:cs typeface="Arial" charset="0"/>
                 <a:sym typeface="Cabin"/>
               </a:rPr>
-              <a:t> function </a:t>
-            </a:r>
-            <a:r>
-              <a:rPr lang="en-US" sz="3400" b="0" u="none" strike="noStrike" cap="none" dirty="0">
+              <a:t> retorna </a:t>
+            </a:r>
+            <a:r>
+              <a:rPr lang="es-419" sz="3400" b="0" dirty="0">
                 <a:solidFill>
                   <a:srgbClr val="FF00FF"/>
                 </a:solidFill>
@@ -5739,10 +5781,10 @@
                 <a:cs typeface="Arial" charset="0"/>
                 <a:sym typeface="Cabin"/>
               </a:rPr>
-              <a:t>returns a list of numbers</a:t>
-            </a:r>
-            <a:r>
-              <a:rPr lang="en-US" sz="3400" b="0" u="none" strike="noStrike" cap="none" dirty="0">
+              <a:t>una lista de números</a:t>
+            </a:r>
+            <a:r>
+              <a:rPr lang="es-419" sz="3400" b="0" u="none" strike="noStrike" cap="none" dirty="0">
                 <a:solidFill>
                   <a:schemeClr val="lt1"/>
                 </a:solidFill>
@@ -5751,10 +5793,10 @@
                 <a:cs typeface="Arial" charset="0"/>
                 <a:sym typeface="Cabin"/>
               </a:rPr>
-              <a:t> that range from zero to one less than the </a:t>
-            </a:r>
-            <a:r>
-              <a:rPr lang="en-US" sz="3400" b="0" u="none" strike="noStrike" cap="none" dirty="0">
+              <a:t> que van desde cero hasta el número anterior al </a:t>
+            </a:r>
+            <a:r>
+              <a:rPr lang="es-419" sz="3400" b="0" u="none" strike="noStrike" cap="none" dirty="0">
                 <a:solidFill>
                   <a:srgbClr val="00FFFF"/>
                 </a:solidFill>
@@ -5763,7 +5805,7 @@
                 <a:cs typeface="Arial" charset="0"/>
                 <a:sym typeface="Cabin"/>
               </a:rPr>
-              <a:t>parameter</a:t>
+              <a:t>parámetro</a:t>
             </a:r>
           </a:p>
           <a:p>
@@ -5782,7 +5824,7 @@
               <a:buChar char="•"/>
             </a:pPr>
             <a:r>
-              <a:rPr lang="en-US" sz="3400" b="0" u="none" strike="noStrike" cap="none" dirty="0">
+              <a:rPr lang="es-419" sz="3400" b="0" u="none" strike="noStrike" cap="none" dirty="0">
                 <a:solidFill>
                   <a:schemeClr val="lt1"/>
                 </a:solidFill>
@@ -5791,43 +5833,55 @@
                 <a:cs typeface="Arial" charset="0"/>
                 <a:sym typeface="Cabin"/>
               </a:rPr>
-              <a:t>We can construct an index loop using </a:t>
-            </a:r>
-            <a:r>
-              <a:rPr lang="en-US" sz="3400" b="0" u="none" strike="noStrike" cap="none" dirty="0">
-                <a:solidFill>
-                  <a:srgbClr val="FFFF00"/>
+              <a:t>Podemos construir un bucle </a:t>
+            </a:r>
+            <a:r>
+              <a:rPr lang="es-419" sz="3400" b="0" dirty="0">
+                <a:solidFill>
+                  <a:schemeClr val="lt1"/>
                 </a:solidFill>
                 <a:latin typeface="Arial" charset="0"/>
                 <a:ea typeface="Arial" charset="0"/>
                 <a:cs typeface="Arial" charset="0"/>
                 <a:sym typeface="Cabin"/>
               </a:rPr>
-              <a:t>for</a:t>
-            </a:r>
-            <a:r>
-              <a:rPr lang="en-US" sz="3400" b="0" u="none" strike="noStrike" cap="none" dirty="0">
-                <a:solidFill>
-                  <a:schemeClr val="lt1"/>
+              <a:t>por índices usando un </a:t>
+            </a:r>
+            <a:r>
+              <a:rPr lang="es-419" sz="3400" b="0" u="none" strike="noStrike" cap="none" dirty="0" err="1">
+                <a:solidFill>
+                  <a:srgbClr val="FFFF00"/>
                 </a:solidFill>
                 <a:latin typeface="Arial" charset="0"/>
                 <a:ea typeface="Arial" charset="0"/>
                 <a:cs typeface="Arial" charset="0"/>
                 <a:sym typeface="Cabin"/>
               </a:rPr>
-              <a:t> and an integer</a:t>
-            </a:r>
-            <a:r>
-              <a:rPr lang="en-US" sz="3400" b="0" u="none" strike="noStrike" cap="none" dirty="0">
-                <a:solidFill>
-                  <a:srgbClr val="00FF00"/>
+              <a:t>for</a:t>
+            </a:r>
+            <a:r>
+              <a:rPr lang="es-419" sz="3400" b="0" u="none" strike="noStrike" cap="none" dirty="0">
+                <a:solidFill>
+                  <a:schemeClr val="lt1"/>
                 </a:solidFill>
                 <a:latin typeface="Arial" charset="0"/>
                 <a:ea typeface="Arial" charset="0"/>
                 <a:cs typeface="Arial" charset="0"/>
                 <a:sym typeface="Cabin"/>
               </a:rPr>
-              <a:t> iterator</a:t>
+              <a:t> y un entero </a:t>
+            </a:r>
+            <a:r>
+              <a:rPr lang="es-419" sz="3400" b="0" u="none" strike="noStrike" cap="none" dirty="0">
+                <a:solidFill>
+                  <a:srgbClr val="00FF00"/>
+                </a:solidFill>
+                <a:latin typeface="Arial" charset="0"/>
+                <a:ea typeface="Arial" charset="0"/>
+                <a:cs typeface="Arial" charset="0"/>
+                <a:sym typeface="Cabin"/>
+              </a:rPr>
+              <a:t>iterador</a:t>
             </a:r>
           </a:p>
         </p:txBody>
@@ -5864,7 +5918,7 @@
               <a:buSzPct val="25000"/>
             </a:pPr>
             <a:r>
-              <a:rPr lang="en-US" sz="2400" b="1" i="0" u="none" strike="noStrike" cap="none" dirty="0">
+              <a:rPr lang="es-419" sz="2400" b="1" i="0" u="none" strike="noStrike" cap="none" dirty="0">
                 <a:solidFill>
                   <a:schemeClr val="lt1"/>
                 </a:solidFill>
@@ -5876,7 +5930,7 @@
               <a:t>&gt;&gt;&gt; </a:t>
             </a:r>
             <a:r>
-              <a:rPr lang="en-US" sz="2400" b="1" i="0" u="none" strike="noStrike" cap="none" dirty="0" smtClean="0">
+              <a:rPr lang="es-419" sz="2400" b="1" i="0" u="none" strike="noStrike" cap="none" dirty="0" err="1">
                 <a:solidFill>
                   <a:srgbClr val="FFFF00"/>
                 </a:solidFill>
@@ -5885,10 +5939,22 @@
                 <a:cs typeface="Courier New"/>
                 <a:sym typeface="Courier New"/>
               </a:rPr>
-              <a:t>print(</a:t>
-            </a:r>
-            <a:r>
-              <a:rPr lang="en-US" sz="2400" b="1" i="0" u="none" strike="noStrike" cap="none" dirty="0" smtClean="0">
+              <a:t>print</a:t>
+            </a:r>
+            <a:r>
+              <a:rPr lang="es-419" sz="2400" b="1" i="0" u="none" strike="noStrike" cap="none" dirty="0">
+                <a:solidFill>
+                  <a:srgbClr val="FFFF00"/>
+                </a:solidFill>
+                <a:latin typeface="Courier New"/>
+                <a:ea typeface="Courier New"/>
+                <a:cs typeface="Courier New"/>
+                <a:sym typeface="Courier New"/>
+              </a:rPr>
+              <a:t>(</a:t>
+            </a:r>
+            <a:r>
+              <a:rPr lang="es-419" sz="2400" b="1" i="0" u="none" strike="noStrike" cap="none" dirty="0" err="1">
                 <a:solidFill>
                   <a:srgbClr val="FF00FF"/>
                 </a:solidFill>
@@ -5900,7 +5966,7 @@
               <a:t>range</a:t>
             </a:r>
             <a:r>
-              <a:rPr lang="en-US" sz="2400" b="1" i="0" u="none" strike="noStrike" cap="none" dirty="0" smtClean="0">
+              <a:rPr lang="es-419" sz="2400" b="1" i="0" u="none" strike="noStrike" cap="none" dirty="0">
                 <a:solidFill>
                   <a:schemeClr val="lt1"/>
                 </a:solidFill>
@@ -5912,7 +5978,7 @@
               <a:t>(</a:t>
             </a:r>
             <a:r>
-              <a:rPr lang="en-US" sz="2400" b="1" i="0" u="none" strike="noStrike" cap="none" dirty="0" smtClean="0">
+              <a:rPr lang="es-419" sz="2400" b="1" i="0" u="none" strike="noStrike" cap="none" dirty="0">
                 <a:solidFill>
                   <a:srgbClr val="00FFFF"/>
                 </a:solidFill>
@@ -5924,7 +5990,7 @@
               <a:t>4</a:t>
             </a:r>
             <a:r>
-              <a:rPr lang="en-US" sz="2400" b="1" i="0" u="none" strike="noStrike" cap="none" dirty="0" smtClean="0">
+              <a:rPr lang="es-419" sz="2400" b="1" i="0" u="none" strike="noStrike" cap="none" dirty="0">
                 <a:solidFill>
                   <a:schemeClr val="lt1"/>
                 </a:solidFill>
@@ -5936,7 +6002,7 @@
               <a:t>)</a:t>
             </a:r>
             <a:r>
-              <a:rPr lang="en-US" sz="2400" b="1" dirty="0" smtClean="0">
+              <a:rPr lang="es-419" sz="2400" b="1" dirty="0">
                 <a:solidFill>
                   <a:srgbClr val="FFFF00"/>
                 </a:solidFill>
@@ -5947,7 +6013,7 @@
               </a:rPr>
               <a:t>)</a:t>
             </a:r>
-            <a:endParaRPr lang="en-US" sz="2400" b="1" i="0" u="none" strike="noStrike" cap="none" dirty="0">
+            <a:endParaRPr lang="es-419" sz="2400" b="1" i="0" u="none" strike="noStrike" cap="none" dirty="0">
               <a:solidFill>
                 <a:schemeClr val="lt1"/>
               </a:solidFill>
@@ -5976,7 +6042,7 @@
               <a:buNone/>
             </a:pPr>
             <a:r>
-              <a:rPr lang="en-US" sz="2400" b="1" i="0" u="none" strike="noStrike" cap="none" dirty="0">
+              <a:rPr lang="es-419" sz="2400" b="1" i="0" u="none" strike="noStrike" cap="none" dirty="0">
                 <a:solidFill>
                   <a:srgbClr val="FF7F00"/>
                 </a:solidFill>
@@ -6007,7 +6073,7 @@
               <a:buNone/>
             </a:pPr>
             <a:r>
-              <a:rPr lang="en-US" sz="2400" b="1" i="0" u="none" strike="noStrike" cap="none" dirty="0">
+              <a:rPr lang="es-419" sz="2400" b="1" i="0" u="none" strike="noStrike" cap="none" dirty="0">
                 <a:solidFill>
                   <a:schemeClr val="lt1"/>
                 </a:solidFill>
@@ -6019,7 +6085,7 @@
               <a:t>&gt;&gt;&gt; </a:t>
             </a:r>
             <a:r>
-              <a:rPr lang="en-US" sz="2400" b="1" i="0" u="none" strike="noStrike" cap="none" dirty="0">
+              <a:rPr lang="es-419" sz="2400" b="1" i="0" u="none" strike="noStrike" cap="none" dirty="0">
                 <a:solidFill>
                   <a:srgbClr val="00FF00"/>
                 </a:solidFill>
@@ -6028,10 +6094,10 @@
                 <a:cs typeface="Courier New"/>
                 <a:sym typeface="Courier New"/>
               </a:rPr>
-              <a:t>friends</a:t>
-            </a:r>
-            <a:r>
-              <a:rPr lang="en-US" sz="2400" b="1" i="0" u="none" strike="noStrike" cap="none" dirty="0">
+              <a:t>amigos</a:t>
+            </a:r>
+            <a:r>
+              <a:rPr lang="es-419" sz="2400" b="1" i="0" u="none" strike="noStrike" cap="none" dirty="0">
                 <a:solidFill>
                   <a:schemeClr val="lt1"/>
                 </a:solidFill>
@@ -6051,7 +6117,7 @@
               <a:buSzPct val="25000"/>
             </a:pPr>
             <a:r>
-              <a:rPr lang="en-US" sz="2400" b="1" i="0" u="none" strike="noStrike" cap="none" dirty="0">
+              <a:rPr lang="es-419" sz="2400" b="1" i="0" u="none" strike="noStrike" cap="none" dirty="0">
                 <a:solidFill>
                   <a:schemeClr val="lt1"/>
                 </a:solidFill>
@@ -6063,7 +6129,7 @@
               <a:t>&gt;&gt;&gt; </a:t>
             </a:r>
             <a:r>
-              <a:rPr lang="en-US" sz="2400" b="1" i="0" u="none" strike="noStrike" cap="none" dirty="0" smtClean="0">
+              <a:rPr lang="es-419" sz="2400" b="1" i="0" u="none" strike="noStrike" cap="none" dirty="0" err="1">
                 <a:solidFill>
                   <a:srgbClr val="FFFF00"/>
                 </a:solidFill>
@@ -6072,10 +6138,22 @@
                 <a:cs typeface="Courier New"/>
                 <a:sym typeface="Courier New"/>
               </a:rPr>
-              <a:t>print(</a:t>
-            </a:r>
-            <a:r>
-              <a:rPr lang="en-US" sz="2400" b="1" i="0" u="none" strike="noStrike" cap="none" dirty="0" err="1" smtClean="0">
+              <a:t>print</a:t>
+            </a:r>
+            <a:r>
+              <a:rPr lang="es-419" sz="2400" b="1" i="0" u="none" strike="noStrike" cap="none" dirty="0">
+                <a:solidFill>
+                  <a:srgbClr val="FFFF00"/>
+                </a:solidFill>
+                <a:latin typeface="Courier New"/>
+                <a:ea typeface="Courier New"/>
+                <a:cs typeface="Courier New"/>
+                <a:sym typeface="Courier New"/>
+              </a:rPr>
+              <a:t>(</a:t>
+            </a:r>
+            <a:r>
+              <a:rPr lang="es-419" sz="2400" b="1" i="0" u="none" strike="noStrike" cap="none" dirty="0" err="1">
                 <a:solidFill>
                   <a:srgbClr val="FF00FF"/>
                 </a:solidFill>
@@ -6087,7 +6165,7 @@
               <a:t>len</a:t>
             </a:r>
             <a:r>
-              <a:rPr lang="en-US" sz="2400" b="1" i="0" u="none" strike="noStrike" cap="none" dirty="0" smtClean="0">
+              <a:rPr lang="es-419" sz="2400" b="1" i="0" u="none" strike="noStrike" cap="none" dirty="0">
                 <a:solidFill>
                   <a:schemeClr val="lt1"/>
                 </a:solidFill>
@@ -6099,7 +6177,7 @@
               <a:t>(</a:t>
             </a:r>
             <a:r>
-              <a:rPr lang="en-US" sz="2400" b="1" i="0" u="none" strike="noStrike" cap="none" dirty="0" smtClean="0">
+              <a:rPr lang="es-419" sz="2400" b="1" i="0" u="none" strike="noStrike" cap="none" dirty="0">
                 <a:solidFill>
                   <a:srgbClr val="00FF00"/>
                 </a:solidFill>
@@ -6108,10 +6186,10 @@
                 <a:cs typeface="Courier New"/>
                 <a:sym typeface="Courier New"/>
               </a:rPr>
-              <a:t>friends</a:t>
-            </a:r>
-            <a:r>
-              <a:rPr lang="en-US" sz="2400" b="1" i="0" u="none" strike="noStrike" cap="none" dirty="0" smtClean="0">
+              <a:t>amigos</a:t>
+            </a:r>
+            <a:r>
+              <a:rPr lang="es-419" sz="2400" b="1" i="0" u="none" strike="noStrike" cap="none" dirty="0">
                 <a:solidFill>
                   <a:schemeClr val="lt1"/>
                 </a:solidFill>
@@ -6123,7 +6201,7 @@
               <a:t>)</a:t>
             </a:r>
             <a:r>
-              <a:rPr lang="en-US" sz="2400" b="1" dirty="0" smtClean="0">
+              <a:rPr lang="es-419" sz="2400" b="1" dirty="0">
                 <a:solidFill>
                   <a:srgbClr val="FFFF00"/>
                 </a:solidFill>
@@ -6134,7 +6212,7 @@
               </a:rPr>
               <a:t>)</a:t>
             </a:r>
-            <a:endParaRPr lang="en-US" sz="2400" b="1" i="0" u="none" strike="noStrike" cap="none" dirty="0">
+            <a:endParaRPr lang="es-419" sz="2400" b="1" i="0" u="none" strike="noStrike" cap="none" dirty="0">
               <a:solidFill>
                 <a:schemeClr val="lt1"/>
               </a:solidFill>
@@ -6163,7 +6241,7 @@
               <a:buNone/>
             </a:pPr>
             <a:r>
-              <a:rPr lang="en-US" sz="2400" b="1" i="0" u="none" strike="noStrike" cap="none" dirty="0">
+              <a:rPr lang="es-419" sz="2400" b="1" i="0" u="none" strike="noStrike" cap="none" dirty="0">
                 <a:solidFill>
                   <a:schemeClr val="lt1"/>
                 </a:solidFill>
@@ -6183,7 +6261,7 @@
               <a:buSzPct val="25000"/>
             </a:pPr>
             <a:r>
-              <a:rPr lang="en-US" sz="2400" b="1" i="0" u="none" strike="noStrike" cap="none" dirty="0">
+              <a:rPr lang="es-419" sz="2400" b="1" i="0" u="none" strike="noStrike" cap="none" dirty="0">
                 <a:solidFill>
                   <a:schemeClr val="lt1"/>
                 </a:solidFill>
@@ -6195,7 +6273,7 @@
               <a:t>&gt;&gt;&gt; </a:t>
             </a:r>
             <a:r>
-              <a:rPr lang="en-US" sz="2400" b="1" i="0" u="none" strike="noStrike" cap="none" dirty="0" smtClean="0">
+              <a:rPr lang="es-419" sz="2400" b="1" i="0" u="none" strike="noStrike" cap="none" dirty="0" err="1">
                 <a:solidFill>
                   <a:srgbClr val="FFFF00"/>
                 </a:solidFill>
@@ -6204,10 +6282,22 @@
                 <a:cs typeface="Courier New"/>
                 <a:sym typeface="Courier New"/>
               </a:rPr>
-              <a:t>print(</a:t>
-            </a:r>
-            <a:r>
-              <a:rPr lang="en-US" sz="2400" b="1" i="0" u="none" strike="noStrike" cap="none" dirty="0" smtClean="0">
+              <a:t>print</a:t>
+            </a:r>
+            <a:r>
+              <a:rPr lang="es-419" sz="2400" b="1" i="0" u="none" strike="noStrike" cap="none" dirty="0">
+                <a:solidFill>
+                  <a:srgbClr val="FFFF00"/>
+                </a:solidFill>
+                <a:latin typeface="Courier New"/>
+                <a:ea typeface="Courier New"/>
+                <a:cs typeface="Courier New"/>
+                <a:sym typeface="Courier New"/>
+              </a:rPr>
+              <a:t>(</a:t>
+            </a:r>
+            <a:r>
+              <a:rPr lang="es-419" sz="2400" b="1" i="0" u="none" strike="noStrike" cap="none" dirty="0" err="1">
                 <a:solidFill>
                   <a:srgbClr val="FF00FF"/>
                 </a:solidFill>
@@ -6219,7 +6309,7 @@
               <a:t>range</a:t>
             </a:r>
             <a:r>
-              <a:rPr lang="en-US" sz="2400" b="1" i="0" u="none" strike="noStrike" cap="none" dirty="0" smtClean="0">
+              <a:rPr lang="es-419" sz="2400" b="1" i="0" u="none" strike="noStrike" cap="none" dirty="0">
                 <a:solidFill>
                   <a:schemeClr val="lt1"/>
                 </a:solidFill>
@@ -6231,7 +6321,7 @@
               <a:t>(</a:t>
             </a:r>
             <a:r>
-              <a:rPr lang="en-US" sz="2400" b="1" i="0" u="none" strike="noStrike" cap="none" dirty="0" err="1" smtClean="0">
+              <a:rPr lang="es-419" sz="2400" b="1" i="0" u="none" strike="noStrike" cap="none" dirty="0" err="1">
                 <a:solidFill>
                   <a:srgbClr val="FF00FF"/>
                 </a:solidFill>
@@ -6243,7 +6333,7 @@
               <a:t>len</a:t>
             </a:r>
             <a:r>
-              <a:rPr lang="en-US" sz="2400" b="1" i="0" u="none" strike="noStrike" cap="none" dirty="0" smtClean="0">
+              <a:rPr lang="es-419" sz="2400" b="1" i="0" u="none" strike="noStrike" cap="none" dirty="0">
                 <a:solidFill>
                   <a:schemeClr val="lt1"/>
                 </a:solidFill>
@@ -6255,7 +6345,7 @@
               <a:t>(</a:t>
             </a:r>
             <a:r>
-              <a:rPr lang="en-US" sz="2400" b="1" i="0" u="none" strike="noStrike" cap="none" dirty="0" smtClean="0">
+              <a:rPr lang="es-419" sz="2400" b="1" i="0" u="none" strike="noStrike" cap="none" dirty="0">
                 <a:solidFill>
                   <a:srgbClr val="00FF00"/>
                 </a:solidFill>
@@ -6264,10 +6354,10 @@
                 <a:cs typeface="Courier New"/>
                 <a:sym typeface="Courier New"/>
               </a:rPr>
-              <a:t>friends</a:t>
-            </a:r>
-            <a:r>
-              <a:rPr lang="en-US" sz="2400" b="1" i="0" u="none" strike="noStrike" cap="none" dirty="0" smtClean="0">
+              <a:t>amigos</a:t>
+            </a:r>
+            <a:r>
+              <a:rPr lang="es-419" sz="2400" b="1" i="0" u="none" strike="noStrike" cap="none" dirty="0">
                 <a:solidFill>
                   <a:schemeClr val="lt1"/>
                 </a:solidFill>
@@ -6279,7 +6369,7 @@
               <a:t>))</a:t>
             </a:r>
             <a:r>
-              <a:rPr lang="en-US" sz="2400" b="1" dirty="0" smtClean="0">
+              <a:rPr lang="es-419" sz="2400" b="1" dirty="0">
                 <a:solidFill>
                   <a:srgbClr val="FFFF00"/>
                 </a:solidFill>
@@ -6290,7 +6380,7 @@
               </a:rPr>
               <a:t>)</a:t>
             </a:r>
-            <a:endParaRPr lang="en-US" sz="2400" b="1" i="0" u="none" strike="noStrike" cap="none" dirty="0">
+            <a:endParaRPr lang="es-419" sz="2400" b="1" i="0" u="none" strike="noStrike" cap="none" dirty="0">
               <a:solidFill>
                 <a:schemeClr val="lt1"/>
               </a:solidFill>
@@ -6319,7 +6409,7 @@
               <a:buNone/>
             </a:pPr>
             <a:r>
-              <a:rPr lang="en-US" sz="2400" b="1" i="0" u="none" strike="noStrike" cap="none" dirty="0">
+              <a:rPr lang="es-419" sz="2400" b="1" i="0" u="none" strike="noStrike" cap="none" dirty="0">
                 <a:solidFill>
                   <a:srgbClr val="FF7F00"/>
                 </a:solidFill>
@@ -6350,7 +6440,7 @@
               <a:buNone/>
             </a:pPr>
             <a:r>
-              <a:rPr lang="en-US" sz="2400" b="1" i="0" u="none" strike="noStrike" cap="none" dirty="0">
+              <a:rPr lang="es-419" sz="2400" b="1" i="0" u="none" strike="noStrike" cap="none" dirty="0">
                 <a:solidFill>
                   <a:schemeClr val="lt1"/>
                 </a:solidFill>
@@ -6369,13 +6459,6 @@
   <p:clrMapOvr>
     <a:masterClrMapping/>
   </p:clrMapOvr>
-  <p:timing>
-    <p:tnLst>
-      <p:par>
-        <p:cTn xmlns:p14="http://schemas.microsoft.com/office/powerpoint/2010/main" id="1" dur="indefinite" restart="never" nodeType="tmRoot"/>
-      </p:par>
-    </p:tnLst>
-  </p:timing>
 </p:sld>
 </file>
 
@@ -6439,7 +6522,7 @@
               <a:buNone/>
             </a:pPr>
             <a:r>
-              <a:rPr lang="en-US" sz="7600" u="none" strike="noStrike" cap="none" dirty="0">
+              <a:rPr lang="es-419" sz="7600" u="none" strike="noStrike" cap="none" dirty="0">
                 <a:solidFill>
                   <a:srgbClr val="FFFF00"/>
                 </a:solidFill>
@@ -6448,10 +6531,10 @@
                 <a:cs typeface="Arial" charset="0"/>
                 <a:sym typeface="Cabin"/>
               </a:rPr>
-              <a:t>A </a:t>
-            </a:r>
-            <a:r>
-              <a:rPr lang="en-US" sz="7600" u="none" strike="noStrike" cap="none" dirty="0" smtClean="0">
+              <a:t>Un Cuento </a:t>
+            </a:r>
+            <a:r>
+              <a:rPr lang="es-419" sz="7600" dirty="0">
                 <a:solidFill>
                   <a:srgbClr val="FFFF00"/>
                 </a:solidFill>
@@ -6460,58 +6543,10 @@
                 <a:cs typeface="Arial" charset="0"/>
                 <a:sym typeface="Cabin"/>
               </a:rPr>
-              <a:t>Tale </a:t>
-            </a:r>
-            <a:r>
-              <a:rPr lang="en-US" sz="7600" u="none" strike="noStrike" cap="none" dirty="0">
-                <a:solidFill>
-                  <a:srgbClr val="FFFF00"/>
-                </a:solidFill>
-                <a:latin typeface="Arial" charset="0"/>
-                <a:ea typeface="Arial" charset="0"/>
-                <a:cs typeface="Arial" charset="0"/>
-                <a:sym typeface="Cabin"/>
-              </a:rPr>
-              <a:t>of </a:t>
-            </a:r>
-            <a:r>
-              <a:rPr lang="en-US" sz="7600" u="none" strike="noStrike" cap="none" dirty="0" smtClean="0">
-                <a:solidFill>
-                  <a:srgbClr val="FFFF00"/>
-                </a:solidFill>
-                <a:latin typeface="Arial" charset="0"/>
-                <a:ea typeface="Arial" charset="0"/>
-                <a:cs typeface="Arial" charset="0"/>
-                <a:sym typeface="Cabin"/>
-              </a:rPr>
-              <a:t>Two </a:t>
-            </a:r>
-            <a:r>
-              <a:rPr lang="en-US" sz="7600" dirty="0">
-                <a:solidFill>
-                  <a:srgbClr val="FFFF00"/>
-                </a:solidFill>
-                <a:latin typeface="Arial" charset="0"/>
-                <a:ea typeface="Arial" charset="0"/>
-                <a:cs typeface="Arial" charset="0"/>
-                <a:sym typeface="Cabin"/>
-              </a:rPr>
-              <a:t>L</a:t>
-            </a:r>
-            <a:r>
-              <a:rPr lang="en-US" sz="7600" u="none" strike="noStrike" cap="none" dirty="0" smtClean="0">
-                <a:solidFill>
-                  <a:srgbClr val="FFFF00"/>
-                </a:solidFill>
-                <a:latin typeface="Arial" charset="0"/>
-                <a:ea typeface="Arial" charset="0"/>
-                <a:cs typeface="Arial" charset="0"/>
-                <a:sym typeface="Cabin"/>
-              </a:rPr>
-              <a:t>oops</a:t>
-            </a:r>
-            <a:r>
-              <a:rPr lang="en-US" sz="7600" u="none" strike="noStrike" cap="none" dirty="0">
+              <a:t>Sobre Dos Bucles</a:t>
+            </a:r>
+            <a:r>
+              <a:rPr lang="es-419" sz="7600" u="none" strike="noStrike" cap="none" dirty="0">
                 <a:solidFill>
                   <a:srgbClr val="FFFF00"/>
                 </a:solidFill>
@@ -6568,7 +6603,7 @@
               <a:buNone/>
             </a:pPr>
             <a:r>
-              <a:rPr lang="en-US" sz="2400" b="1" i="0" u="none" strike="noStrike" cap="none" dirty="0">
+              <a:rPr lang="es-419" sz="2400" b="1" i="0" u="none" strike="noStrike" cap="none" dirty="0">
                 <a:solidFill>
                   <a:srgbClr val="00FF00"/>
                 </a:solidFill>
@@ -6577,10 +6612,10 @@
                 <a:cs typeface="Courier New"/>
                 <a:sym typeface="Courier New"/>
               </a:rPr>
-              <a:t>friends</a:t>
-            </a:r>
-            <a:r>
-              <a:rPr lang="en-US" sz="2400" b="1" i="0" u="none" strike="noStrike" cap="none" dirty="0">
+              <a:t>amigos</a:t>
+            </a:r>
+            <a:r>
+              <a:rPr lang="es-419" sz="2400" b="1" i="0" u="none" strike="noStrike" cap="none" dirty="0">
                 <a:solidFill>
                   <a:schemeClr val="lt1"/>
                 </a:solidFill>
@@ -6605,7 +6640,7 @@
               </a:spcAft>
               <a:buNone/>
             </a:pPr>
-            <a:endParaRPr sz="2400" b="1" i="0" u="none" strike="noStrike" cap="none" dirty="0">
+            <a:endParaRPr lang="es-419" sz="2400" b="1" i="0" u="none" strike="noStrike" cap="none" dirty="0">
               <a:solidFill>
                 <a:schemeClr val="lt1"/>
               </a:solidFill>
@@ -6634,7 +6669,7 @@
               <a:buNone/>
             </a:pPr>
             <a:r>
-              <a:rPr lang="en-US" sz="2400" b="1" i="0" u="none" strike="noStrike" cap="none" dirty="0">
+              <a:rPr lang="es-419" sz="2400" b="1" i="0" u="none" strike="noStrike" cap="none" dirty="0" err="1">
                 <a:solidFill>
                   <a:srgbClr val="FFFF00"/>
                 </a:solidFill>
@@ -6646,7 +6681,7 @@
               <a:t>for</a:t>
             </a:r>
             <a:r>
-              <a:rPr lang="en-US" sz="2400" b="1" i="0" u="none" strike="noStrike" cap="none" dirty="0">
+              <a:rPr lang="es-419" sz="2400" b="1" i="0" u="none" strike="noStrike" cap="none" dirty="0">
                 <a:solidFill>
                   <a:schemeClr val="lt1"/>
                 </a:solidFill>
@@ -6658,7 +6693,7 @@
               <a:t> </a:t>
             </a:r>
             <a:r>
-              <a:rPr lang="en-US" sz="2400" b="1" i="0" u="none" strike="noStrike" cap="none" dirty="0">
+              <a:rPr lang="es-419" sz="2400" b="1" i="0" u="none" strike="noStrike" cap="none" dirty="0">
                 <a:solidFill>
                   <a:srgbClr val="FF7F00"/>
                 </a:solidFill>
@@ -6667,10 +6702,10 @@
                 <a:cs typeface="Courier New"/>
                 <a:sym typeface="Courier New"/>
               </a:rPr>
-              <a:t>friend</a:t>
-            </a:r>
-            <a:r>
-              <a:rPr lang="en-US" sz="2400" b="1" i="0" u="none" strike="noStrike" cap="none" dirty="0">
+              <a:t>amigo</a:t>
+            </a:r>
+            <a:r>
+              <a:rPr lang="es-419" sz="2400" b="1" i="0" u="none" strike="noStrike" cap="none" dirty="0">
                 <a:solidFill>
                   <a:schemeClr val="lt1"/>
                 </a:solidFill>
@@ -6682,7 +6717,7 @@
               <a:t> </a:t>
             </a:r>
             <a:r>
-              <a:rPr lang="en-US" sz="2400" b="1" i="0" u="none" strike="noStrike" cap="none" dirty="0">
+              <a:rPr lang="es-419" sz="2400" b="1" i="0" u="none" strike="noStrike" cap="none" dirty="0">
                 <a:solidFill>
                   <a:srgbClr val="FFFF00"/>
                 </a:solidFill>
@@ -6694,7 +6729,7 @@
               <a:t>in</a:t>
             </a:r>
             <a:r>
-              <a:rPr lang="en-US" sz="2400" b="1" i="0" u="none" strike="noStrike" cap="none" dirty="0">
+              <a:rPr lang="es-419" sz="2400" b="1" i="0" u="none" strike="noStrike" cap="none" dirty="0">
                 <a:solidFill>
                   <a:schemeClr val="lt1"/>
                 </a:solidFill>
@@ -6706,7 +6741,7 @@
               <a:t> </a:t>
             </a:r>
             <a:r>
-              <a:rPr lang="en-US" sz="2400" b="1" i="0" u="none" strike="noStrike" cap="none" dirty="0">
+              <a:rPr lang="es-419" sz="2400" b="1" i="0" u="none" strike="noStrike" cap="none" dirty="0">
                 <a:solidFill>
                   <a:srgbClr val="00FF00"/>
                 </a:solidFill>
@@ -6715,10 +6750,10 @@
                 <a:cs typeface="Courier New"/>
                 <a:sym typeface="Courier New"/>
               </a:rPr>
-              <a:t>friends </a:t>
-            </a:r>
-            <a:r>
-              <a:rPr lang="en-US" sz="2400" b="1" i="0" u="none" strike="noStrike" cap="none" dirty="0">
+              <a:t>amigos </a:t>
+            </a:r>
+            <a:r>
+              <a:rPr lang="es-419" sz="2400" b="1" i="0" u="none" strike="noStrike" cap="none" dirty="0">
                 <a:solidFill>
                   <a:schemeClr val="lt1"/>
                 </a:solidFill>
@@ -6738,7 +6773,7 @@
               <a:buSzPct val="25000"/>
             </a:pPr>
             <a:r>
-              <a:rPr lang="en-US" sz="2400" b="1" i="0" u="none" strike="noStrike" cap="none" dirty="0">
+              <a:rPr lang="es-419" sz="2400" b="1" i="0" u="none" strike="noStrike" cap="none" dirty="0">
                 <a:solidFill>
                   <a:schemeClr val="lt1"/>
                 </a:solidFill>
@@ -6750,7 +6785,7 @@
               <a:t>    </a:t>
             </a:r>
             <a:r>
-              <a:rPr lang="en-US" sz="2400" b="1" i="0" u="none" strike="noStrike" cap="none" dirty="0" smtClean="0">
+              <a:rPr lang="es-419" sz="2400" b="1" i="0" u="none" strike="noStrike" cap="none" dirty="0" err="1">
                 <a:solidFill>
                   <a:srgbClr val="FFFF00"/>
                 </a:solidFill>
@@ -6759,34 +6794,58 @@
                 <a:cs typeface="Courier New"/>
                 <a:sym typeface="Courier New"/>
               </a:rPr>
-              <a:t>print(</a:t>
-            </a:r>
-            <a:r>
-              <a:rPr lang="en-US" sz="2400" b="1" i="0" u="none" strike="noStrike" cap="none" dirty="0" smtClean="0">
-                <a:solidFill>
-                  <a:schemeClr val="lt1"/>
-                </a:solidFill>
-                <a:latin typeface="Courier New"/>
-                <a:ea typeface="Courier New"/>
-                <a:cs typeface="Courier New"/>
-                <a:sym typeface="Courier New"/>
-              </a:rPr>
-              <a:t>'Happy </a:t>
-            </a:r>
-            <a:r>
-              <a:rPr lang="en-US" sz="2400" b="1" i="0" u="none" strike="noStrike" cap="none" dirty="0">
-                <a:solidFill>
-                  <a:schemeClr val="lt1"/>
-                </a:solidFill>
-                <a:latin typeface="Courier New"/>
-                <a:ea typeface="Courier New"/>
-                <a:cs typeface="Courier New"/>
-                <a:sym typeface="Courier New"/>
-              </a:rPr>
-              <a:t>New Year:',  </a:t>
-            </a:r>
-            <a:r>
-              <a:rPr lang="en-US" sz="2400" b="1" i="0" u="none" strike="noStrike" cap="none" dirty="0" smtClean="0">
+              <a:t>print</a:t>
+            </a:r>
+            <a:r>
+              <a:rPr lang="es-419" sz="2400" b="1" i="0" u="none" strike="noStrike" cap="none" dirty="0">
+                <a:solidFill>
+                  <a:srgbClr val="FFFF00"/>
+                </a:solidFill>
+                <a:latin typeface="Courier New"/>
+                <a:ea typeface="Courier New"/>
+                <a:cs typeface="Courier New"/>
+                <a:sym typeface="Courier New"/>
+              </a:rPr>
+              <a:t>(</a:t>
+            </a:r>
+            <a:r>
+              <a:rPr lang="es-419" sz="2400" b="1" dirty="0">
+                <a:solidFill>
+                  <a:schemeClr val="lt1"/>
+                </a:solidFill>
+                <a:latin typeface="Courier New"/>
+                <a:ea typeface="Courier New"/>
+                <a:cs typeface="Courier New"/>
+                <a:sym typeface="Courier New"/>
+              </a:rPr>
+              <a:t>'Feliz </a:t>
+            </a:r>
+            <a:r>
+              <a:rPr lang="es-419" sz="2400" b="1" i="0" u="none" strike="noStrike" cap="none" dirty="0">
+                <a:solidFill>
+                  <a:schemeClr val="lt1"/>
+                </a:solidFill>
+                <a:latin typeface="Courier New"/>
+                <a:ea typeface="Courier New"/>
+                <a:cs typeface="Courier New"/>
+                <a:sym typeface="Courier New"/>
+              </a:rPr>
+              <a:t>año </a:t>
+            </a:r>
+            <a:r>
+              <a:rPr lang="es-419" sz="2400" b="1" dirty="0">
+                <a:solidFill>
+                  <a:schemeClr val="lt1"/>
+                </a:solidFill>
+                <a:latin typeface="Courier New"/>
+                <a:ea typeface="Courier New"/>
+                <a:cs typeface="Courier New"/>
+                <a:sym typeface="Courier New"/>
+              </a:rPr>
+              <a:t>nuevo:',  </a:t>
+            </a:r>
+            <a:r>
+              <a:rPr lang="es-419" sz="2400" b="1" i="0" u="none" strike="noStrike" cap="none" dirty="0">
                 <a:solidFill>
                   <a:srgbClr val="FF7F00"/>
                 </a:solidFill>
@@ -6795,10 +6854,10 @@
                 <a:cs typeface="Courier New"/>
                 <a:sym typeface="Courier New"/>
               </a:rPr>
-              <a:t>friend</a:t>
-            </a:r>
-            <a:r>
-              <a:rPr lang="en-US" sz="2400" b="1" dirty="0" smtClean="0">
+              <a:t>amigo</a:t>
+            </a:r>
+            <a:r>
+              <a:rPr lang="es-419" sz="2400" b="1" dirty="0">
                 <a:solidFill>
                   <a:srgbClr val="FFFF00"/>
                 </a:solidFill>
@@ -6809,7 +6868,7 @@
               </a:rPr>
               <a:t>)</a:t>
             </a:r>
-            <a:endParaRPr lang="en-US" sz="2400" b="1" i="0" u="none" strike="noStrike" cap="none" dirty="0">
+            <a:endParaRPr lang="es-419" sz="2400" b="1" i="0" u="none" strike="noStrike" cap="none" dirty="0">
               <a:solidFill>
                 <a:srgbClr val="FF7F00"/>
               </a:solidFill>
@@ -6832,7 +6891,7 @@
               </a:spcAft>
               <a:buNone/>
             </a:pPr>
-            <a:endParaRPr sz="2400" b="1" i="0" u="none" strike="noStrike" cap="none" dirty="0">
+            <a:endParaRPr lang="es-419" sz="2400" b="1" i="0" u="none" strike="noStrike" cap="none" dirty="0">
               <a:solidFill>
                 <a:srgbClr val="00FF00"/>
               </a:solidFill>
@@ -6861,7 +6920,7 @@
               <a:buNone/>
             </a:pPr>
             <a:r>
-              <a:rPr lang="en-US" sz="2400" b="1" i="0" u="none" strike="noStrike" cap="none" dirty="0">
+              <a:rPr lang="es-419" sz="2400" b="1" i="0" u="none" strike="noStrike" cap="none" dirty="0" err="1">
                 <a:solidFill>
                   <a:srgbClr val="FFFF00"/>
                 </a:solidFill>
@@ -6873,7 +6932,7 @@
               <a:t>for</a:t>
             </a:r>
             <a:r>
-              <a:rPr lang="en-US" sz="2400" b="1" i="0" u="none" strike="noStrike" cap="none" dirty="0">
+              <a:rPr lang="es-419" sz="2400" b="1" i="0" u="none" strike="noStrike" cap="none" dirty="0">
                 <a:solidFill>
                   <a:schemeClr val="lt1"/>
                 </a:solidFill>
@@ -6885,7 +6944,7 @@
               <a:t> </a:t>
             </a:r>
             <a:r>
-              <a:rPr lang="en-US" sz="2400" b="1" i="0" u="none" strike="noStrike" cap="none" dirty="0" err="1">
+              <a:rPr lang="es-419" sz="2400" b="1" i="0" u="none" strike="noStrike" cap="none" dirty="0">
                 <a:solidFill>
                   <a:srgbClr val="00FF00"/>
                 </a:solidFill>
@@ -6897,7 +6956,7 @@
               <a:t>i</a:t>
             </a:r>
             <a:r>
-              <a:rPr lang="en-US" sz="2400" b="1" i="0" u="none" strike="noStrike" cap="none" dirty="0">
+              <a:rPr lang="es-419" sz="2400" b="1" i="0" u="none" strike="noStrike" cap="none" dirty="0">
                 <a:solidFill>
                   <a:schemeClr val="lt1"/>
                 </a:solidFill>
@@ -6909,7 +6968,7 @@
               <a:t> </a:t>
             </a:r>
             <a:r>
-              <a:rPr lang="en-US" sz="2400" b="1" i="0" u="none" strike="noStrike" cap="none" dirty="0">
+              <a:rPr lang="es-419" sz="2400" b="1" i="0" u="none" strike="noStrike" cap="none" dirty="0">
                 <a:solidFill>
                   <a:srgbClr val="FFFF00"/>
                 </a:solidFill>
@@ -6921,7 +6980,7 @@
               <a:t>in</a:t>
             </a:r>
             <a:r>
-              <a:rPr lang="en-US" sz="2400" b="1" i="0" u="none" strike="noStrike" cap="none" dirty="0">
+              <a:rPr lang="es-419" sz="2400" b="1" i="0" u="none" strike="noStrike" cap="none" dirty="0">
                 <a:solidFill>
                   <a:schemeClr val="lt1"/>
                 </a:solidFill>
@@ -6933,7 +6992,7 @@
               <a:t> </a:t>
             </a:r>
             <a:r>
-              <a:rPr lang="en-US" sz="2400" b="1" i="0" u="none" strike="noStrike" cap="none" dirty="0">
+              <a:rPr lang="es-419" sz="2400" b="1" i="0" u="none" strike="noStrike" cap="none" dirty="0" err="1">
                 <a:solidFill>
                   <a:srgbClr val="FF00FF"/>
                 </a:solidFill>
@@ -6945,7 +7004,7 @@
               <a:t>range</a:t>
             </a:r>
             <a:r>
-              <a:rPr lang="en-US" sz="2400" b="1" i="0" u="none" strike="noStrike" cap="none" dirty="0">
+              <a:rPr lang="es-419" sz="2400" b="1" i="0" u="none" strike="noStrike" cap="none" dirty="0">
                 <a:solidFill>
                   <a:schemeClr val="lt1"/>
                 </a:solidFill>
@@ -6957,7 +7016,7 @@
               <a:t>(</a:t>
             </a:r>
             <a:r>
-              <a:rPr lang="en-US" sz="2400" b="1" i="0" u="none" strike="noStrike" cap="none" dirty="0" err="1">
+              <a:rPr lang="es-419" sz="2400" b="1" i="0" u="none" strike="noStrike" cap="none" dirty="0" err="1">
                 <a:solidFill>
                   <a:schemeClr val="lt1"/>
                 </a:solidFill>
@@ -6969,7 +7028,7 @@
               <a:t>len</a:t>
             </a:r>
             <a:r>
-              <a:rPr lang="en-US" sz="2400" b="1" i="0" u="none" strike="noStrike" cap="none" dirty="0">
+              <a:rPr lang="es-419" sz="2400" b="1" i="0" u="none" strike="noStrike" cap="none" dirty="0">
                 <a:solidFill>
                   <a:schemeClr val="lt1"/>
                 </a:solidFill>
@@ -6981,7 +7040,7 @@
               <a:t>(</a:t>
             </a:r>
             <a:r>
-              <a:rPr lang="en-US" sz="2400" b="1" i="0" u="none" strike="noStrike" cap="none" dirty="0">
+              <a:rPr lang="es-419" sz="2400" b="1" i="0" u="none" strike="noStrike" cap="none" dirty="0">
                 <a:solidFill>
                   <a:srgbClr val="00FF00"/>
                 </a:solidFill>
@@ -6990,10 +7049,10 @@
                 <a:cs typeface="Courier New"/>
                 <a:sym typeface="Courier New"/>
               </a:rPr>
-              <a:t>friends)</a:t>
-            </a:r>
-            <a:r>
-              <a:rPr lang="en-US" sz="2400" b="1" i="0" u="none" strike="noStrike" cap="none" dirty="0">
+              <a:t>amigos)</a:t>
+            </a:r>
+            <a:r>
+              <a:rPr lang="es-419" sz="2400" b="1" i="0" u="none" strike="noStrike" cap="none" dirty="0">
                 <a:solidFill>
                   <a:schemeClr val="lt1"/>
                 </a:solidFill>
@@ -7024,7 +7083,7 @@
               <a:buNone/>
             </a:pPr>
             <a:r>
-              <a:rPr lang="en-US" sz="2400" b="1" i="0" u="none" strike="noStrike" cap="none" dirty="0">
+              <a:rPr lang="es-419" sz="2400" b="1" i="0" u="none" strike="noStrike" cap="none" dirty="0">
                 <a:solidFill>
                   <a:schemeClr val="lt1"/>
                 </a:solidFill>
@@ -7036,7 +7095,7 @@
               <a:t>    </a:t>
             </a:r>
             <a:r>
-              <a:rPr lang="en-US" sz="2400" b="1" i="0" u="none" strike="noStrike" cap="none" dirty="0">
+              <a:rPr lang="es-419" sz="2400" b="1" i="0" u="none" strike="noStrike" cap="none" dirty="0">
                 <a:solidFill>
                   <a:srgbClr val="FF7F00"/>
                 </a:solidFill>
@@ -7045,10 +7104,10 @@
                 <a:cs typeface="Courier New"/>
                 <a:sym typeface="Courier New"/>
               </a:rPr>
-              <a:t>friend</a:t>
-            </a:r>
-            <a:r>
-              <a:rPr lang="en-US" sz="2400" b="1" i="0" u="none" strike="noStrike" cap="none" dirty="0">
+              <a:t>amigo</a:t>
+            </a:r>
+            <a:r>
+              <a:rPr lang="es-419" sz="2400" b="1" i="0" u="none" strike="noStrike" cap="none" dirty="0">
                 <a:solidFill>
                   <a:schemeClr val="lt1"/>
                 </a:solidFill>
@@ -7060,7 +7119,7 @@
               <a:t> = </a:t>
             </a:r>
             <a:r>
-              <a:rPr lang="en-US" sz="2400" b="1" i="0" u="none" strike="noStrike" cap="none" dirty="0">
+              <a:rPr lang="es-419" sz="2400" b="1" i="0" u="none" strike="noStrike" cap="none" dirty="0">
                 <a:solidFill>
                   <a:srgbClr val="00FF00"/>
                 </a:solidFill>
@@ -7069,43 +7128,19 @@
                 <a:cs typeface="Courier New"/>
                 <a:sym typeface="Courier New"/>
               </a:rPr>
-              <a:t>friends</a:t>
-            </a:r>
-            <a:r>
-              <a:rPr lang="en-US" sz="2400" b="1" i="0" u="none" strike="noStrike" cap="none" dirty="0">
-                <a:solidFill>
-                  <a:schemeClr val="lt1"/>
-                </a:solidFill>
-                <a:latin typeface="Courier New"/>
-                <a:ea typeface="Courier New"/>
-                <a:cs typeface="Courier New"/>
-                <a:sym typeface="Courier New"/>
-              </a:rPr>
-              <a:t>[</a:t>
-            </a:r>
-            <a:r>
-              <a:rPr lang="en-US" sz="2400" b="1" i="0" u="none" strike="noStrike" cap="none" dirty="0" err="1">
-                <a:solidFill>
-                  <a:schemeClr val="lt1"/>
-                </a:solidFill>
-                <a:latin typeface="Courier New"/>
-                <a:ea typeface="Courier New"/>
-                <a:cs typeface="Courier New"/>
-                <a:sym typeface="Courier New"/>
-              </a:rPr>
-              <a:t>i</a:t>
-            </a:r>
-            <a:r>
-              <a:rPr lang="en-US" sz="2400" b="1" i="0" u="none" strike="noStrike" cap="none" dirty="0">
-                <a:solidFill>
-                  <a:schemeClr val="lt1"/>
-                </a:solidFill>
-                <a:latin typeface="Courier New"/>
-                <a:ea typeface="Courier New"/>
-                <a:cs typeface="Courier New"/>
-                <a:sym typeface="Courier New"/>
-              </a:rPr>
-              <a:t>]</a:t>
+              <a:t>amigos</a:t>
+            </a:r>
+            <a:r>
+              <a:rPr lang="es-419" sz="2400" b="1" i="0" u="none" strike="noStrike" cap="none" dirty="0">
+                <a:solidFill>
+                  <a:schemeClr val="lt1"/>
+                </a:solidFill>
+                <a:latin typeface="Courier New"/>
+                <a:ea typeface="Courier New"/>
+                <a:cs typeface="Courier New"/>
+                <a:sym typeface="Courier New"/>
+              </a:rPr>
+              <a:t>[i]</a:t>
             </a:r>
           </a:p>
           <a:p>
@@ -7116,7 +7151,7 @@
               <a:buSzPct val="25000"/>
             </a:pPr>
             <a:r>
-              <a:rPr lang="en-US" sz="2400" b="1" i="0" u="none" strike="noStrike" cap="none" dirty="0">
+              <a:rPr lang="es-419" sz="2400" b="1" i="0" u="none" strike="noStrike" cap="none" dirty="0">
                 <a:solidFill>
                   <a:schemeClr val="lt1"/>
                 </a:solidFill>
@@ -7128,7 +7163,7 @@
               <a:t>    </a:t>
             </a:r>
             <a:r>
-              <a:rPr lang="en-US" sz="2400" b="1" i="0" u="none" strike="noStrike" cap="none" dirty="0" smtClean="0">
+              <a:rPr lang="es-419" sz="2400" b="1" i="0" u="none" strike="noStrike" cap="none" dirty="0" err="1">
                 <a:solidFill>
                   <a:srgbClr val="FFFF00"/>
                 </a:solidFill>
@@ -7140,43 +7175,19 @@
               <a:t>print</a:t>
             </a:r>
             <a:r>
-              <a:rPr lang="en-US" sz="2400" b="1" dirty="0">
-                <a:solidFill>
-                  <a:schemeClr val="lt1"/>
-                </a:solidFill>
-                <a:latin typeface="Courier New"/>
-                <a:ea typeface="Courier New"/>
-                <a:cs typeface="Courier New"/>
-                <a:sym typeface="Courier New"/>
-              </a:rPr>
-              <a:t>(</a:t>
-            </a:r>
-            <a:r>
-              <a:rPr lang="en-US" sz="2400" b="1" i="0" u="none" strike="noStrike" cap="none" dirty="0" smtClean="0">
-                <a:solidFill>
-                  <a:schemeClr val="lt1"/>
-                </a:solidFill>
-                <a:latin typeface="Courier New"/>
-                <a:ea typeface="Courier New"/>
-                <a:cs typeface="Courier New"/>
-                <a:sym typeface="Courier New"/>
-              </a:rPr>
-              <a:t>'Happy </a:t>
-            </a:r>
-            <a:r>
-              <a:rPr lang="en-US" sz="2400" b="1" i="0" u="none" strike="noStrike" cap="none" dirty="0">
-                <a:solidFill>
-                  <a:schemeClr val="lt1"/>
-                </a:solidFill>
-                <a:latin typeface="Courier New"/>
-                <a:ea typeface="Courier New"/>
-                <a:cs typeface="Courier New"/>
-                <a:sym typeface="Courier New"/>
-              </a:rPr>
-              <a:t>New Year:',  </a:t>
-            </a:r>
-            <a:r>
-              <a:rPr lang="en-US" sz="2400" b="1" i="0" u="none" strike="noStrike" cap="none" dirty="0" smtClean="0">
+              <a:rPr lang="es-419" sz="2400" b="1" dirty="0">
+                <a:solidFill>
+                  <a:schemeClr val="lt1"/>
+                </a:solidFill>
+                <a:latin typeface="Courier New"/>
+                <a:ea typeface="Courier New"/>
+                <a:cs typeface="Courier New"/>
+                <a:sym typeface="Courier New"/>
+              </a:rPr>
+              <a:t>('Feliz año nuevo:', </a:t>
+            </a:r>
+            <a:r>
+              <a:rPr lang="es-419" sz="2400" b="1" i="0" u="none" strike="noStrike" cap="none" dirty="0">
                 <a:solidFill>
                   <a:srgbClr val="FF7F00"/>
                 </a:solidFill>
@@ -7185,10 +7196,10 @@
                 <a:cs typeface="Courier New"/>
                 <a:sym typeface="Courier New"/>
               </a:rPr>
-              <a:t>friend</a:t>
-            </a:r>
-            <a:r>
-              <a:rPr lang="en-US" sz="2400" b="1" dirty="0" smtClean="0">
+              <a:t>amigo</a:t>
+            </a:r>
+            <a:r>
+              <a:rPr lang="es-419" sz="2400" b="1" dirty="0">
                 <a:solidFill>
                   <a:srgbClr val="FFFF00"/>
                 </a:solidFill>
@@ -7199,7 +7210,7 @@
               </a:rPr>
               <a:t>)</a:t>
             </a:r>
-            <a:endParaRPr lang="en-US" sz="2400" b="1" i="0" u="none" strike="noStrike" cap="none" dirty="0">
+            <a:endParaRPr lang="es-419" sz="2400" b="1" i="0" u="none" strike="noStrike" cap="none" dirty="0">
               <a:solidFill>
                 <a:srgbClr val="FF7F00"/>
               </a:solidFill>
@@ -7254,7 +7265,7 @@
               <a:buNone/>
             </a:pPr>
             <a:r>
-              <a:rPr lang="en-US" sz="3000" u="none" strike="noStrike" cap="none">
+              <a:rPr lang="es-419" sz="3000" u="none" strike="noStrike" cap="none" dirty="0">
                 <a:solidFill>
                   <a:srgbClr val="FFFF00"/>
                 </a:solidFill>
@@ -7263,29 +7274,21 @@
                 <a:cs typeface="Arial" charset="0"/>
                 <a:sym typeface="Cabin"/>
               </a:rPr>
-              <a:t>Happy New Year: Joseph</a:t>
-            </a:r>
-          </a:p>
-          <a:p>
-            <a:pPr marL="0" marR="0" lvl="0" indent="0" algn="l" rtl="0">
+              <a:t>Feliz año nuevo: Joseph</a:t>
+            </a:r>
+          </a:p>
+          <a:p>
+            <a:pPr lvl="0">
               <a:lnSpc>
                 <a:spcPct val="115000"/>
               </a:lnSpc>
-              <a:spcBef>
-                <a:spcPts val="0"/>
-              </a:spcBef>
-              <a:spcAft>
-                <a:spcPts val="0"/>
-              </a:spcAft>
               <a:buClr>
                 <a:srgbClr val="FFFF00"/>
               </a:buClr>
               <a:buSzPct val="25000"/>
-              <a:buFont typeface="Cabin"/>
-              <a:buNone/>
             </a:pPr>
             <a:r>
-              <a:rPr lang="en-US" sz="3000" u="none" strike="noStrike" cap="none">
+              <a:rPr lang="es-419" sz="3000" dirty="0">
                 <a:solidFill>
                   <a:srgbClr val="FFFF00"/>
                 </a:solidFill>
@@ -7294,29 +7297,33 @@
                 <a:cs typeface="Arial" charset="0"/>
                 <a:sym typeface="Cabin"/>
               </a:rPr>
-              <a:t>Happy New Year: Glenn</a:t>
-            </a:r>
-          </a:p>
-          <a:p>
-            <a:pPr marL="0" marR="0" lvl="0" indent="0" algn="l" rtl="0">
+              <a:t>Feliz año nuevo: </a:t>
+            </a:r>
+            <a:r>
+              <a:rPr lang="es-419" sz="3000" u="none" strike="noStrike" cap="none" dirty="0">
+                <a:solidFill>
+                  <a:srgbClr val="FFFF00"/>
+                </a:solidFill>
+                <a:latin typeface="Arial" charset="0"/>
+                <a:ea typeface="Arial" charset="0"/>
+                <a:cs typeface="Arial" charset="0"/>
+                <a:sym typeface="Cabin"/>
+              </a:rPr>
+              <a:t>Glenn</a:t>
+            </a:r>
+          </a:p>
+          <a:p>
+            <a:pPr lvl="0">
               <a:lnSpc>
                 <a:spcPct val="115000"/>
               </a:lnSpc>
-              <a:spcBef>
-                <a:spcPts val="0"/>
-              </a:spcBef>
-              <a:spcAft>
-                <a:spcPts val="0"/>
-              </a:spcAft>
               <a:buClr>
                 <a:srgbClr val="FFFF00"/>
               </a:buClr>
               <a:buSzPct val="25000"/>
-              <a:buFont typeface="Cabin"/>
-              <a:buNone/>
             </a:pPr>
             <a:r>
-              <a:rPr lang="en-US" sz="3000" u="none" strike="noStrike" cap="none">
+              <a:rPr lang="es-419" sz="3000" dirty="0">
                 <a:solidFill>
                   <a:srgbClr val="FFFF00"/>
                 </a:solidFill>
@@ -7325,7 +7332,19 @@
                 <a:cs typeface="Arial" charset="0"/>
                 <a:sym typeface="Cabin"/>
               </a:rPr>
-              <a:t>Happy New Year: Sally</a:t>
+              <a:t>Feliz año nuevo: </a:t>
+            </a:r>
+            <a:r>
+              <a:rPr lang="es-419" sz="3000" u="none" strike="noStrike" cap="none" dirty="0">
+                <a:solidFill>
+                  <a:srgbClr val="FFFF00"/>
+                </a:solidFill>
+                <a:latin typeface="Arial" charset="0"/>
+                <a:ea typeface="Arial" charset="0"/>
+                <a:cs typeface="Arial" charset="0"/>
+                <a:sym typeface="Cabin"/>
+              </a:rPr>
+              <a:t>Sally</a:t>
             </a:r>
           </a:p>
         </p:txBody>
@@ -7373,7 +7392,7 @@
               <a:buNone/>
             </a:pPr>
             <a:r>
-              <a:rPr lang="en-US" sz="2400" b="1" i="0" u="none" strike="noStrike" cap="none" dirty="0">
+              <a:rPr lang="es-419" sz="2400" b="1" i="0" u="none" strike="noStrike" cap="none" dirty="0">
                 <a:solidFill>
                   <a:schemeClr val="lt1"/>
                 </a:solidFill>
@@ -7385,7 +7404,7 @@
               <a:t>&gt;&gt;&gt; </a:t>
             </a:r>
             <a:r>
-              <a:rPr lang="en-US" sz="2400" b="1" i="0" u="none" strike="noStrike" cap="none" dirty="0">
+              <a:rPr lang="es-419" sz="2400" b="1" i="0" u="none" strike="noStrike" cap="none" dirty="0">
                 <a:solidFill>
                   <a:srgbClr val="00FF00"/>
                 </a:solidFill>
@@ -7394,10 +7413,10 @@
                 <a:cs typeface="Courier New"/>
                 <a:sym typeface="Courier New"/>
               </a:rPr>
-              <a:t>friends</a:t>
-            </a:r>
-            <a:r>
-              <a:rPr lang="en-US" sz="2400" b="1" i="0" u="none" strike="noStrike" cap="none" dirty="0">
+              <a:t>amigos</a:t>
+            </a:r>
+            <a:r>
+              <a:rPr lang="es-419" sz="2400" b="1" i="0" u="none" strike="noStrike" cap="none" dirty="0">
                 <a:solidFill>
                   <a:schemeClr val="lt1"/>
                 </a:solidFill>
@@ -7417,7 +7436,7 @@
               <a:buSzPct val="25000"/>
             </a:pPr>
             <a:r>
-              <a:rPr lang="en-US" sz="2400" b="1" i="0" u="none" strike="noStrike" cap="none" dirty="0">
+              <a:rPr lang="es-419" sz="2400" b="1" i="0" u="none" strike="noStrike" cap="none" dirty="0">
                 <a:solidFill>
                   <a:schemeClr val="lt1"/>
                 </a:solidFill>
@@ -7429,7 +7448,7 @@
               <a:t>&gt;&gt;&gt; </a:t>
             </a:r>
             <a:r>
-              <a:rPr lang="en-US" sz="2400" b="1" i="0" u="none" strike="noStrike" cap="none" dirty="0" smtClean="0">
+              <a:rPr lang="es-419" sz="2400" b="1" i="0" u="none" strike="noStrike" cap="none" dirty="0" err="1">
                 <a:solidFill>
                   <a:srgbClr val="FFFF00"/>
                 </a:solidFill>
@@ -7438,10 +7457,22 @@
                 <a:cs typeface="Courier New"/>
                 <a:sym typeface="Courier New"/>
               </a:rPr>
-              <a:t>print(</a:t>
-            </a:r>
-            <a:r>
-              <a:rPr lang="en-US" sz="2400" b="1" i="0" u="none" strike="noStrike" cap="none" dirty="0" err="1" smtClean="0">
+              <a:t>print</a:t>
+            </a:r>
+            <a:r>
+              <a:rPr lang="es-419" sz="2400" b="1" i="0" u="none" strike="noStrike" cap="none" dirty="0">
+                <a:solidFill>
+                  <a:srgbClr val="FFFF00"/>
+                </a:solidFill>
+                <a:latin typeface="Courier New"/>
+                <a:ea typeface="Courier New"/>
+                <a:cs typeface="Courier New"/>
+                <a:sym typeface="Courier New"/>
+              </a:rPr>
+              <a:t>(</a:t>
+            </a:r>
+            <a:r>
+              <a:rPr lang="es-419" sz="2400" b="1" i="0" u="none" strike="noStrike" cap="none" dirty="0" err="1">
                 <a:solidFill>
                   <a:srgbClr val="FF00FF"/>
                 </a:solidFill>
@@ -7453,7 +7484,7 @@
               <a:t>len</a:t>
             </a:r>
             <a:r>
-              <a:rPr lang="en-US" sz="2400" b="1" i="0" u="none" strike="noStrike" cap="none" dirty="0" smtClean="0">
+              <a:rPr lang="es-419" sz="2400" b="1" i="0" u="none" strike="noStrike" cap="none" dirty="0">
                 <a:solidFill>
                   <a:schemeClr val="lt1"/>
                 </a:solidFill>
@@ -7465,7 +7496,7 @@
               <a:t>(</a:t>
             </a:r>
             <a:r>
-              <a:rPr lang="en-US" sz="2400" b="1" i="0" u="none" strike="noStrike" cap="none" dirty="0" smtClean="0">
+              <a:rPr lang="es-419" sz="2400" b="1" i="0" u="none" strike="noStrike" cap="none" dirty="0">
                 <a:solidFill>
                   <a:srgbClr val="00FF00"/>
                 </a:solidFill>
@@ -7474,10 +7505,10 @@
                 <a:cs typeface="Courier New"/>
                 <a:sym typeface="Courier New"/>
               </a:rPr>
-              <a:t>friends</a:t>
-            </a:r>
-            <a:r>
-              <a:rPr lang="en-US" sz="2400" b="1" i="0" u="none" strike="noStrike" cap="none" dirty="0" smtClean="0">
+              <a:t>amigos</a:t>
+            </a:r>
+            <a:r>
+              <a:rPr lang="es-419" sz="2400" b="1" i="0" u="none" strike="noStrike" cap="none" dirty="0">
                 <a:solidFill>
                   <a:schemeClr val="lt1"/>
                 </a:solidFill>
@@ -7489,7 +7520,7 @@
               <a:t>)</a:t>
             </a:r>
             <a:r>
-              <a:rPr lang="en-US" sz="2400" b="1" dirty="0" smtClean="0">
+              <a:rPr lang="es-419" sz="2400" b="1" dirty="0">
                 <a:solidFill>
                   <a:srgbClr val="FFFF00"/>
                 </a:solidFill>
@@ -7500,7 +7531,7 @@
               </a:rPr>
               <a:t>)</a:t>
             </a:r>
-            <a:endParaRPr lang="en-US" sz="2400" b="1" i="0" u="none" strike="noStrike" cap="none" dirty="0">
+            <a:endParaRPr lang="es-419" sz="2400" b="1" i="0" u="none" strike="noStrike" cap="none" dirty="0">
               <a:solidFill>
                 <a:schemeClr val="lt1"/>
               </a:solidFill>
@@ -7529,7 +7560,7 @@
               <a:buNone/>
             </a:pPr>
             <a:r>
-              <a:rPr lang="en-US" sz="2400" b="1" i="0" u="none" strike="noStrike" cap="none" dirty="0">
+              <a:rPr lang="es-419" sz="2400" b="1" i="0" u="none" strike="noStrike" cap="none" dirty="0">
                 <a:solidFill>
                   <a:schemeClr val="lt1"/>
                 </a:solidFill>
@@ -7549,7 +7580,7 @@
               <a:buSzPct val="25000"/>
             </a:pPr>
             <a:r>
-              <a:rPr lang="en-US" sz="2400" b="1" i="0" u="none" strike="noStrike" cap="none" dirty="0">
+              <a:rPr lang="es-419" sz="2400" b="1" i="0" u="none" strike="noStrike" cap="none" dirty="0">
                 <a:solidFill>
                   <a:schemeClr val="lt1"/>
                 </a:solidFill>
@@ -7561,7 +7592,7 @@
               <a:t>&gt;&gt;&gt; </a:t>
             </a:r>
             <a:r>
-              <a:rPr lang="en-US" sz="2400" b="1" i="0" u="none" strike="noStrike" cap="none" dirty="0" smtClean="0">
+              <a:rPr lang="es-419" sz="2400" b="1" i="0" u="none" strike="noStrike" cap="none" dirty="0" err="1">
                 <a:solidFill>
                   <a:srgbClr val="FFFF00"/>
                 </a:solidFill>
@@ -7570,10 +7601,22 @@
                 <a:cs typeface="Courier New"/>
                 <a:sym typeface="Courier New"/>
               </a:rPr>
-              <a:t>print(</a:t>
-            </a:r>
-            <a:r>
-              <a:rPr lang="en-US" sz="2400" b="1" i="0" u="none" strike="noStrike" cap="none" dirty="0" smtClean="0">
+              <a:t>print</a:t>
+            </a:r>
+            <a:r>
+              <a:rPr lang="es-419" sz="2400" b="1" i="0" u="none" strike="noStrike" cap="none" dirty="0">
+                <a:solidFill>
+                  <a:srgbClr val="FFFF00"/>
+                </a:solidFill>
+                <a:latin typeface="Courier New"/>
+                <a:ea typeface="Courier New"/>
+                <a:cs typeface="Courier New"/>
+                <a:sym typeface="Courier New"/>
+              </a:rPr>
+              <a:t>(</a:t>
+            </a:r>
+            <a:r>
+              <a:rPr lang="es-419" sz="2400" b="1" i="0" u="none" strike="noStrike" cap="none" dirty="0" err="1">
                 <a:solidFill>
                   <a:srgbClr val="FF00FF"/>
                 </a:solidFill>
@@ -7585,7 +7628,7 @@
               <a:t>range</a:t>
             </a:r>
             <a:r>
-              <a:rPr lang="en-US" sz="2400" b="1" i="0" u="none" strike="noStrike" cap="none" dirty="0" smtClean="0">
+              <a:rPr lang="es-419" sz="2400" b="1" i="0" u="none" strike="noStrike" cap="none" dirty="0">
                 <a:solidFill>
                   <a:schemeClr val="lt1"/>
                 </a:solidFill>
@@ -7597,7 +7640,7 @@
               <a:t>(</a:t>
             </a:r>
             <a:r>
-              <a:rPr lang="en-US" sz="2400" b="1" i="0" u="none" strike="noStrike" cap="none" dirty="0" err="1" smtClean="0">
+              <a:rPr lang="es-419" sz="2400" b="1" i="0" u="none" strike="noStrike" cap="none" dirty="0" err="1">
                 <a:solidFill>
                   <a:srgbClr val="FF00FF"/>
                 </a:solidFill>
@@ -7609,19 +7652,19 @@
               <a:t>len</a:t>
             </a:r>
             <a:r>
-              <a:rPr lang="en-US" sz="2400" b="1" i="0" u="none" strike="noStrike" cap="none" dirty="0" smtClean="0">
-                <a:solidFill>
-                  <a:schemeClr val="lt1"/>
-                </a:solidFill>
-                <a:latin typeface="Courier New"/>
-                <a:ea typeface="Courier New"/>
-                <a:cs typeface="Courier New"/>
-                <a:sym typeface="Courier New"/>
-              </a:rPr>
-              <a:t>(friends))</a:t>
-            </a:r>
-            <a:r>
-              <a:rPr lang="en-US" sz="2400" b="1" dirty="0" smtClean="0">
+              <a:rPr lang="es-419" sz="2400" b="1" i="0" u="none" strike="noStrike" cap="none" dirty="0">
+                <a:solidFill>
+                  <a:schemeClr val="lt1"/>
+                </a:solidFill>
+                <a:latin typeface="Courier New"/>
+                <a:ea typeface="Courier New"/>
+                <a:cs typeface="Courier New"/>
+                <a:sym typeface="Courier New"/>
+              </a:rPr>
+              <a:t>(amigos))</a:t>
+            </a:r>
+            <a:r>
+              <a:rPr lang="es-419" sz="2400" b="1" dirty="0">
                 <a:solidFill>
                   <a:srgbClr val="FFFF00"/>
                 </a:solidFill>
@@ -7632,7 +7675,7 @@
               </a:rPr>
               <a:t>)</a:t>
             </a:r>
-            <a:endParaRPr lang="en-US" sz="2400" b="1" i="0" u="none" strike="noStrike" cap="none" dirty="0">
+            <a:endParaRPr lang="es-419" sz="2400" b="1" i="0" u="none" strike="noStrike" cap="none" dirty="0">
               <a:solidFill>
                 <a:schemeClr val="lt1"/>
               </a:solidFill>
@@ -7661,7 +7704,7 @@
               <a:buNone/>
             </a:pPr>
             <a:r>
-              <a:rPr lang="en-US" sz="2400" b="1" i="0" u="none" strike="noStrike" cap="none" dirty="0">
+              <a:rPr lang="es-419" sz="2400" b="1" i="0" u="none" strike="noStrike" cap="none" dirty="0">
                 <a:solidFill>
                   <a:schemeClr val="lt1"/>
                 </a:solidFill>
@@ -7692,7 +7735,7 @@
               <a:buNone/>
             </a:pPr>
             <a:r>
-              <a:rPr lang="en-US" sz="2400" b="1" i="0" u="none" strike="noStrike" cap="none" dirty="0">
+              <a:rPr lang="es-419" sz="2400" b="1" i="0" u="none" strike="noStrike" cap="none" dirty="0">
                 <a:solidFill>
                   <a:schemeClr val="lt1"/>
                 </a:solidFill>
@@ -7711,13 +7754,6 @@
   <p:clrMapOvr>
     <a:masterClrMapping/>
   </p:clrMapOvr>
-  <p:timing>
-    <p:tnLst>
-      <p:par>
-        <p:cTn xmlns:p14="http://schemas.microsoft.com/office/powerpoint/2010/main" id="1" dur="indefinite" restart="never" nodeType="tmRoot"/>
-      </p:par>
-    </p:tnLst>
-  </p:timing>
 </p:sld>
 </file>
 
@@ -7781,7 +7817,7 @@
               <a:buNone/>
             </a:pPr>
             <a:r>
-              <a:rPr lang="en-US" sz="7600" u="none" strike="noStrike" cap="none" dirty="0" smtClean="0">
+              <a:rPr lang="es-419" sz="7600" u="none" strike="noStrike" cap="none">
                 <a:solidFill>
                   <a:srgbClr val="FFFF00"/>
                 </a:solidFill>
@@ -7790,17 +7826,8 @@
                 <a:cs typeface="Arial" charset="0"/>
                 <a:sym typeface="Cabin"/>
               </a:rPr>
-              <a:t>Programming</a:t>
-            </a:r>
-            <a:endParaRPr lang="en-US" sz="7600" u="none" strike="noStrike" cap="none" dirty="0">
-              <a:solidFill>
-                <a:srgbClr val="FFFF00"/>
-              </a:solidFill>
-              <a:latin typeface="Arial" charset="0"/>
-              <a:ea typeface="Arial" charset="0"/>
-              <a:cs typeface="Arial" charset="0"/>
-              <a:sym typeface="Cabin"/>
-            </a:endParaRPr>
+              <a:t>Programación</a:t>
+            </a:r>
           </a:p>
         </p:txBody>
       </p:sp>
@@ -7847,7 +7874,7 @@
               <a:buFont typeface="Cabin"/>
             </a:pPr>
             <a:r>
-              <a:rPr lang="en-US" sz="3600" b="0" u="none" strike="noStrike" cap="none" dirty="0" smtClean="0">
+              <a:rPr lang="es-419" sz="3600" b="0" u="none" strike="noStrike" cap="none" dirty="0">
                 <a:solidFill>
                   <a:srgbClr val="FF7F00"/>
                 </a:solidFill>
@@ -7856,7 +7883,7 @@
                 <a:cs typeface="Arial" charset="0"/>
                 <a:sym typeface="Cabin"/>
               </a:rPr>
-              <a:t>Algorithms</a:t>
+              <a:t>Algoritmos</a:t>
             </a:r>
           </a:p>
           <a:p>
@@ -7870,7 +7897,7 @@
               <a:buSzPct val="100000"/>
             </a:pPr>
             <a:r>
-              <a:rPr lang="en-US" sz="3200" b="0" dirty="0" smtClean="0">
+              <a:rPr lang="es-419" sz="3200" b="0" dirty="0">
                 <a:solidFill>
                   <a:schemeClr val="bg1"/>
                 </a:solidFill>
@@ -7879,7 +7906,7 @@
                 <a:cs typeface="Arial" charset="0"/>
                 <a:sym typeface="Cabin"/>
               </a:rPr>
-              <a:t>A set of rules or steps used to solve a problem</a:t>
+              <a:t>Un conjunto de reglas o pasos usados para resolver un problema</a:t>
             </a:r>
           </a:p>
           <a:p>
@@ -7892,7 +7919,7 @@
               </a:spcAft>
               <a:buSzPct val="100000"/>
             </a:pPr>
-            <a:endParaRPr lang="en-US" sz="3200" b="0" u="none" strike="noStrike" cap="none" dirty="0" smtClean="0">
+            <a:endParaRPr lang="es-419" sz="3200" b="0" u="none" strike="noStrike" cap="none" dirty="0">
               <a:solidFill>
                 <a:schemeClr val="bg1"/>
               </a:solidFill>
@@ -7917,7 +7944,7 @@
               <a:buFont typeface="Cabin"/>
             </a:pPr>
             <a:r>
-              <a:rPr lang="en-US" sz="3600" b="0" dirty="0" smtClean="0">
+              <a:rPr lang="es-419" sz="3600" b="0" dirty="0">
                 <a:solidFill>
                   <a:srgbClr val="FF7F00"/>
                 </a:solidFill>
@@ -7926,7 +7953,7 @@
                 <a:cs typeface="Arial" charset="0"/>
                 <a:sym typeface="Cabin"/>
               </a:rPr>
-              <a:t>Data Structures</a:t>
+              <a:t>Estructuras de Datos</a:t>
             </a:r>
           </a:p>
           <a:p>
@@ -7940,7 +7967,7 @@
               <a:buSzPct val="100000"/>
             </a:pPr>
             <a:r>
-              <a:rPr lang="en-US" sz="3200" b="0" dirty="0" smtClean="0">
+              <a:rPr lang="es-419" sz="3200" b="0" dirty="0">
                 <a:solidFill>
                   <a:schemeClr val="lt1"/>
                 </a:solidFill>
@@ -7949,21 +7976,9 @@
                 <a:cs typeface="Arial" charset="0"/>
                 <a:sym typeface="Cabin"/>
               </a:rPr>
-              <a:t>A </a:t>
-            </a:r>
-            <a:r>
-              <a:rPr lang="en-US" sz="3200" b="0" dirty="0">
-                <a:solidFill>
-                  <a:schemeClr val="lt1"/>
-                </a:solidFill>
-                <a:latin typeface="Arial" charset="0"/>
-                <a:ea typeface="Arial" charset="0"/>
-                <a:cs typeface="Arial" charset="0"/>
-                <a:sym typeface="Cabin"/>
-              </a:rPr>
-              <a:t>particular way of organizing data in a computer</a:t>
-            </a:r>
-            <a:endParaRPr lang="en-US" sz="3200" b="0" u="none" strike="noStrike" cap="none" dirty="0">
+              <a:t>Una forma particular de organizar datos en una computadora</a:t>
+            </a:r>
+            <a:endParaRPr lang="es-419" sz="3200" b="0" u="none" strike="noStrike" cap="none" dirty="0">
               <a:solidFill>
                 <a:schemeClr val="lt1"/>
               </a:solidFill>
@@ -7983,8 +7998,8 @@
         </p:nvSpPr>
         <p:spPr>
           <a:xfrm>
-            <a:off x="7767449" y="6941246"/>
-            <a:ext cx="7973658" cy="1077218"/>
+            <a:off x="6696643" y="6941246"/>
+            <a:ext cx="9044464" cy="1077218"/>
           </a:xfrm>
           <a:prstGeom prst="rect">
             <a:avLst/>
@@ -7999,23 +8014,11 @@
             <a:pPr algn="r"/>
             <a:r>
               <a:rPr lang="en-US" sz="3200" dirty="0">
-                <a:solidFill>
-                  <a:srgbClr val="FFFF00"/>
-                </a:solidFill>
                 <a:hlinkClick r:id="rId3"/>
               </a:rPr>
-              <a:t>https://</a:t>
-            </a:r>
-            <a:r>
-              <a:rPr lang="en-US" sz="3200" dirty="0" smtClean="0">
-                <a:solidFill>
-                  <a:srgbClr val="FFFF00"/>
-                </a:solidFill>
-                <a:hlinkClick r:id="rId3"/>
-              </a:rPr>
-              <a:t>en.wikipedia.org/wiki/Algorithm</a:t>
-            </a:r>
-            <a:endParaRPr lang="en-US" sz="3200" dirty="0" smtClean="0">
+              <a:t>https://es.wikipedia.org/wiki/Algoritmo</a:t>
+            </a:r>
+            <a:endParaRPr lang="es-419" sz="3200" dirty="0">
               <a:solidFill>
                 <a:srgbClr val="FFFF00"/>
               </a:solidFill>
@@ -8025,23 +8028,11 @@
             <a:pPr algn="r"/>
             <a:r>
               <a:rPr lang="en-US" sz="3200" dirty="0">
-                <a:solidFill>
-                  <a:srgbClr val="FFFF00"/>
-                </a:solidFill>
                 <a:hlinkClick r:id="rId4"/>
               </a:rPr>
-              <a:t>https://</a:t>
-            </a:r>
-            <a:r>
-              <a:rPr lang="en-US" sz="3200" dirty="0" smtClean="0">
-                <a:solidFill>
-                  <a:srgbClr val="FFFF00"/>
-                </a:solidFill>
-                <a:hlinkClick r:id="rId4"/>
-              </a:rPr>
-              <a:t>en.wikipedia.org/wiki/Data_structure</a:t>
-            </a:r>
-            <a:endParaRPr lang="en-US" sz="3200" dirty="0" smtClean="0">
+              <a:t>https://es.wikipedia.org/wiki/Estructura_de_datos</a:t>
+            </a:r>
+            <a:endParaRPr lang="es-419" sz="3200" dirty="0">
               <a:solidFill>
                 <a:srgbClr val="FFFF00"/>
               </a:solidFill>
@@ -8059,13 +8050,6 @@
   <p:clrMapOvr>
     <a:masterClrMapping/>
   </p:clrMapOvr>
-  <p:timing>
-    <p:tnLst>
-      <p:par>
-        <p:cTn xmlns:p14="http://schemas.microsoft.com/office/powerpoint/2010/main" id="1" dur="indefinite" restart="never" nodeType="tmRoot"/>
-      </p:par>
-    </p:tnLst>
-  </p:timing>
 </p:sld>
 </file>
 
@@ -8129,7 +8113,7 @@
               <a:buNone/>
             </a:pPr>
             <a:r>
-              <a:rPr lang="en-US" sz="7600" u="none" strike="noStrike" cap="none" dirty="0">
+              <a:rPr lang="es-419" sz="7600" dirty="0">
                 <a:solidFill>
                   <a:srgbClr val="FFFF00"/>
                 </a:solidFill>
@@ -8138,34 +8122,10 @@
                 <a:cs typeface="Arial" charset="0"/>
                 <a:sym typeface="Cabin"/>
               </a:rPr>
-              <a:t>What is </a:t>
-            </a:r>
-            <a:r>
-              <a:rPr lang="en-US" sz="7600" dirty="0" smtClean="0">
-                <a:solidFill>
-                  <a:srgbClr val="FFFF00"/>
-                </a:solidFill>
-                <a:latin typeface="Arial" charset="0"/>
-                <a:ea typeface="Arial" charset="0"/>
-                <a:cs typeface="Arial" charset="0"/>
-                <a:sym typeface="Cabin"/>
-              </a:rPr>
-              <a:t>Not A</a:t>
-            </a:r>
-            <a:r>
-              <a:rPr lang="en-US" sz="7600" u="none" strike="noStrike" cap="none" dirty="0" smtClean="0">
-                <a:solidFill>
-                  <a:srgbClr val="FFFF00"/>
-                </a:solidFill>
-                <a:latin typeface="Arial" charset="0"/>
-                <a:ea typeface="Arial" charset="0"/>
-                <a:cs typeface="Arial" charset="0"/>
-                <a:sym typeface="Cabin"/>
-              </a:rPr>
-              <a:t> </a:t>
-            </a:r>
-            <a:r>
-              <a:rPr lang="en-US" sz="7600" b="0" i="0" u="none" strike="noStrike" cap="none" dirty="0">
+              <a:t>¿Qué No es Una “Colección”</a:t>
+            </a:r>
+            <a:r>
+              <a:rPr lang="es-419" sz="7600" b="0" i="0" u="none" strike="noStrike" cap="none" dirty="0">
                 <a:solidFill>
                   <a:srgbClr val="FFFF00"/>
                 </a:solidFill>
@@ -8174,41 +8134,8 @@
                 <a:cs typeface="Arial"/>
                 <a:sym typeface="Arial"/>
               </a:rPr>
-              <a:t>“</a:t>
-            </a:r>
-            <a:r>
-              <a:rPr lang="en-US" sz="7600" u="none" strike="noStrike" cap="none" dirty="0">
-                <a:solidFill>
-                  <a:srgbClr val="FFFF00"/>
-                </a:solidFill>
-                <a:latin typeface="Arial" charset="0"/>
-                <a:ea typeface="Arial" charset="0"/>
-                <a:cs typeface="Arial" charset="0"/>
-                <a:sym typeface="Cabin"/>
-              </a:rPr>
-              <a:t>Collection</a:t>
-            </a:r>
-            <a:r>
-              <a:rPr lang="en-US" sz="7600" b="0" i="0" u="none" strike="noStrike" cap="none" dirty="0" smtClean="0">
-                <a:solidFill>
-                  <a:srgbClr val="FFFF00"/>
-                </a:solidFill>
-                <a:latin typeface="Arial"/>
-                <a:ea typeface="Arial"/>
-                <a:cs typeface="Arial"/>
-                <a:sym typeface="Arial"/>
-              </a:rPr>
-              <a:t>”?</a:t>
-            </a:r>
-            <a:endParaRPr lang="en-US" sz="7600" b="0" i="0" u="none" strike="noStrike" cap="none" dirty="0">
-              <a:solidFill>
-                <a:srgbClr val="FFFF00"/>
-              </a:solidFill>
-              <a:latin typeface="Arial"/>
-              <a:ea typeface="Arial"/>
-              <a:cs typeface="Arial"/>
-              <a:sym typeface="Arial"/>
-            </a:endParaRPr>
+              <a:t>?</a:t>
+            </a:r>
           </a:p>
         </p:txBody>
       </p:sp>
@@ -8254,7 +8181,7 @@
               <a:buNone/>
             </a:pPr>
             <a:r>
-              <a:rPr lang="en-US" sz="3600" b="0" u="none" strike="noStrike" cap="none" dirty="0">
+              <a:rPr lang="es-419" sz="3600" b="0" u="none" strike="noStrike" cap="none" dirty="0">
                 <a:solidFill>
                   <a:schemeClr val="lt1"/>
                 </a:solidFill>
@@ -8263,10 +8190,10 @@
                 <a:cs typeface="Arial" charset="0"/>
                 <a:sym typeface="Cabin"/>
               </a:rPr>
-              <a:t>Most of our </a:t>
-            </a:r>
-            <a:r>
-              <a:rPr lang="en-US" sz="3600" b="0" u="none" strike="noStrike" cap="none" dirty="0">
+              <a:t>La mayoría de nuestras </a:t>
+            </a:r>
+            <a:r>
+              <a:rPr lang="es-419" sz="3600" b="0" u="none" strike="noStrike" cap="none" dirty="0">
                 <a:solidFill>
                   <a:srgbClr val="00FF00"/>
                 </a:solidFill>
@@ -8278,7 +8205,7 @@
               <a:t>variables</a:t>
             </a:r>
             <a:r>
-              <a:rPr lang="en-US" sz="3600" b="0" u="none" strike="noStrike" cap="none" dirty="0">
+              <a:rPr lang="es-419" sz="3600" b="0" u="none" strike="noStrike" cap="none" dirty="0">
                 <a:solidFill>
                   <a:schemeClr val="lt1"/>
                 </a:solidFill>
@@ -8287,34 +8214,34 @@
                 <a:cs typeface="Arial" charset="0"/>
                 <a:sym typeface="Cabin"/>
               </a:rPr>
-              <a:t> have one value in them - when we put a new value in the </a:t>
-            </a:r>
-            <a:r>
-              <a:rPr lang="en-US" sz="3600" b="0" u="none" strike="noStrike" cap="none" dirty="0">
-                <a:solidFill>
-                  <a:srgbClr val="00FF00"/>
+              <a:t> solo tienen un </a:t>
+            </a:r>
+            <a:r>
+              <a:rPr lang="es-419" sz="3600" b="0" dirty="0">
+                <a:solidFill>
+                  <a:schemeClr val="lt1"/>
                 </a:solidFill>
                 <a:latin typeface="Arial" charset="0"/>
                 <a:ea typeface="Arial" charset="0"/>
                 <a:cs typeface="Arial" charset="0"/>
                 <a:sym typeface="Cabin"/>
               </a:rPr>
-              <a:t>variable</a:t>
-            </a:r>
-            <a:r>
-              <a:rPr lang="en-US" sz="3600" b="0" dirty="0">
-                <a:solidFill>
-                  <a:schemeClr val="lt1"/>
+              <a:t>valor en ellas – cuando ponemos un nuevo valor en una </a:t>
+            </a:r>
+            <a:r>
+              <a:rPr lang="es-419" sz="3600" b="0" u="none" strike="noStrike" cap="none" dirty="0">
+                <a:solidFill>
+                  <a:srgbClr val="00FF00"/>
                 </a:solidFill>
                 <a:latin typeface="Arial" charset="0"/>
                 <a:ea typeface="Arial" charset="0"/>
                 <a:cs typeface="Arial" charset="0"/>
                 <a:sym typeface="Cabin"/>
               </a:rPr>
-              <a:t>,</a:t>
-            </a:r>
-            <a:r>
-              <a:rPr lang="en-US" sz="3600" b="0" u="none" strike="noStrike" cap="none" dirty="0">
+              <a:t>variable</a:t>
+            </a:r>
+            <a:r>
+              <a:rPr lang="es-419" sz="3600" b="0" dirty="0">
                 <a:solidFill>
                   <a:schemeClr val="lt1"/>
                 </a:solidFill>
@@ -8323,7 +8250,19 @@
                 <a:cs typeface="Arial" charset="0"/>
                 <a:sym typeface="Cabin"/>
               </a:rPr>
-              <a:t> the old value is overwritten</a:t>
+              <a:t>,</a:t>
+            </a:r>
+            <a:r>
+              <a:rPr lang="es-419" sz="3600" b="0" u="none" strike="noStrike" cap="none" dirty="0">
+                <a:solidFill>
+                  <a:schemeClr val="lt1"/>
+                </a:solidFill>
+                <a:latin typeface="Arial" charset="0"/>
+                <a:ea typeface="Arial" charset="0"/>
+                <a:cs typeface="Arial" charset="0"/>
+                <a:sym typeface="Cabin"/>
+              </a:rPr>
+              <a:t> el valor anterior es sobrescrito</a:t>
             </a:r>
           </a:p>
         </p:txBody>
@@ -8371,7 +8310,7 @@
               <a:buNone/>
             </a:pPr>
             <a:r>
-              <a:rPr lang="en-US" sz="3000" b="1" i="0" u="none" strike="noStrike" cap="none" dirty="0">
+              <a:rPr lang="es-419" sz="3000" b="1" i="0" u="none" strike="noStrike" cap="none" dirty="0">
                 <a:solidFill>
                   <a:schemeClr val="lt1"/>
                 </a:solidFill>
@@ -8383,7 +8322,7 @@
               <a:t>$ </a:t>
             </a:r>
             <a:r>
-              <a:rPr lang="en-US" sz="3000" b="1" i="0" u="none" strike="noStrike" cap="none" dirty="0">
+              <a:rPr lang="es-419" sz="3000" b="1" i="0" u="none" strike="noStrike" cap="none" dirty="0" err="1">
                 <a:solidFill>
                   <a:srgbClr val="FFFF00"/>
                 </a:solidFill>
@@ -8394,184 +8333,7 @@
               </a:rPr>
               <a:t>python</a:t>
             </a:r>
-          </a:p>
-          <a:p>
-            <a:pPr marL="0" marR="0" lvl="0" indent="0" algn="l" rtl="0">
-              <a:lnSpc>
-                <a:spcPct val="100000"/>
-              </a:lnSpc>
-              <a:spcBef>
-                <a:spcPts val="0"/>
-              </a:spcBef>
-              <a:spcAft>
-                <a:spcPts val="0"/>
-              </a:spcAft>
-              <a:buClr>
-                <a:schemeClr val="lt1"/>
-              </a:buClr>
-              <a:buSzPct val="25000"/>
-              <a:buFont typeface="Cabin"/>
-              <a:buNone/>
-            </a:pPr>
-            <a:r>
-              <a:rPr lang="en-US" sz="3000" b="1" i="0" u="none" strike="noStrike" cap="none" dirty="0" smtClean="0">
-                <a:solidFill>
-                  <a:schemeClr val="lt1"/>
-                </a:solidFill>
-                <a:latin typeface="Courier New"/>
-                <a:ea typeface="Courier New"/>
-                <a:cs typeface="Courier New"/>
-                <a:sym typeface="Courier New"/>
-              </a:rPr>
-              <a:t>&gt;&gt;&gt; </a:t>
-            </a:r>
-            <a:r>
-              <a:rPr lang="en-US" sz="3000" b="1" i="0" u="none" strike="noStrike" cap="none" dirty="0">
-                <a:solidFill>
-                  <a:srgbClr val="00FF00"/>
-                </a:solidFill>
-                <a:latin typeface="Courier New"/>
-                <a:ea typeface="Courier New"/>
-                <a:cs typeface="Courier New"/>
-                <a:sym typeface="Courier New"/>
-              </a:rPr>
-              <a:t>x</a:t>
-            </a:r>
-            <a:r>
-              <a:rPr lang="en-US" sz="3000" b="1" i="0" u="none" strike="noStrike" cap="none" dirty="0">
-                <a:solidFill>
-                  <a:schemeClr val="lt1"/>
-                </a:solidFill>
-                <a:latin typeface="Courier New"/>
-                <a:ea typeface="Courier New"/>
-                <a:cs typeface="Courier New"/>
-                <a:sym typeface="Courier New"/>
-              </a:rPr>
-              <a:t> = 2</a:t>
-            </a:r>
-          </a:p>
-          <a:p>
-            <a:pPr marL="0" marR="0" lvl="0" indent="0" algn="l" rtl="0">
-              <a:lnSpc>
-                <a:spcPct val="100000"/>
-              </a:lnSpc>
-              <a:spcBef>
-                <a:spcPts val="0"/>
-              </a:spcBef>
-              <a:spcAft>
-                <a:spcPts val="0"/>
-              </a:spcAft>
-              <a:buClr>
-                <a:schemeClr val="lt1"/>
-              </a:buClr>
-              <a:buSzPct val="25000"/>
-              <a:buFont typeface="Cabin"/>
-              <a:buNone/>
-            </a:pPr>
-            <a:r>
-              <a:rPr lang="en-US" sz="3000" b="1" i="0" u="none" strike="noStrike" cap="none" dirty="0">
-                <a:solidFill>
-                  <a:schemeClr val="lt1"/>
-                </a:solidFill>
-                <a:latin typeface="Courier New"/>
-                <a:ea typeface="Courier New"/>
-                <a:cs typeface="Courier New"/>
-                <a:sym typeface="Courier New"/>
-              </a:rPr>
-              <a:t>&gt;&gt;&gt; </a:t>
-            </a:r>
-            <a:r>
-              <a:rPr lang="en-US" sz="3000" b="1" i="0" u="none" strike="noStrike" cap="none" dirty="0">
-                <a:solidFill>
-                  <a:srgbClr val="00FF00"/>
-                </a:solidFill>
-                <a:latin typeface="Courier New"/>
-                <a:ea typeface="Courier New"/>
-                <a:cs typeface="Courier New"/>
-                <a:sym typeface="Courier New"/>
-              </a:rPr>
-              <a:t>x</a:t>
-            </a:r>
-            <a:r>
-              <a:rPr lang="en-US" sz="3000" b="1" i="0" u="none" strike="noStrike" cap="none" dirty="0">
-                <a:solidFill>
-                  <a:schemeClr val="lt1"/>
-                </a:solidFill>
-                <a:latin typeface="Courier New"/>
-                <a:ea typeface="Courier New"/>
-                <a:cs typeface="Courier New"/>
-                <a:sym typeface="Courier New"/>
-              </a:rPr>
-              <a:t> = 4</a:t>
-            </a:r>
-          </a:p>
-          <a:p>
-            <a:pPr marL="0" marR="0" lvl="0" indent="0" algn="l" rtl="0">
-              <a:lnSpc>
-                <a:spcPct val="100000"/>
-              </a:lnSpc>
-              <a:spcBef>
-                <a:spcPts val="0"/>
-              </a:spcBef>
-              <a:spcAft>
-                <a:spcPts val="0"/>
-              </a:spcAft>
-              <a:buClr>
-                <a:schemeClr val="lt1"/>
-              </a:buClr>
-              <a:buSzPct val="25000"/>
-              <a:buFont typeface="Cabin"/>
-              <a:buNone/>
-            </a:pPr>
-            <a:r>
-              <a:rPr lang="en-US" sz="3000" b="1" i="0" u="none" strike="noStrike" cap="none" dirty="0">
-                <a:solidFill>
-                  <a:schemeClr val="lt1"/>
-                </a:solidFill>
-                <a:latin typeface="Courier New"/>
-                <a:ea typeface="Courier New"/>
-                <a:cs typeface="Courier New"/>
-                <a:sym typeface="Courier New"/>
-              </a:rPr>
-              <a:t>&gt;&gt;&gt; </a:t>
-            </a:r>
-            <a:r>
-              <a:rPr lang="en-US" sz="3000" b="1" i="0" u="none" strike="noStrike" cap="none" dirty="0" smtClean="0">
-                <a:solidFill>
-                  <a:srgbClr val="FFFF00"/>
-                </a:solidFill>
-                <a:latin typeface="Courier New"/>
-                <a:ea typeface="Courier New"/>
-                <a:cs typeface="Courier New"/>
-                <a:sym typeface="Courier New"/>
-              </a:rPr>
-              <a:t>print(</a:t>
-            </a:r>
-            <a:r>
-              <a:rPr lang="en-US" sz="3000" b="1" i="0" u="none" strike="noStrike" cap="none" dirty="0" smtClean="0">
-                <a:solidFill>
-                  <a:srgbClr val="00FF00"/>
-                </a:solidFill>
-                <a:latin typeface="Courier New"/>
-                <a:ea typeface="Courier New"/>
-                <a:cs typeface="Courier New"/>
-                <a:sym typeface="Courier New"/>
-              </a:rPr>
-              <a:t>x</a:t>
-            </a:r>
-            <a:r>
-              <a:rPr lang="en-US" sz="3000" b="1" i="0" u="none" strike="noStrike" cap="none" dirty="0" smtClean="0">
-                <a:solidFill>
-                  <a:srgbClr val="FFFF00"/>
-                </a:solidFill>
-                <a:latin typeface="Courier New"/>
-                <a:ea typeface="Courier New"/>
-                <a:cs typeface="Courier New"/>
-                <a:sym typeface="Courier New"/>
-              </a:rPr>
-              <a:t>)</a:t>
-            </a:r>
-            <a:endParaRPr lang="en-US" sz="3000" b="1" i="0" u="none" strike="noStrike" cap="none" dirty="0">
+            <a:endParaRPr lang="es-419" sz="3000" b="1" i="0" u="none" strike="noStrike" cap="none" dirty="0">
               <a:solidFill>
                 <a:srgbClr val="FFFF00"/>
               </a:solidFill>
@@ -8600,7 +8362,196 @@
               <a:buNone/>
             </a:pPr>
             <a:r>
-              <a:rPr lang="en-US" sz="3000" b="1" i="0" u="none" strike="noStrike" cap="none" dirty="0">
+              <a:rPr lang="es-419" sz="3000" b="1" i="0" u="none" strike="noStrike" cap="none" dirty="0">
+                <a:solidFill>
+                  <a:schemeClr val="lt1"/>
+                </a:solidFill>
+                <a:latin typeface="Courier New"/>
+                <a:ea typeface="Courier New"/>
+                <a:cs typeface="Courier New"/>
+                <a:sym typeface="Courier New"/>
+              </a:rPr>
+              <a:t>&gt;&gt;&gt; </a:t>
+            </a:r>
+            <a:r>
+              <a:rPr lang="es-419" sz="3000" b="1" i="0" u="none" strike="noStrike" cap="none" dirty="0">
+                <a:solidFill>
+                  <a:srgbClr val="00FF00"/>
+                </a:solidFill>
+                <a:latin typeface="Courier New"/>
+                <a:ea typeface="Courier New"/>
+                <a:cs typeface="Courier New"/>
+                <a:sym typeface="Courier New"/>
+              </a:rPr>
+              <a:t>x</a:t>
+            </a:r>
+            <a:r>
+              <a:rPr lang="es-419" sz="3000" b="1" i="0" u="none" strike="noStrike" cap="none" dirty="0">
+                <a:solidFill>
+                  <a:schemeClr val="lt1"/>
+                </a:solidFill>
+                <a:latin typeface="Courier New"/>
+                <a:ea typeface="Courier New"/>
+                <a:cs typeface="Courier New"/>
+                <a:sym typeface="Courier New"/>
+              </a:rPr>
+              <a:t> = 2</a:t>
+            </a:r>
+          </a:p>
+          <a:p>
+            <a:pPr marL="0" marR="0" lvl="0" indent="0" algn="l" rtl="0">
+              <a:lnSpc>
+                <a:spcPct val="100000"/>
+              </a:lnSpc>
+              <a:spcBef>
+                <a:spcPts val="0"/>
+              </a:spcBef>
+              <a:spcAft>
+                <a:spcPts val="0"/>
+              </a:spcAft>
+              <a:buClr>
+                <a:schemeClr val="lt1"/>
+              </a:buClr>
+              <a:buSzPct val="25000"/>
+              <a:buFont typeface="Cabin"/>
+              <a:buNone/>
+            </a:pPr>
+            <a:r>
+              <a:rPr lang="es-419" sz="3000" b="1" i="0" u="none" strike="noStrike" cap="none" dirty="0">
+                <a:solidFill>
+                  <a:schemeClr val="lt1"/>
+                </a:solidFill>
+                <a:latin typeface="Courier New"/>
+                <a:ea typeface="Courier New"/>
+                <a:cs typeface="Courier New"/>
+                <a:sym typeface="Courier New"/>
+              </a:rPr>
+              <a:t>&gt;&gt;&gt; </a:t>
+            </a:r>
+            <a:r>
+              <a:rPr lang="es-419" sz="3000" b="1" i="0" u="none" strike="noStrike" cap="none" dirty="0">
+                <a:solidFill>
+                  <a:srgbClr val="00FF00"/>
+                </a:solidFill>
+                <a:latin typeface="Courier New"/>
+                <a:ea typeface="Courier New"/>
+                <a:cs typeface="Courier New"/>
+                <a:sym typeface="Courier New"/>
+              </a:rPr>
+              <a:t>x</a:t>
+            </a:r>
+            <a:r>
+              <a:rPr lang="es-419" sz="3000" b="1" i="0" u="none" strike="noStrike" cap="none" dirty="0">
+                <a:solidFill>
+                  <a:schemeClr val="lt1"/>
+                </a:solidFill>
+                <a:latin typeface="Courier New"/>
+                <a:ea typeface="Courier New"/>
+                <a:cs typeface="Courier New"/>
+                <a:sym typeface="Courier New"/>
+              </a:rPr>
+              <a:t> = 4</a:t>
+            </a:r>
+          </a:p>
+          <a:p>
+            <a:pPr marL="0" marR="0" lvl="0" indent="0" algn="l" rtl="0">
+              <a:lnSpc>
+                <a:spcPct val="100000"/>
+              </a:lnSpc>
+              <a:spcBef>
+                <a:spcPts val="0"/>
+              </a:spcBef>
+              <a:spcAft>
+                <a:spcPts val="0"/>
+              </a:spcAft>
+              <a:buClr>
+                <a:schemeClr val="lt1"/>
+              </a:buClr>
+              <a:buSzPct val="25000"/>
+              <a:buFont typeface="Cabin"/>
+              <a:buNone/>
+            </a:pPr>
+            <a:r>
+              <a:rPr lang="es-419" sz="3000" b="1" i="0" u="none" strike="noStrike" cap="none" dirty="0">
+                <a:solidFill>
+                  <a:schemeClr val="lt1"/>
+                </a:solidFill>
+                <a:latin typeface="Courier New"/>
+                <a:ea typeface="Courier New"/>
+                <a:cs typeface="Courier New"/>
+                <a:sym typeface="Courier New"/>
+              </a:rPr>
+              <a:t>&gt;&gt;&gt; </a:t>
+            </a:r>
+            <a:r>
+              <a:rPr lang="es-419" sz="3000" b="1" i="0" u="none" strike="noStrike" cap="none" dirty="0" err="1">
+                <a:solidFill>
+                  <a:srgbClr val="FFFF00"/>
+                </a:solidFill>
+                <a:latin typeface="Courier New"/>
+                <a:ea typeface="Courier New"/>
+                <a:cs typeface="Courier New"/>
+                <a:sym typeface="Courier New"/>
+              </a:rPr>
+              <a:t>print</a:t>
+            </a:r>
+            <a:r>
+              <a:rPr lang="es-419" sz="3000" b="1" i="0" u="none" strike="noStrike" cap="none" dirty="0">
+                <a:solidFill>
+                  <a:srgbClr val="FFFF00"/>
+                </a:solidFill>
+                <a:latin typeface="Courier New"/>
+                <a:ea typeface="Courier New"/>
+                <a:cs typeface="Courier New"/>
+                <a:sym typeface="Courier New"/>
+              </a:rPr>
+              <a:t>(</a:t>
+            </a:r>
+            <a:r>
+              <a:rPr lang="es-419" sz="3000" b="1" i="0" u="none" strike="noStrike" cap="none" dirty="0">
+                <a:solidFill>
+                  <a:srgbClr val="00FF00"/>
+                </a:solidFill>
+                <a:latin typeface="Courier New"/>
+                <a:ea typeface="Courier New"/>
+                <a:cs typeface="Courier New"/>
+                <a:sym typeface="Courier New"/>
+              </a:rPr>
+              <a:t>x</a:t>
+            </a:r>
+            <a:r>
+              <a:rPr lang="es-419" sz="3000" b="1" i="0" u="none" strike="noStrike" cap="none" dirty="0">
+                <a:solidFill>
+                  <a:srgbClr val="FFFF00"/>
+                </a:solidFill>
+                <a:latin typeface="Courier New"/>
+                <a:ea typeface="Courier New"/>
+                <a:cs typeface="Courier New"/>
+                <a:sym typeface="Courier New"/>
+              </a:rPr>
+              <a:t>)</a:t>
+            </a:r>
+          </a:p>
+          <a:p>
+            <a:pPr marL="0" marR="0" lvl="0" indent="0" algn="l" rtl="0">
+              <a:lnSpc>
+                <a:spcPct val="100000"/>
+              </a:lnSpc>
+              <a:spcBef>
+                <a:spcPts val="0"/>
+              </a:spcBef>
+              <a:spcAft>
+                <a:spcPts val="0"/>
+              </a:spcAft>
+              <a:buClr>
+                <a:schemeClr val="lt1"/>
+              </a:buClr>
+              <a:buSzPct val="25000"/>
+              <a:buFont typeface="Cabin"/>
+              <a:buNone/>
+            </a:pPr>
+            <a:r>
+              <a:rPr lang="es-419" sz="3000" b="1" i="0" u="none" strike="noStrike" cap="none" dirty="0">
                 <a:solidFill>
                   <a:schemeClr val="lt1"/>
                 </a:solidFill>
@@ -8619,13 +8570,6 @@
   <p:clrMapOvr>
     <a:masterClrMapping/>
   </p:clrMapOvr>
-  <p:timing>
-    <p:tnLst>
-      <p:par>
-        <p:cTn xmlns:p14="http://schemas.microsoft.com/office/powerpoint/2010/main" id="1" dur="indefinite" restart="never" nodeType="tmRoot"/>
-      </p:par>
-    </p:tnLst>
-  </p:timing>
 </p:sld>
 </file>
 
@@ -8693,7 +8637,7 @@
               <a:buNone/>
             </a:pPr>
             <a:r>
-              <a:rPr lang="en-US" sz="7400" u="none" strike="noStrike" cap="none" dirty="0">
+              <a:rPr lang="es-419" sz="7400" u="none" strike="noStrike" cap="none" dirty="0">
                 <a:solidFill>
                   <a:srgbClr val="FFFF00"/>
                 </a:solidFill>
@@ -8702,55 +8646,7 @@
                 <a:cs typeface="Arial" charset="0"/>
                 <a:sym typeface="Cabin"/>
               </a:rPr>
-              <a:t>A List </a:t>
-            </a:r>
-            <a:r>
-              <a:rPr lang="en-US" sz="7400" u="none" strike="noStrike" cap="none" dirty="0" smtClean="0">
-                <a:solidFill>
-                  <a:srgbClr val="FFFF00"/>
-                </a:solidFill>
-                <a:latin typeface="Arial" charset="0"/>
-                <a:ea typeface="Arial" charset="0"/>
-                <a:cs typeface="Arial" charset="0"/>
-                <a:sym typeface="Cabin"/>
-              </a:rPr>
-              <a:t>Is </a:t>
-            </a:r>
-            <a:r>
-              <a:rPr lang="en-US" sz="7400" u="none" strike="noStrike" cap="none" dirty="0">
-                <a:solidFill>
-                  <a:srgbClr val="FFFF00"/>
-                </a:solidFill>
-                <a:latin typeface="Arial" charset="0"/>
-                <a:ea typeface="Arial" charset="0"/>
-                <a:cs typeface="Arial" charset="0"/>
-                <a:sym typeface="Cabin"/>
-              </a:rPr>
-              <a:t>a </a:t>
-            </a:r>
-            <a:r>
-              <a:rPr lang="en-US" sz="7400" u="none" strike="noStrike" cap="none" dirty="0" smtClean="0">
-                <a:solidFill>
-                  <a:srgbClr val="FFFF00"/>
-                </a:solidFill>
-                <a:latin typeface="Arial" charset="0"/>
-                <a:ea typeface="Arial" charset="0"/>
-                <a:cs typeface="Arial" charset="0"/>
-                <a:sym typeface="Cabin"/>
-              </a:rPr>
-              <a:t>Kind </a:t>
-            </a:r>
-            <a:r>
-              <a:rPr lang="en-US" sz="7400" u="none" strike="noStrike" cap="none" dirty="0">
-                <a:solidFill>
-                  <a:srgbClr val="FFFF00"/>
-                </a:solidFill>
-                <a:latin typeface="Arial" charset="0"/>
-                <a:ea typeface="Arial" charset="0"/>
-                <a:cs typeface="Arial" charset="0"/>
-                <a:sym typeface="Cabin"/>
-              </a:rPr>
-              <a:t>of Collection</a:t>
+              <a:t>Una Lista Es un Tipo de Colección</a:t>
             </a:r>
           </a:p>
         </p:txBody>
@@ -8802,7 +8698,7 @@
               <a:buChar char="•"/>
             </a:pPr>
             <a:r>
-              <a:rPr lang="en-US" sz="3600" b="0" u="none" strike="noStrike" cap="none" dirty="0">
+              <a:rPr lang="es-419" sz="3600" b="0" dirty="0">
                 <a:solidFill>
                   <a:schemeClr val="lt1"/>
                 </a:solidFill>
@@ -8811,34 +8707,58 @@
                 <a:cs typeface="Arial" charset="0"/>
                 <a:sym typeface="Cabin"/>
               </a:rPr>
-              <a:t>A </a:t>
-            </a:r>
-            <a:r>
-              <a:rPr lang="en-US" sz="3600" b="0" u="none" strike="noStrike" cap="none" dirty="0">
-                <a:solidFill>
-                  <a:srgbClr val="FF00FF"/>
+              <a:t>Una</a:t>
+            </a:r>
+            <a:r>
+              <a:rPr lang="es-419" sz="3600" b="0" u="none" strike="noStrike" cap="none" dirty="0">
+                <a:solidFill>
+                  <a:schemeClr val="lt1"/>
                 </a:solidFill>
                 <a:latin typeface="Arial" charset="0"/>
                 <a:ea typeface="Arial" charset="0"/>
                 <a:cs typeface="Arial" charset="0"/>
                 <a:sym typeface="Cabin"/>
               </a:rPr>
-              <a:t>collection</a:t>
-            </a:r>
-            <a:r>
-              <a:rPr lang="en-US" sz="3600" b="0" u="none" strike="noStrike" cap="none" dirty="0">
-                <a:solidFill>
-                  <a:schemeClr val="lt1"/>
+              <a:t> </a:t>
+            </a:r>
+            <a:r>
+              <a:rPr lang="es-419" sz="3600" b="0" u="none" strike="noStrike" cap="none" dirty="0">
+                <a:solidFill>
+                  <a:srgbClr val="FF00FF"/>
                 </a:solidFill>
                 <a:latin typeface="Arial" charset="0"/>
                 <a:ea typeface="Arial" charset="0"/>
                 <a:cs typeface="Arial" charset="0"/>
                 <a:sym typeface="Cabin"/>
               </a:rPr>
-              <a:t> allows us to put many values in a single </a:t>
-            </a:r>
-            <a:r>
-              <a:rPr lang="en-US" sz="3600" b="0" i="0" u="none" strike="noStrike" cap="none" dirty="0">
+              <a:t>colección</a:t>
+            </a:r>
+            <a:r>
+              <a:rPr lang="es-419" sz="3600" b="0" u="none" strike="noStrike" cap="none" dirty="0">
+                <a:solidFill>
+                  <a:schemeClr val="lt1"/>
+                </a:solidFill>
+                <a:latin typeface="Arial" charset="0"/>
+                <a:ea typeface="Arial" charset="0"/>
+                <a:cs typeface="Arial" charset="0"/>
+                <a:sym typeface="Cabin"/>
+              </a:rPr>
+              <a:t> nos permite poner muchos valores en una</a:t>
+            </a:r>
+            <a:r>
+              <a:rPr lang="es-419" sz="3600" b="0" dirty="0">
+                <a:solidFill>
+                  <a:schemeClr val="lt1"/>
+                </a:solidFill>
+                <a:latin typeface="Arial" charset="0"/>
+                <a:ea typeface="Arial" charset="0"/>
+                <a:cs typeface="Arial" charset="0"/>
+                <a:sym typeface="Cabin"/>
+              </a:rPr>
+              <a:t> sola </a:t>
+            </a:r>
+            <a:r>
+              <a:rPr lang="es-419" sz="3600" b="0" i="0" u="none" strike="noStrike" cap="none" dirty="0">
                 <a:solidFill>
                   <a:schemeClr val="lt1"/>
                 </a:solidFill>
@@ -8850,7 +8770,7 @@
               <a:t>“</a:t>
             </a:r>
             <a:r>
-              <a:rPr lang="en-US" sz="3600" b="0" u="none" strike="noStrike" cap="none" dirty="0">
+              <a:rPr lang="es-419" sz="3600" b="0" u="none" strike="noStrike" cap="none" dirty="0">
                 <a:solidFill>
                   <a:srgbClr val="00FF00"/>
                 </a:solidFill>
@@ -8862,7 +8782,7 @@
               <a:t>variable</a:t>
             </a:r>
             <a:r>
-              <a:rPr lang="en-US" sz="3600" b="0" i="0" u="none" strike="noStrike" cap="none" dirty="0">
+              <a:rPr lang="es-419" sz="3600" b="0" i="0" u="none" strike="noStrike" cap="none" dirty="0">
                 <a:solidFill>
                   <a:schemeClr val="lt1"/>
                 </a:solidFill>
@@ -8893,7 +8813,7 @@
               <a:buChar char="•"/>
             </a:pPr>
             <a:r>
-              <a:rPr lang="en-US" sz="3600" b="0" u="none" strike="noStrike" cap="none" dirty="0">
+              <a:rPr lang="es-419" sz="3600" b="0" u="none" strike="noStrike" cap="none" dirty="0">
                 <a:solidFill>
                   <a:schemeClr val="lt1"/>
                 </a:solidFill>
@@ -8902,10 +8822,10 @@
                 <a:cs typeface="Arial" charset="0"/>
                 <a:sym typeface="Cabin"/>
               </a:rPr>
-              <a:t>A </a:t>
-            </a:r>
-            <a:r>
-              <a:rPr lang="en-US" sz="3600" b="0" u="none" strike="noStrike" cap="none" dirty="0">
+              <a:t>Una </a:t>
+            </a:r>
+            <a:r>
+              <a:rPr lang="es-419" sz="3600" b="0" u="none" strike="noStrike" cap="none" dirty="0">
                 <a:solidFill>
                   <a:srgbClr val="FF00FF"/>
                 </a:solidFill>
@@ -8914,10 +8834,10 @@
                 <a:cs typeface="Arial" charset="0"/>
                 <a:sym typeface="Cabin"/>
               </a:rPr>
-              <a:t>collection</a:t>
-            </a:r>
-            <a:r>
-              <a:rPr lang="en-US" sz="3600" b="0" u="none" strike="noStrike" cap="none" dirty="0">
+              <a:t>colección</a:t>
+            </a:r>
+            <a:r>
+              <a:rPr lang="es-419" sz="3600" b="0" u="none" strike="noStrike" cap="none" dirty="0">
                 <a:solidFill>
                   <a:schemeClr val="lt1"/>
                 </a:solidFill>
@@ -8926,10 +8846,10 @@
                 <a:cs typeface="Arial" charset="0"/>
                 <a:sym typeface="Cabin"/>
               </a:rPr>
-              <a:t> is nice because we can carry </a:t>
-            </a:r>
-            <a:r>
-              <a:rPr lang="en-US" sz="3600" b="0" u="none" strike="noStrike" cap="none" dirty="0" smtClean="0">
+              <a:t> es buena porque podemos mover </a:t>
+            </a:r>
+            <a:r>
+              <a:rPr lang="es-419" sz="3600" b="0" u="none" strike="noStrike" cap="none" dirty="0">
                 <a:solidFill>
                   <a:srgbClr val="FF7F00"/>
                 </a:solidFill>
@@ -8938,31 +8858,19 @@
                 <a:cs typeface="Arial" charset="0"/>
                 <a:sym typeface="Cabin"/>
               </a:rPr>
-              <a:t>many </a:t>
-            </a:r>
-            <a:r>
-              <a:rPr lang="en-US" sz="3600" b="0" u="none" strike="noStrike" cap="none" dirty="0">
-                <a:solidFill>
-                  <a:srgbClr val="FF7F00"/>
+              <a:t>muchos valores</a:t>
+            </a:r>
+            <a:r>
+              <a:rPr lang="es-419" sz="3600" b="0" u="none" strike="noStrike" cap="none" dirty="0">
+                <a:solidFill>
+                  <a:schemeClr val="lt1"/>
                 </a:solidFill>
                 <a:latin typeface="Arial" charset="0"/>
                 <a:ea typeface="Arial" charset="0"/>
                 <a:cs typeface="Arial" charset="0"/>
                 <a:sym typeface="Cabin"/>
               </a:rPr>
-              <a:t>values</a:t>
-            </a:r>
-            <a:r>
-              <a:rPr lang="en-US" sz="3600" b="0" u="none" strike="noStrike" cap="none" dirty="0">
-                <a:solidFill>
-                  <a:schemeClr val="lt1"/>
-                </a:solidFill>
-                <a:latin typeface="Arial" charset="0"/>
-                <a:ea typeface="Arial" charset="0"/>
-                <a:cs typeface="Arial" charset="0"/>
-                <a:sym typeface="Cabin"/>
-              </a:rPr>
-              <a:t> around in one convenient package.</a:t>
+              <a:t> alrededor en un paquete conveniente</a:t>
             </a:r>
           </a:p>
         </p:txBody>
@@ -9002,8 +8910,8 @@
         </p:nvSpPr>
         <p:spPr>
           <a:xfrm>
-            <a:off x="2002250" y="5796936"/>
-            <a:ext cx="12192000" cy="2214563"/>
+            <a:off x="2002250" y="6208550"/>
+            <a:ext cx="12856750" cy="2214563"/>
           </a:xfrm>
           <a:prstGeom prst="rect">
             <a:avLst/>
@@ -9037,7 +8945,7 @@
               <a:buNone/>
             </a:pPr>
             <a:r>
-              <a:rPr lang="en-US" sz="3600" b="1" i="0" u="none" strike="noStrike" cap="none" dirty="0">
+              <a:rPr lang="es-419" sz="3600" b="1" i="0" u="none" strike="noStrike" cap="none" dirty="0">
                 <a:solidFill>
                   <a:srgbClr val="00FF00"/>
                 </a:solidFill>
@@ -9046,10 +8954,10 @@
                 <a:cs typeface="Courier New"/>
                 <a:sym typeface="Courier New"/>
               </a:rPr>
-              <a:t>friends</a:t>
-            </a:r>
-            <a:r>
-              <a:rPr lang="en-US" sz="3600" b="1" i="0" u="none" strike="noStrike" cap="none" dirty="0">
+              <a:t>amigos</a:t>
+            </a:r>
+            <a:r>
+              <a:rPr lang="es-419" sz="3600" b="1" i="0" u="none" strike="noStrike" cap="none" dirty="0">
                 <a:solidFill>
                   <a:srgbClr val="FF7F00"/>
                 </a:solidFill>
@@ -9061,7 +8969,7 @@
               <a:t> </a:t>
             </a:r>
             <a:r>
-              <a:rPr lang="en-US" sz="3600" b="1" i="0" u="none" strike="noStrike" cap="none" dirty="0">
+              <a:rPr lang="es-419" sz="3600" b="1" i="0" u="none" strike="noStrike" cap="none" dirty="0">
                 <a:solidFill>
                   <a:schemeClr val="lt1"/>
                 </a:solidFill>
@@ -9073,7 +8981,7 @@
               <a:t>=</a:t>
             </a:r>
             <a:r>
-              <a:rPr lang="en-US" sz="3600" b="1" i="0" u="none" strike="noStrike" cap="none" dirty="0">
+              <a:rPr lang="es-419" sz="3600" b="1" i="0" u="none" strike="noStrike" cap="none" dirty="0">
                 <a:solidFill>
                   <a:srgbClr val="FF7F00"/>
                 </a:solidFill>
@@ -9098,7 +9006,7 @@
               </a:spcAft>
               <a:buNone/>
             </a:pPr>
-            <a:endParaRPr sz="3600" b="1" i="0" u="none" strike="noStrike" cap="none" dirty="0">
+            <a:endParaRPr lang="es-419" sz="3600" b="1" i="0" u="none" strike="noStrike" cap="none" dirty="0">
               <a:solidFill>
                 <a:srgbClr val="FF7F00"/>
               </a:solidFill>
@@ -9109,25 +9017,14 @@
             </a:endParaRPr>
           </a:p>
           <a:p>
-            <a:pPr marL="0" marR="0" lvl="0" indent="0" algn="l" rtl="0">
-              <a:lnSpc>
-                <a:spcPct val="100000"/>
-              </a:lnSpc>
-              <a:spcBef>
-                <a:spcPts val="0"/>
-              </a:spcBef>
-              <a:spcAft>
-                <a:spcPts val="0"/>
-              </a:spcAft>
+            <a:pPr lvl="0">
               <a:buClr>
                 <a:srgbClr val="00FF00"/>
               </a:buClr>
               <a:buSzPct val="25000"/>
-              <a:buFont typeface="Cabin"/>
-              <a:buNone/>
             </a:pPr>
             <a:r>
-              <a:rPr lang="en-US" sz="3600" b="1" i="0" u="none" strike="noStrike" cap="none" dirty="0">
+              <a:rPr lang="es-419" sz="3600" b="1" i="0" u="none" strike="noStrike" cap="none" dirty="0">
                 <a:solidFill>
                   <a:srgbClr val="00FF00"/>
                 </a:solidFill>
@@ -9136,10 +9033,10 @@
                 <a:cs typeface="Courier New"/>
                 <a:sym typeface="Courier New"/>
               </a:rPr>
-              <a:t>carryon</a:t>
-            </a:r>
-            <a:r>
-              <a:rPr lang="en-US" sz="3600" b="1" i="0" u="none" strike="noStrike" cap="none" dirty="0">
+              <a:t>equipaje</a:t>
+            </a:r>
+            <a:r>
+              <a:rPr lang="es-419" sz="3600" b="1" i="0" u="none" strike="noStrike" cap="none" dirty="0">
                 <a:solidFill>
                   <a:srgbClr val="FF7F00"/>
                 </a:solidFill>
@@ -9151,7 +9048,7 @@
               <a:t> </a:t>
             </a:r>
             <a:r>
-              <a:rPr lang="en-US" sz="3600" b="1" i="0" u="none" strike="noStrike" cap="none" dirty="0">
+              <a:rPr lang="es-419" sz="3600" b="1" i="0" u="none" strike="noStrike" cap="none" dirty="0">
                 <a:solidFill>
                   <a:schemeClr val="lt1"/>
                 </a:solidFill>
@@ -9163,7 +9060,7 @@
               <a:t>=</a:t>
             </a:r>
             <a:r>
-              <a:rPr lang="en-US" sz="3600" b="1" i="0" u="none" strike="noStrike" cap="none" dirty="0">
+              <a:rPr lang="es-419" sz="3600" b="1" dirty="0">
                 <a:solidFill>
                   <a:srgbClr val="FF7F00"/>
                 </a:solidFill>
@@ -9172,7 +9069,43 @@
                 <a:cs typeface="Courier New"/>
                 <a:sym typeface="Courier New"/>
               </a:rPr>
-              <a:t> [ 'socks', 'shirt', 'perfume' ]</a:t>
+              <a:t> ['</a:t>
+            </a:r>
+            <a:r>
+              <a:rPr lang="es-419" sz="3600" b="1" dirty="0" err="1">
+                <a:solidFill>
+                  <a:srgbClr val="FF7F00"/>
+                </a:solidFill>
+                <a:latin typeface="Courier New"/>
+                <a:ea typeface="Courier New"/>
+                <a:cs typeface="Courier New"/>
+                <a:sym typeface="Courier New"/>
+              </a:rPr>
+              <a:t>calcetin</a:t>
+            </a:r>
+            <a:r>
+              <a:rPr lang="es-419" sz="3600" b="1" dirty="0">
+                <a:solidFill>
+                  <a:srgbClr val="FF7F00"/>
+                </a:solidFill>
+                <a:latin typeface="Courier New"/>
+                <a:ea typeface="Courier New"/>
+                <a:cs typeface="Courier New"/>
+                <a:sym typeface="Courier New"/>
+              </a:rPr>
+              <a:t>', 'camisa', </a:t>
+            </a:r>
+            <a:r>
+              <a:rPr lang="es-419" sz="3600" b="1" i="0" u="none" strike="noStrike" cap="none" dirty="0">
+                <a:solidFill>
+                  <a:srgbClr val="FF7F00"/>
+                </a:solidFill>
+                <a:latin typeface="Courier New"/>
+                <a:ea typeface="Courier New"/>
+                <a:cs typeface="Courier New"/>
+                <a:sym typeface="Courier New"/>
+              </a:rPr>
+              <a:t>'perfume' ]</a:t>
             </a:r>
           </a:p>
         </p:txBody>
@@ -9182,13 +9115,6 @@
   <p:clrMapOvr>
     <a:masterClrMapping/>
   </p:clrMapOvr>
-  <p:timing>
-    <p:tnLst>
-      <p:par>
-        <p:cTn xmlns:p14="http://schemas.microsoft.com/office/powerpoint/2010/main" id="1" dur="indefinite" restart="never" nodeType="tmRoot"/>
-      </p:par>
-    </p:tnLst>
-  </p:timing>
 </p:sld>
 </file>
 
@@ -9252,7 +9178,7 @@
               <a:buNone/>
             </a:pPr>
             <a:r>
-              <a:rPr lang="en-US" sz="7600" u="none" strike="noStrike" cap="none" dirty="0">
+              <a:rPr lang="es-419" sz="7600" dirty="0">
                 <a:solidFill>
                   <a:srgbClr val="FFFF00"/>
                 </a:solidFill>
@@ -9261,8 +9187,17 @@
                 <a:cs typeface="Arial" charset="0"/>
                 <a:sym typeface="Cabin"/>
               </a:rPr>
-              <a:t>List Constants</a:t>
-            </a:r>
+              <a:t>Constantes en Listas</a:t>
+            </a:r>
+            <a:endParaRPr lang="es-419" sz="7600" u="none" strike="noStrike" cap="none" dirty="0">
+              <a:solidFill>
+                <a:srgbClr val="FFFF00"/>
+              </a:solidFill>
+              <a:latin typeface="Arial" charset="0"/>
+              <a:ea typeface="Arial" charset="0"/>
+              <a:cs typeface="Arial" charset="0"/>
+              <a:sym typeface="Cabin"/>
+            </a:endParaRPr>
           </a:p>
         </p:txBody>
       </p:sp>
@@ -9295,10 +9230,7 @@
           </a:bodyPr>
           <a:lstStyle/>
           <a:p>
-            <a:pPr marL="469900" marR="0" lvl="0" indent="-457200" algn="l" rtl="0">
-              <a:lnSpc>
-                <a:spcPct val="100000"/>
-              </a:lnSpc>
+            <a:pPr marL="469900" lvl="0" indent="-457200">
               <a:spcBef>
                 <a:spcPts val="0"/>
               </a:spcBef>
@@ -9310,28 +9242,40 @@
               <a:buChar char="•"/>
             </a:pPr>
             <a:r>
-              <a:rPr lang="en-US" sz="3400" b="0" u="none" strike="noStrike" cap="none" dirty="0">
-                <a:solidFill>
-                  <a:srgbClr val="FF7F00"/>
+              <a:rPr lang="es-419" sz="3400" b="0" dirty="0">
+                <a:solidFill>
+                  <a:schemeClr val="lt1"/>
                 </a:solidFill>
                 <a:latin typeface="Arial" charset="0"/>
                 <a:ea typeface="Arial" charset="0"/>
                 <a:cs typeface="Arial" charset="0"/>
                 <a:sym typeface="Cabin"/>
               </a:rPr>
-              <a:t>List</a:t>
-            </a:r>
-            <a:r>
-              <a:rPr lang="en-US" sz="3400" b="0" u="none" strike="noStrike" cap="none" dirty="0">
-                <a:solidFill>
-                  <a:schemeClr val="lt1"/>
+              <a:t>Las constantes de una </a:t>
+            </a:r>
+            <a:r>
+              <a:rPr lang="es-419" sz="3400" b="0" u="none" strike="noStrike" cap="none" dirty="0">
+                <a:solidFill>
+                  <a:srgbClr val="FF7F00"/>
                 </a:solidFill>
                 <a:latin typeface="Arial" charset="0"/>
                 <a:ea typeface="Arial" charset="0"/>
                 <a:cs typeface="Arial" charset="0"/>
                 <a:sym typeface="Cabin"/>
               </a:rPr>
-              <a:t> constants are surrounded by square brackets and the elements in the list are separated by commas</a:t>
+              <a:t>Lista</a:t>
+            </a:r>
+            <a:r>
+              <a:rPr lang="es-419" sz="3400" b="0" u="none" strike="noStrike" cap="none" dirty="0">
+                <a:solidFill>
+                  <a:schemeClr val="lt1"/>
+                </a:solidFill>
+                <a:latin typeface="Arial" charset="0"/>
+                <a:ea typeface="Arial" charset="0"/>
+                <a:cs typeface="Arial" charset="0"/>
+                <a:sym typeface="Cabin"/>
+              </a:rPr>
+              <a:t> están encerradas por corchetes y los elementos en la lista están separados por comas</a:t>
             </a:r>
           </a:p>
           <a:p>
@@ -9350,7 +9294,7 @@
               <a:buChar char="•"/>
             </a:pPr>
             <a:r>
-              <a:rPr lang="en-US" sz="3400" b="0" u="none" strike="noStrike" cap="none" dirty="0">
+              <a:rPr lang="es-419" sz="3400" b="0" dirty="0">
                 <a:solidFill>
                   <a:schemeClr val="lt1"/>
                 </a:solidFill>
@@ -9359,43 +9303,55 @@
                 <a:cs typeface="Arial" charset="0"/>
                 <a:sym typeface="Cabin"/>
               </a:rPr>
-              <a:t>A </a:t>
-            </a:r>
-            <a:r>
-              <a:rPr lang="en-US" sz="3400" b="0" u="none" strike="noStrike" cap="none" dirty="0">
-                <a:solidFill>
-                  <a:srgbClr val="FF7F00"/>
+              <a:t>Un elemento de una</a:t>
+            </a:r>
+            <a:r>
+              <a:rPr lang="es-419" sz="3400" b="0" u="none" strike="noStrike" cap="none" dirty="0">
+                <a:solidFill>
+                  <a:schemeClr val="lt1"/>
                 </a:solidFill>
                 <a:latin typeface="Arial" charset="0"/>
                 <a:ea typeface="Arial" charset="0"/>
                 <a:cs typeface="Arial" charset="0"/>
                 <a:sym typeface="Cabin"/>
               </a:rPr>
-              <a:t>list</a:t>
-            </a:r>
-            <a:r>
-              <a:rPr lang="en-US" sz="3400" b="0" u="none" strike="noStrike" cap="none" dirty="0">
-                <a:solidFill>
-                  <a:schemeClr val="lt1"/>
+              <a:t> </a:t>
+            </a:r>
+            <a:r>
+              <a:rPr lang="es-419" sz="3400" b="0" u="none" strike="noStrike" cap="none" dirty="0">
+                <a:solidFill>
+                  <a:srgbClr val="FF7F00"/>
                 </a:solidFill>
                 <a:latin typeface="Arial" charset="0"/>
                 <a:ea typeface="Arial" charset="0"/>
                 <a:cs typeface="Arial" charset="0"/>
                 <a:sym typeface="Cabin"/>
               </a:rPr>
-              <a:t> element can be any Python object - even </a:t>
-            </a:r>
-            <a:r>
-              <a:rPr lang="en-US" sz="3400" b="0" u="none" strike="noStrike" cap="none" dirty="0">
-                <a:solidFill>
-                  <a:srgbClr val="00FFFF"/>
+              <a:t>lista</a:t>
+            </a:r>
+            <a:r>
+              <a:rPr lang="es-419" sz="3400" b="0" u="none" strike="noStrike" cap="none" dirty="0">
+                <a:solidFill>
+                  <a:schemeClr val="lt1"/>
                 </a:solidFill>
                 <a:latin typeface="Arial" charset="0"/>
                 <a:ea typeface="Arial" charset="0"/>
                 <a:cs typeface="Arial" charset="0"/>
                 <a:sym typeface="Cabin"/>
               </a:rPr>
-              <a:t>another list</a:t>
+              <a:t> puede ser cualquier objeto de Python – incluso </a:t>
+            </a:r>
+            <a:r>
+              <a:rPr lang="es-419" sz="3400" b="0" u="none" strike="noStrike" cap="none" dirty="0">
+                <a:solidFill>
+                  <a:srgbClr val="00FFFF"/>
+                </a:solidFill>
+                <a:latin typeface="Arial" charset="0"/>
+                <a:ea typeface="Arial" charset="0"/>
+                <a:cs typeface="Arial" charset="0"/>
+                <a:sym typeface="Cabin"/>
+              </a:rPr>
+              <a:t>otra lista</a:t>
             </a:r>
           </a:p>
           <a:p>
@@ -9414,7 +9370,7 @@
               <a:buChar char="•"/>
             </a:pPr>
             <a:r>
-              <a:rPr lang="en-US" sz="3400" b="0" u="none" strike="noStrike" cap="none" dirty="0">
+              <a:rPr lang="es-419" sz="3400" b="0" u="none" strike="noStrike" cap="none" dirty="0">
                 <a:solidFill>
                   <a:schemeClr val="lt1"/>
                 </a:solidFill>
@@ -9423,10 +9379,10 @@
                 <a:cs typeface="Arial" charset="0"/>
                 <a:sym typeface="Cabin"/>
               </a:rPr>
-              <a:t>A </a:t>
-            </a:r>
-            <a:r>
-              <a:rPr lang="en-US" sz="3400" b="0" u="none" strike="noStrike" cap="none" dirty="0">
+              <a:t>Una </a:t>
+            </a:r>
+            <a:r>
+              <a:rPr lang="es-419" sz="3400" b="0" u="none" strike="noStrike" cap="none" dirty="0">
                 <a:solidFill>
                   <a:srgbClr val="FF7F00"/>
                 </a:solidFill>
@@ -9435,10 +9391,10 @@
                 <a:cs typeface="Arial" charset="0"/>
                 <a:sym typeface="Cabin"/>
               </a:rPr>
-              <a:t>list</a:t>
-            </a:r>
-            <a:r>
-              <a:rPr lang="en-US" sz="3400" b="0" u="none" strike="noStrike" cap="none" dirty="0">
+              <a:t>lista</a:t>
+            </a:r>
+            <a:r>
+              <a:rPr lang="es-419" sz="3400" b="0" u="none" strike="noStrike" cap="none" dirty="0">
                 <a:solidFill>
                   <a:schemeClr val="lt1"/>
                 </a:solidFill>
@@ -9447,7 +9403,7 @@
                 <a:cs typeface="Arial" charset="0"/>
                 <a:sym typeface="Cabin"/>
               </a:rPr>
-              <a:t> can be empty</a:t>
+              <a:t> puede estar vacía</a:t>
             </a:r>
           </a:p>
         </p:txBody>
@@ -9495,7 +9451,7 @@
               <a:buNone/>
             </a:pPr>
             <a:r>
-              <a:rPr lang="en-US" sz="2800" b="1" i="0" u="none" strike="noStrike" cap="none" dirty="0">
+              <a:rPr lang="es-419" sz="2800" b="1" i="0" u="none" strike="noStrike" cap="none" dirty="0">
                 <a:solidFill>
                   <a:schemeClr val="lt1"/>
                 </a:solidFill>
@@ -9507,7 +9463,7 @@
               <a:t>&gt;&gt;&gt; </a:t>
             </a:r>
             <a:r>
-              <a:rPr lang="en-US" sz="2800" b="1" i="0" u="none" strike="noStrike" cap="none" dirty="0" smtClean="0">
+              <a:rPr lang="es-419" sz="2800" b="1" i="0" u="none" strike="noStrike" cap="none" dirty="0" err="1">
                 <a:solidFill>
                   <a:srgbClr val="FFFF00"/>
                 </a:solidFill>
@@ -9516,10 +9472,22 @@
                 <a:cs typeface="Courier New"/>
                 <a:sym typeface="Courier New"/>
               </a:rPr>
-              <a:t>print(</a:t>
-            </a:r>
-            <a:r>
-              <a:rPr lang="en-US" sz="2800" b="1" i="0" u="none" strike="noStrike" cap="none" dirty="0" smtClean="0">
+              <a:t>print</a:t>
+            </a:r>
+            <a:r>
+              <a:rPr lang="es-419" sz="2800" b="1" i="0" u="none" strike="noStrike" cap="none" dirty="0">
+                <a:solidFill>
+                  <a:srgbClr val="FFFF00"/>
+                </a:solidFill>
+                <a:latin typeface="Courier New"/>
+                <a:ea typeface="Courier New"/>
+                <a:cs typeface="Courier New"/>
+                <a:sym typeface="Courier New"/>
+              </a:rPr>
+              <a:t>(</a:t>
+            </a:r>
+            <a:r>
+              <a:rPr lang="es-419" sz="2800" b="1" i="0" u="none" strike="noStrike" cap="none" dirty="0">
                 <a:solidFill>
                   <a:srgbClr val="FF7F00"/>
                 </a:solidFill>
@@ -9528,34 +9496,10 @@
                 <a:cs typeface="Courier New"/>
                 <a:sym typeface="Courier New"/>
               </a:rPr>
-              <a:t>[</a:t>
-            </a:r>
-            <a:r>
-              <a:rPr lang="en-US" sz="2800" b="1" i="0" u="none" strike="noStrike" cap="none" dirty="0">
-                <a:solidFill>
-                  <a:srgbClr val="FF7F00"/>
-                </a:solidFill>
-                <a:latin typeface="Courier New"/>
-                <a:ea typeface="Courier New"/>
-                <a:cs typeface="Courier New"/>
-                <a:sym typeface="Courier New"/>
-              </a:rPr>
-              <a:t>1, 24, 76</a:t>
-            </a:r>
-            <a:r>
-              <a:rPr lang="en-US" sz="2800" b="1" i="0" u="none" strike="noStrike" cap="none" dirty="0" smtClean="0">
-                <a:solidFill>
-                  <a:srgbClr val="FF7F00"/>
-                </a:solidFill>
-                <a:latin typeface="Courier New"/>
-                <a:ea typeface="Courier New"/>
-                <a:cs typeface="Courier New"/>
-                <a:sym typeface="Courier New"/>
-              </a:rPr>
-              <a:t>]</a:t>
-            </a:r>
-            <a:r>
-              <a:rPr lang="en-US" sz="2800" b="1" i="0" u="none" strike="noStrike" cap="none" dirty="0" smtClean="0">
+              <a:t>[1, 24, 76]</a:t>
+            </a:r>
+            <a:r>
+              <a:rPr lang="es-419" sz="2800" b="1" i="0" u="none" strike="noStrike" cap="none" dirty="0">
                 <a:solidFill>
                   <a:srgbClr val="FFFF00"/>
                 </a:solidFill>
@@ -9566,15 +9510,6 @@
               </a:rPr>
               <a:t>)</a:t>
             </a:r>
-            <a:endParaRPr lang="en-US" sz="2800" b="1" i="0" u="none" strike="noStrike" cap="none" dirty="0">
-              <a:solidFill>
-                <a:srgbClr val="FFFF00"/>
-              </a:solidFill>
-              <a:latin typeface="Courier New"/>
-              <a:ea typeface="Courier New"/>
-              <a:cs typeface="Courier New"/>
-              <a:sym typeface="Courier New"/>
-            </a:endParaRPr>
           </a:p>
           <a:p>
             <a:pPr marL="0" marR="0" lvl="0" indent="0" algn="l" rtl="0">
@@ -9595,7 +9530,7 @@
               <a:buNone/>
             </a:pPr>
             <a:r>
-              <a:rPr lang="en-US" sz="2800" b="1" i="0" u="none" strike="noStrike" cap="none" dirty="0">
+              <a:rPr lang="es-419" sz="2800" b="1" i="0" u="none" strike="noStrike" cap="none" dirty="0">
                 <a:solidFill>
                   <a:schemeClr val="lt1"/>
                 </a:solidFill>
@@ -9615,7 +9550,7 @@
               <a:buSzPct val="25000"/>
             </a:pPr>
             <a:r>
-              <a:rPr lang="en-US" sz="2800" b="1" i="0" u="none" strike="noStrike" cap="none" dirty="0">
+              <a:rPr lang="es-419" sz="2800" b="1" i="0" u="none" strike="noStrike" cap="none" dirty="0">
                 <a:solidFill>
                   <a:schemeClr val="lt1"/>
                 </a:solidFill>
@@ -9627,7 +9562,7 @@
               <a:t>&gt;&gt;&gt; </a:t>
             </a:r>
             <a:r>
-              <a:rPr lang="en-US" sz="2800" b="1" i="0" u="none" strike="noStrike" cap="none" dirty="0" smtClean="0">
+              <a:rPr lang="es-419" sz="2800" b="1" i="0" u="none" strike="noStrike" cap="none" dirty="0" err="1">
                 <a:solidFill>
                   <a:srgbClr val="FFFF00"/>
                 </a:solidFill>
@@ -9639,7 +9574,7 @@
               <a:t>print</a:t>
             </a:r>
             <a:r>
-              <a:rPr lang="en-US" sz="2800" b="1" dirty="0">
+              <a:rPr lang="es-419" sz="2800" b="1" dirty="0">
                 <a:solidFill>
                   <a:schemeClr val="lt1"/>
                 </a:solidFill>
@@ -9651,7 +9586,7 @@
               <a:t>(</a:t>
             </a:r>
             <a:r>
-              <a:rPr lang="en-US" sz="2800" b="1" i="0" u="none" strike="noStrike" cap="none" dirty="0" smtClean="0">
+              <a:rPr lang="es-419" sz="2800" b="1" dirty="0">
                 <a:solidFill>
                   <a:srgbClr val="FF7F00"/>
                 </a:solidFill>
@@ -9660,34 +9595,10 @@
                 <a:cs typeface="Courier New"/>
                 <a:sym typeface="Courier New"/>
               </a:rPr>
-              <a:t>[</a:t>
-            </a:r>
-            <a:r>
-              <a:rPr lang="en-US" sz="2800" b="1" i="0" u="none" strike="noStrike" cap="none" dirty="0">
-                <a:solidFill>
-                  <a:srgbClr val="FF7F00"/>
-                </a:solidFill>
-                <a:latin typeface="Courier New"/>
-                <a:ea typeface="Courier New"/>
-                <a:cs typeface="Courier New"/>
-                <a:sym typeface="Courier New"/>
-              </a:rPr>
-              <a:t>'red', 'yellow', 'blue</a:t>
-            </a:r>
-            <a:r>
-              <a:rPr lang="en-US" sz="2800" b="1" i="0" u="none" strike="noStrike" cap="none" dirty="0" smtClean="0">
-                <a:solidFill>
-                  <a:srgbClr val="FF7F00"/>
-                </a:solidFill>
-                <a:latin typeface="Courier New"/>
-                <a:ea typeface="Courier New"/>
-                <a:cs typeface="Courier New"/>
-                <a:sym typeface="Courier New"/>
-              </a:rPr>
-              <a:t>']</a:t>
-            </a:r>
-            <a:r>
-              <a:rPr lang="en-US" sz="2800" b="1" dirty="0" smtClean="0">
+              <a:t>['rojo', 'amarillo', 'azul']</a:t>
+            </a:r>
+            <a:r>
+              <a:rPr lang="es-419" sz="2800" b="1" dirty="0">
                 <a:solidFill>
                   <a:srgbClr val="FFFF00"/>
                 </a:solidFill>
@@ -9698,7 +9609,7 @@
               </a:rPr>
               <a:t>)</a:t>
             </a:r>
-            <a:endParaRPr lang="en-US" sz="2800" b="1" i="0" u="none" strike="noStrike" cap="none" dirty="0">
+            <a:endParaRPr lang="es-419" sz="2800" b="1" i="0" u="none" strike="noStrike" cap="none" dirty="0">
               <a:solidFill>
                 <a:srgbClr val="FF7F00"/>
               </a:solidFill>
@@ -9709,35 +9620,33 @@
             </a:endParaRPr>
           </a:p>
           <a:p>
-            <a:pPr marL="0" marR="0" lvl="0" indent="0" algn="l" rtl="0">
-              <a:lnSpc>
-                <a:spcPct val="100000"/>
-              </a:lnSpc>
-              <a:spcBef>
-                <a:spcPts val="0"/>
-              </a:spcBef>
-              <a:spcAft>
-                <a:spcPts val="0"/>
-              </a:spcAft>
+            <a:pPr lvl="0">
               <a:buClr>
                 <a:schemeClr val="lt1"/>
               </a:buClr>
               <a:buSzPct val="25000"/>
-              <a:buFont typeface="Cabin"/>
-              <a:buNone/>
             </a:pPr>
             <a:r>
-              <a:rPr lang="en-US" sz="2800" b="1" i="0" u="none" strike="noStrike" cap="none" dirty="0">
-                <a:solidFill>
-                  <a:schemeClr val="lt1"/>
-                </a:solidFill>
-                <a:latin typeface="Courier New"/>
-                <a:ea typeface="Courier New"/>
-                <a:cs typeface="Courier New"/>
-                <a:sym typeface="Courier New"/>
-              </a:rPr>
-              <a:t>['red', 'yellow', 'blue']</a:t>
-            </a:r>
+              <a:rPr lang="es-419" sz="2800" b="1" dirty="0">
+                <a:solidFill>
+                  <a:schemeClr val="lt1"/>
+                </a:solidFill>
+                <a:latin typeface="Courier New"/>
+                <a:ea typeface="Courier New"/>
+                <a:cs typeface="Courier New"/>
+                <a:sym typeface="Courier New"/>
+              </a:rPr>
+              <a:t>['rojo', 'amarillo', 'azul']</a:t>
+            </a:r>
+            <a:endParaRPr lang="es-419" sz="2800" b="1" i="0" u="none" strike="noStrike" cap="none" dirty="0">
+              <a:solidFill>
+                <a:schemeClr val="lt1"/>
+              </a:solidFill>
+              <a:latin typeface="Courier New"/>
+              <a:ea typeface="Courier New"/>
+              <a:cs typeface="Courier New"/>
+              <a:sym typeface="Courier New"/>
+            </a:endParaRPr>
           </a:p>
           <a:p>
             <a:pPr>
@@ -9747,7 +9656,7 @@
               <a:buSzPct val="25000"/>
             </a:pPr>
             <a:r>
-              <a:rPr lang="en-US" sz="2800" b="1" i="0" u="none" strike="noStrike" cap="none" dirty="0">
+              <a:rPr lang="es-419" sz="2800" b="1" i="0" u="none" strike="noStrike" cap="none" dirty="0">
                 <a:solidFill>
                   <a:schemeClr val="lt1"/>
                 </a:solidFill>
@@ -9759,7 +9668,7 @@
               <a:t>&gt;&gt;&gt; </a:t>
             </a:r>
             <a:r>
-              <a:rPr lang="en-US" sz="2800" b="1" i="0" u="none" strike="noStrike" cap="none" dirty="0" smtClean="0">
+              <a:rPr lang="es-419" sz="2800" b="1" i="0" u="none" strike="noStrike" cap="none" dirty="0" err="1">
                 <a:solidFill>
                   <a:srgbClr val="FFFF00"/>
                 </a:solidFill>
@@ -9771,7 +9680,7 @@
               <a:t>print</a:t>
             </a:r>
             <a:r>
-              <a:rPr lang="en-US" sz="2800" b="1" dirty="0">
+              <a:rPr lang="es-419" sz="2800" b="1" dirty="0">
                 <a:solidFill>
                   <a:schemeClr val="lt1"/>
                 </a:solidFill>
@@ -9783,7 +9692,7 @@
               <a:t>(</a:t>
             </a:r>
             <a:r>
-              <a:rPr lang="en-US" sz="2800" b="1" i="0" u="none" strike="noStrike" cap="none" dirty="0" smtClean="0">
+              <a:rPr lang="es-419" sz="2800" b="1" dirty="0">
                 <a:solidFill>
                   <a:srgbClr val="FF7F00"/>
                 </a:solidFill>
@@ -9792,10 +9701,10 @@
                 <a:cs typeface="Courier New"/>
                 <a:sym typeface="Courier New"/>
               </a:rPr>
-              <a:t>[</a:t>
-            </a:r>
-            <a:r>
-              <a:rPr lang="en-US" sz="2800" b="1" i="0" u="none" strike="noStrike" cap="none" dirty="0">
+              <a:t>['rojo</a:t>
+            </a:r>
+            <a:r>
+              <a:rPr lang="es-419" sz="2800" b="1" i="0" u="none" strike="noStrike" cap="none" dirty="0">
                 <a:solidFill>
                   <a:srgbClr val="FF7F00"/>
                 </a:solidFill>
@@ -9804,22 +9713,10 @@
                 <a:cs typeface="Courier New"/>
                 <a:sym typeface="Courier New"/>
               </a:rPr>
-              <a:t>'red', 24, 98.6</a:t>
-            </a:r>
-            <a:r>
-              <a:rPr lang="en-US" sz="2800" b="1" i="0" u="none" strike="noStrike" cap="none" dirty="0" smtClean="0">
-                <a:solidFill>
-                  <a:srgbClr val="FF7F00"/>
-                </a:solidFill>
-                <a:latin typeface="Courier New"/>
-                <a:ea typeface="Courier New"/>
-                <a:cs typeface="Courier New"/>
-                <a:sym typeface="Courier New"/>
-              </a:rPr>
-              <a:t>]</a:t>
-            </a:r>
-            <a:r>
-              <a:rPr lang="en-US" sz="2800" b="1" dirty="0" smtClean="0">
+              <a:t>', 24, 98.6]</a:t>
+            </a:r>
+            <a:r>
+              <a:rPr lang="es-419" sz="2800" b="1" dirty="0">
                 <a:solidFill>
                   <a:srgbClr val="FFFF00"/>
                 </a:solidFill>
@@ -9830,7 +9727,7 @@
               </a:rPr>
               <a:t>)</a:t>
             </a:r>
-            <a:endParaRPr lang="en-US" sz="2800" b="1" i="0" u="none" strike="noStrike" cap="none" dirty="0" smtClean="0">
+            <a:endParaRPr lang="es-419" sz="2800" b="1" i="0" u="none" strike="noStrike" cap="none" dirty="0">
               <a:solidFill>
                 <a:srgbClr val="FF7F00"/>
               </a:solidFill>
@@ -9841,68 +9738,36 @@
             </a:endParaRPr>
           </a:p>
           <a:p>
-            <a:pPr marL="0" marR="0" lvl="0" indent="0" algn="l" rtl="0">
-              <a:lnSpc>
-                <a:spcPct val="100000"/>
-              </a:lnSpc>
-              <a:spcBef>
-                <a:spcPts val="0"/>
-              </a:spcBef>
-              <a:spcAft>
-                <a:spcPts val="0"/>
-              </a:spcAft>
+            <a:pPr lvl="0">
               <a:buClr>
                 <a:schemeClr val="lt1"/>
               </a:buClr>
               <a:buSzPct val="25000"/>
-              <a:buFont typeface="Cabin"/>
-              <a:buNone/>
             </a:pPr>
             <a:r>
-              <a:rPr lang="en-US" sz="2800" b="1" i="0" u="none" strike="noStrike" cap="none" dirty="0" smtClean="0">
-                <a:solidFill>
-                  <a:schemeClr val="lt1"/>
-                </a:solidFill>
-                <a:latin typeface="Courier New"/>
-                <a:ea typeface="Courier New"/>
-                <a:cs typeface="Courier New"/>
-                <a:sym typeface="Courier New"/>
-              </a:rPr>
-              <a:t>[</a:t>
-            </a:r>
-            <a:r>
-              <a:rPr lang="en-US" sz="2800" b="1" i="0" u="none" strike="noStrike" cap="none" dirty="0">
-                <a:solidFill>
-                  <a:schemeClr val="lt1"/>
-                </a:solidFill>
-                <a:latin typeface="Courier New"/>
-                <a:ea typeface="Courier New"/>
-                <a:cs typeface="Courier New"/>
-                <a:sym typeface="Courier New"/>
-              </a:rPr>
-              <a:t>'red', 24, </a:t>
-            </a:r>
-            <a:r>
-              <a:rPr lang="en-US" sz="2800" b="1" i="0" u="none" strike="noStrike" cap="none" dirty="0" smtClean="0">
-                <a:solidFill>
-                  <a:schemeClr val="lt1"/>
-                </a:solidFill>
-                <a:latin typeface="Courier New"/>
-                <a:ea typeface="Courier New"/>
-                <a:cs typeface="Courier New"/>
-                <a:sym typeface="Courier New"/>
-              </a:rPr>
-              <a:t>98.6]</a:t>
-            </a:r>
-            <a:endParaRPr lang="en-US" sz="2800" b="1" i="0" u="none" strike="noStrike" cap="none" dirty="0">
-              <a:solidFill>
-                <a:schemeClr val="lt1"/>
-              </a:solidFill>
-              <a:latin typeface="Courier New"/>
-              <a:ea typeface="Courier New"/>
-              <a:cs typeface="Courier New"/>
-              <a:sym typeface="Courier New"/>
-            </a:endParaRPr>
+              <a:rPr lang="es-419" sz="2800" b="1" dirty="0">
+                <a:solidFill>
+                  <a:schemeClr val="lt1"/>
+                </a:solidFill>
+                <a:latin typeface="Courier New"/>
+                <a:ea typeface="Courier New"/>
+                <a:cs typeface="Courier New"/>
+                <a:sym typeface="Courier New"/>
+              </a:rPr>
+              <a:t>['rojo</a:t>
+            </a:r>
+            <a:r>
+              <a:rPr lang="es-419" sz="2800" b="1" i="0" u="none" strike="noStrike" cap="none" dirty="0">
+                <a:solidFill>
+                  <a:schemeClr val="lt1"/>
+                </a:solidFill>
+                <a:latin typeface="Courier New"/>
+                <a:ea typeface="Courier New"/>
+                <a:cs typeface="Courier New"/>
+                <a:sym typeface="Courier New"/>
+              </a:rPr>
+              <a:t>', 24, 98.6]</a:t>
+            </a:r>
           </a:p>
           <a:p>
             <a:pPr>
@@ -9912,7 +9777,7 @@
               <a:buSzPct val="25000"/>
             </a:pPr>
             <a:r>
-              <a:rPr lang="en-US" sz="2800" b="1" i="0" u="none" strike="noStrike" cap="none" dirty="0">
+              <a:rPr lang="es-419" sz="2800" b="1" i="0" u="none" strike="noStrike" cap="none" dirty="0">
                 <a:solidFill>
                   <a:schemeClr val="lt1"/>
                 </a:solidFill>
@@ -9924,7 +9789,7 @@
               <a:t>&gt;&gt;&gt; </a:t>
             </a:r>
             <a:r>
-              <a:rPr lang="en-US" sz="2800" b="1" i="0" u="none" strike="noStrike" cap="none" dirty="0" smtClean="0">
+              <a:rPr lang="es-419" sz="2800" b="1" i="0" u="none" strike="noStrike" cap="none" dirty="0" err="1">
                 <a:solidFill>
                   <a:srgbClr val="FFFF00"/>
                 </a:solidFill>
@@ -9936,7 +9801,7 @@
               <a:t>print</a:t>
             </a:r>
             <a:r>
-              <a:rPr lang="en-US" sz="2800" b="1" dirty="0">
+              <a:rPr lang="es-419" sz="2800" b="1" dirty="0">
                 <a:solidFill>
                   <a:srgbClr val="FFFF00"/>
                 </a:solidFill>
@@ -9948,7 +9813,7 @@
               <a:t>(</a:t>
             </a:r>
             <a:r>
-              <a:rPr lang="en-US" sz="2800" b="1" i="0" u="none" strike="noStrike" cap="none" dirty="0" smtClean="0">
+              <a:rPr lang="es-419" sz="2800" b="1" i="0" u="none" strike="noStrike" cap="none" dirty="0">
                 <a:solidFill>
                   <a:srgbClr val="FF7F00"/>
                 </a:solidFill>
@@ -9957,10 +9822,22 @@
                 <a:cs typeface="Courier New"/>
                 <a:sym typeface="Courier New"/>
               </a:rPr>
-              <a:t>[ </a:t>
-            </a:r>
-            <a:r>
-              <a:rPr lang="en-US" sz="2800" b="1" i="0" u="none" strike="noStrike" cap="none" dirty="0">
+              <a:t>[ 1, </a:t>
+            </a:r>
+            <a:r>
+              <a:rPr lang="es-419" sz="2800" b="1" i="0" u="none" strike="noStrike" cap="none" dirty="0">
+                <a:solidFill>
+                  <a:srgbClr val="00FFFF"/>
+                </a:solidFill>
+                <a:latin typeface="Courier New"/>
+                <a:ea typeface="Courier New"/>
+                <a:cs typeface="Courier New"/>
+                <a:sym typeface="Courier New"/>
+              </a:rPr>
+              <a:t>[5, 6]</a:t>
+            </a:r>
+            <a:r>
+              <a:rPr lang="es-419" sz="2800" b="1" i="0" u="none" strike="noStrike" cap="none" dirty="0">
                 <a:solidFill>
                   <a:srgbClr val="FF7F00"/>
                 </a:solidFill>
@@ -9969,46 +9846,10 @@
                 <a:cs typeface="Courier New"/>
                 <a:sym typeface="Courier New"/>
               </a:rPr>
-              <a:t>1, </a:t>
-            </a:r>
-            <a:r>
-              <a:rPr lang="en-US" sz="2800" b="1" i="0" u="none" strike="noStrike" cap="none" dirty="0">
-                <a:solidFill>
-                  <a:srgbClr val="00FFFF"/>
-                </a:solidFill>
-                <a:latin typeface="Courier New"/>
-                <a:ea typeface="Courier New"/>
-                <a:cs typeface="Courier New"/>
-                <a:sym typeface="Courier New"/>
-              </a:rPr>
-              <a:t>[5, 6]</a:t>
-            </a:r>
-            <a:r>
-              <a:rPr lang="en-US" sz="2800" b="1" i="0" u="none" strike="noStrike" cap="none" dirty="0">
-                <a:solidFill>
-                  <a:srgbClr val="FF7F00"/>
-                </a:solidFill>
-                <a:latin typeface="Courier New"/>
-                <a:ea typeface="Courier New"/>
-                <a:cs typeface="Courier New"/>
-                <a:sym typeface="Courier New"/>
-              </a:rPr>
-              <a:t>, 7</a:t>
-            </a:r>
-            <a:r>
-              <a:rPr lang="en-US" sz="2800" b="1" i="0" u="none" strike="noStrike" cap="none" dirty="0" smtClean="0">
-                <a:solidFill>
-                  <a:srgbClr val="FF7F00"/>
-                </a:solidFill>
-                <a:latin typeface="Courier New"/>
-                <a:ea typeface="Courier New"/>
-                <a:cs typeface="Courier New"/>
-                <a:sym typeface="Courier New"/>
-              </a:rPr>
-              <a:t>]</a:t>
-            </a:r>
-            <a:r>
-              <a:rPr lang="en-US" sz="2800" b="1" dirty="0" smtClean="0">
+              <a:t>, 7]</a:t>
+            </a:r>
+            <a:r>
+              <a:rPr lang="es-419" sz="2800" b="1" dirty="0">
                 <a:solidFill>
                   <a:srgbClr val="FFFF00"/>
                 </a:solidFill>
@@ -10019,7 +9860,7 @@
               </a:rPr>
               <a:t>)</a:t>
             </a:r>
-            <a:endParaRPr lang="en-US" sz="2800" b="1" i="0" u="none" strike="noStrike" cap="none" dirty="0">
+            <a:endParaRPr lang="es-419" sz="2800" b="1" i="0" u="none" strike="noStrike" cap="none" dirty="0">
               <a:solidFill>
                 <a:srgbClr val="FF7F00"/>
               </a:solidFill>
@@ -10048,7 +9889,7 @@
               <a:buNone/>
             </a:pPr>
             <a:r>
-              <a:rPr lang="en-US" sz="2800" b="1" i="0" u="none" strike="noStrike" cap="none" dirty="0">
+              <a:rPr lang="es-419" sz="2800" b="1" i="0" u="none" strike="noStrike" cap="none" dirty="0">
                 <a:solidFill>
                   <a:schemeClr val="lt1"/>
                 </a:solidFill>
@@ -10068,7 +9909,7 @@
               <a:buSzPct val="25000"/>
             </a:pPr>
             <a:r>
-              <a:rPr lang="en-US" sz="2800" b="1" i="0" u="none" strike="noStrike" cap="none" dirty="0">
+              <a:rPr lang="es-419" sz="2800" b="1" i="0" u="none" strike="noStrike" cap="none" dirty="0">
                 <a:solidFill>
                   <a:schemeClr val="lt1"/>
                 </a:solidFill>
@@ -10080,7 +9921,7 @@
               <a:t>&gt;&gt;&gt; </a:t>
             </a:r>
             <a:r>
-              <a:rPr lang="en-US" sz="2800" b="1" i="0" u="none" strike="noStrike" cap="none" dirty="0" smtClean="0">
+              <a:rPr lang="es-419" sz="2800" b="1" i="0" u="none" strike="noStrike" cap="none" dirty="0" err="1">
                 <a:solidFill>
                   <a:srgbClr val="FFFF00"/>
                 </a:solidFill>
@@ -10092,7 +9933,7 @@
               <a:t>print</a:t>
             </a:r>
             <a:r>
-              <a:rPr lang="en-US" sz="2800" b="1" dirty="0" smtClean="0">
+              <a:rPr lang="es-419" sz="2800" b="1" dirty="0">
                 <a:solidFill>
                   <a:schemeClr val="lt1"/>
                 </a:solidFill>
@@ -10104,7 +9945,7 @@
               <a:t>(</a:t>
             </a:r>
             <a:r>
-              <a:rPr lang="en-US" sz="2800" b="1" i="0" u="none" strike="noStrike" cap="none" dirty="0" smtClean="0">
+              <a:rPr lang="es-419" sz="2800" b="1" i="0" u="none" strike="noStrike" cap="none" dirty="0">
                 <a:solidFill>
                   <a:srgbClr val="FF7F00"/>
                 </a:solidFill>
@@ -10116,7 +9957,7 @@
               <a:t>[]</a:t>
             </a:r>
             <a:r>
-              <a:rPr lang="en-US" sz="2800" b="1" dirty="0" smtClean="0">
+              <a:rPr lang="es-419" sz="2800" b="1" dirty="0">
                 <a:solidFill>
                   <a:srgbClr val="FFFF00"/>
                 </a:solidFill>
@@ -10127,7 +9968,7 @@
               </a:rPr>
               <a:t>)</a:t>
             </a:r>
-            <a:endParaRPr lang="en-US" sz="2800" b="1" i="0" u="none" strike="noStrike" cap="none" dirty="0" smtClean="0">
+            <a:endParaRPr lang="es-419" sz="2800" b="1" i="0" u="none" strike="noStrike" cap="none" dirty="0">
               <a:solidFill>
                 <a:srgbClr val="FF7F00"/>
               </a:solidFill>
@@ -10156,7 +9997,7 @@
               <a:buNone/>
             </a:pPr>
             <a:r>
-              <a:rPr lang="en-US" sz="2800" b="1" i="0" u="none" strike="noStrike" cap="none" dirty="0" smtClean="0">
+              <a:rPr lang="es-419" sz="2800" b="1" i="0" u="none" strike="noStrike" cap="none" dirty="0">
                 <a:solidFill>
                   <a:schemeClr val="lt1"/>
                 </a:solidFill>
@@ -10167,15 +10008,6 @@
               </a:rPr>
               <a:t>[]</a:t>
             </a:r>
-            <a:endParaRPr lang="en-US" sz="2800" b="1" i="0" u="none" strike="noStrike" cap="none" dirty="0">
-              <a:solidFill>
-                <a:schemeClr val="lt1"/>
-              </a:solidFill>
-              <a:latin typeface="Courier New"/>
-              <a:ea typeface="Courier New"/>
-              <a:cs typeface="Courier New"/>
-              <a:sym typeface="Courier New"/>
-            </a:endParaRPr>
           </a:p>
         </p:txBody>
       </p:sp>
@@ -10184,13 +10016,6 @@
   <p:clrMapOvr>
     <a:masterClrMapping/>
   </p:clrMapOvr>
-  <p:timing>
-    <p:tnLst>
-      <p:par>
-        <p:cTn xmlns:p14="http://schemas.microsoft.com/office/powerpoint/2010/main" id="1" dur="indefinite" restart="never" nodeType="tmRoot"/>
-      </p:par>
-    </p:tnLst>
-  </p:timing>
 </p:sld>
 </file>
 
@@ -10254,7 +10079,7 @@
               <a:buNone/>
             </a:pPr>
             <a:r>
-              <a:rPr lang="en-US" sz="7600" u="none" strike="noStrike" cap="none" dirty="0">
+              <a:rPr lang="es-419" sz="7600" dirty="0">
                 <a:solidFill>
                   <a:srgbClr val="FFFF00"/>
                 </a:solidFill>
@@ -10263,80 +10088,17 @@
                 <a:cs typeface="Arial" charset="0"/>
                 <a:sym typeface="Cabin"/>
               </a:rPr>
-              <a:t>We </a:t>
-            </a:r>
-            <a:r>
-              <a:rPr lang="en-US" sz="7600" u="none" strike="noStrike" cap="none" dirty="0" smtClean="0">
-                <a:solidFill>
-                  <a:srgbClr val="FFFF00"/>
-                </a:solidFill>
-                <a:latin typeface="Arial" charset="0"/>
-                <a:ea typeface="Arial" charset="0"/>
-                <a:cs typeface="Arial" charset="0"/>
-                <a:sym typeface="Cabin"/>
-              </a:rPr>
-              <a:t>Already </a:t>
-            </a:r>
-            <a:r>
-              <a:rPr lang="en-US" sz="7600" dirty="0">
-                <a:solidFill>
-                  <a:srgbClr val="FFFF00"/>
-                </a:solidFill>
-                <a:latin typeface="Arial" charset="0"/>
-                <a:ea typeface="Arial" charset="0"/>
-                <a:cs typeface="Arial" charset="0"/>
-                <a:sym typeface="Cabin"/>
-              </a:rPr>
-              <a:t>U</a:t>
-            </a:r>
-            <a:r>
-              <a:rPr lang="en-US" sz="7600" u="none" strike="noStrike" cap="none" dirty="0" smtClean="0">
-                <a:solidFill>
-                  <a:srgbClr val="FFFF00"/>
-                </a:solidFill>
-                <a:latin typeface="Arial" charset="0"/>
-                <a:ea typeface="Arial" charset="0"/>
-                <a:cs typeface="Arial" charset="0"/>
-                <a:sym typeface="Cabin"/>
-              </a:rPr>
-              <a:t>se </a:t>
-            </a:r>
-            <a:r>
-              <a:rPr lang="en-US" sz="7600" dirty="0">
-                <a:solidFill>
-                  <a:srgbClr val="FFFF00"/>
-                </a:solidFill>
-                <a:latin typeface="Arial" charset="0"/>
-                <a:ea typeface="Arial" charset="0"/>
-                <a:cs typeface="Arial" charset="0"/>
-                <a:sym typeface="Cabin"/>
-              </a:rPr>
-              <a:t>L</a:t>
-            </a:r>
-            <a:r>
-              <a:rPr lang="en-US" sz="7600" u="none" strike="noStrike" cap="none" dirty="0" smtClean="0">
-                <a:solidFill>
-                  <a:srgbClr val="FFFF00"/>
-                </a:solidFill>
-                <a:latin typeface="Arial" charset="0"/>
-                <a:ea typeface="Arial" charset="0"/>
-                <a:cs typeface="Arial" charset="0"/>
-                <a:sym typeface="Cabin"/>
-              </a:rPr>
-              <a:t>ists</a:t>
-            </a:r>
-            <a:r>
-              <a:rPr lang="en-US" sz="7600" u="none" strike="noStrike" cap="none" dirty="0">
-                <a:solidFill>
-                  <a:srgbClr val="FFFF00"/>
-                </a:solidFill>
-                <a:latin typeface="Arial" charset="0"/>
-                <a:ea typeface="Arial" charset="0"/>
-                <a:cs typeface="Arial" charset="0"/>
-                <a:sym typeface="Cabin"/>
-              </a:rPr>
-              <a:t>!</a:t>
-            </a:r>
+              <a:t>¡Ya estamos usando Listas!</a:t>
+            </a:r>
+            <a:endParaRPr lang="es-419" sz="7600" u="none" strike="noStrike" cap="none" dirty="0">
+              <a:solidFill>
+                <a:srgbClr val="FFFF00"/>
+              </a:solidFill>
+              <a:latin typeface="Arial" charset="0"/>
+              <a:ea typeface="Arial" charset="0"/>
+              <a:cs typeface="Arial" charset="0"/>
+              <a:sym typeface="Cabin"/>
+            </a:endParaRPr>
           </a:p>
         </p:txBody>
       </p:sp>
@@ -10383,7 +10145,7 @@
               <a:buNone/>
             </a:pPr>
             <a:r>
-              <a:rPr lang="en-US" sz="3600" b="1" i="0" u="none" strike="noStrike" cap="none" dirty="0">
+              <a:rPr lang="es-419" sz="3600" b="1" i="0" u="none" strike="noStrike" cap="none" dirty="0" err="1">
                 <a:solidFill>
                   <a:srgbClr val="FFFF00"/>
                 </a:solidFill>
@@ -10395,7 +10157,7 @@
               <a:t>for</a:t>
             </a:r>
             <a:r>
-              <a:rPr lang="en-US" sz="3600" b="1" i="0" u="none" strike="noStrike" cap="none" dirty="0">
+              <a:rPr lang="es-419" sz="3600" b="1" i="0" u="none" strike="noStrike" cap="none" dirty="0">
                 <a:solidFill>
                   <a:schemeClr val="lt1"/>
                 </a:solidFill>
@@ -10407,7 +10169,7 @@
               <a:t> </a:t>
             </a:r>
             <a:r>
-              <a:rPr lang="en-US" sz="3600" b="1" i="0" u="none" strike="noStrike" cap="none" dirty="0" err="1">
+              <a:rPr lang="es-419" sz="3600" b="1" i="0" u="none" strike="noStrike" cap="none" dirty="0">
                 <a:solidFill>
                   <a:srgbClr val="00FF00"/>
                 </a:solidFill>
@@ -10419,7 +10181,7 @@
               <a:t>i</a:t>
             </a:r>
             <a:r>
-              <a:rPr lang="en-US" sz="3600" b="1" i="0" u="none" strike="noStrike" cap="none" dirty="0">
+              <a:rPr lang="es-419" sz="3600" b="1" i="0" u="none" strike="noStrike" cap="none" dirty="0">
                 <a:solidFill>
                   <a:schemeClr val="lt1"/>
                 </a:solidFill>
@@ -10431,7 +10193,7 @@
               <a:t> </a:t>
             </a:r>
             <a:r>
-              <a:rPr lang="en-US" sz="3600" b="1" i="0" u="none" strike="noStrike" cap="none" dirty="0">
+              <a:rPr lang="es-419" sz="3600" b="1" i="0" u="none" strike="noStrike" cap="none" dirty="0">
                 <a:solidFill>
                   <a:srgbClr val="FFFF00"/>
                 </a:solidFill>
@@ -10443,7 +10205,7 @@
               <a:t>in</a:t>
             </a:r>
             <a:r>
-              <a:rPr lang="en-US" sz="3600" b="1" i="0" u="none" strike="noStrike" cap="none" dirty="0">
+              <a:rPr lang="es-419" sz="3600" b="1" i="0" u="none" strike="noStrike" cap="none" dirty="0">
                 <a:solidFill>
                   <a:schemeClr val="lt1"/>
                 </a:solidFill>
@@ -10455,7 +10217,7 @@
               <a:t> </a:t>
             </a:r>
             <a:r>
-              <a:rPr lang="en-US" sz="3600" b="1" i="0" u="none" strike="noStrike" cap="none" dirty="0">
+              <a:rPr lang="es-419" sz="3600" b="1" i="0" u="none" strike="noStrike" cap="none" dirty="0">
                 <a:solidFill>
                   <a:srgbClr val="FF7F00"/>
                 </a:solidFill>
@@ -10467,7 +10229,7 @@
               <a:t>[5, 4, 3, 2, 1]</a:t>
             </a:r>
             <a:r>
-              <a:rPr lang="en-US" sz="3600" b="1" i="0" u="none" strike="noStrike" cap="none" dirty="0">
+              <a:rPr lang="es-419" sz="3600" b="1" i="0" u="none" strike="noStrike" cap="none" dirty="0">
                 <a:solidFill>
                   <a:srgbClr val="00FF00"/>
                 </a:solidFill>
@@ -10479,7 +10241,7 @@
               <a:t> </a:t>
             </a:r>
             <a:r>
-              <a:rPr lang="en-US" sz="3600" b="1" i="0" u="none" strike="noStrike" cap="none" dirty="0">
+              <a:rPr lang="es-419" sz="3600" b="1" i="0" u="none" strike="noStrike" cap="none" dirty="0">
                 <a:solidFill>
                   <a:schemeClr val="lt1"/>
                 </a:solidFill>
@@ -10510,7 +10272,7 @@
               <a:buNone/>
             </a:pPr>
             <a:r>
-              <a:rPr lang="en-US" sz="3600" b="1" i="0" u="none" strike="noStrike" cap="none" dirty="0">
+              <a:rPr lang="es-419" sz="3600" b="1" i="0" u="none" strike="noStrike" cap="none" dirty="0">
                 <a:solidFill>
                   <a:schemeClr val="lt1"/>
                 </a:solidFill>
@@ -10522,7 +10284,7 @@
               <a:t>    </a:t>
             </a:r>
             <a:r>
-              <a:rPr lang="en-US" sz="3600" b="1" i="0" u="none" strike="noStrike" cap="none" dirty="0" smtClean="0">
+              <a:rPr lang="es-419" sz="3600" b="1" i="0" u="none" strike="noStrike" cap="none" dirty="0" err="1">
                 <a:solidFill>
                   <a:srgbClr val="FFFF00"/>
                 </a:solidFill>
@@ -10531,10 +10293,22 @@
                 <a:cs typeface="Courier New"/>
                 <a:sym typeface="Courier New"/>
               </a:rPr>
-              <a:t>print(</a:t>
-            </a:r>
-            <a:r>
-              <a:rPr lang="en-US" sz="3600" b="1" i="0" u="none" strike="noStrike" cap="none" dirty="0" err="1" smtClean="0">
+              <a:t>print</a:t>
+            </a:r>
+            <a:r>
+              <a:rPr lang="es-419" sz="3600" b="1" i="0" u="none" strike="noStrike" cap="none" dirty="0">
+                <a:solidFill>
+                  <a:srgbClr val="FFFF00"/>
+                </a:solidFill>
+                <a:latin typeface="Courier New"/>
+                <a:ea typeface="Courier New"/>
+                <a:cs typeface="Courier New"/>
+                <a:sym typeface="Courier New"/>
+              </a:rPr>
+              <a:t>(</a:t>
+            </a:r>
+            <a:r>
+              <a:rPr lang="es-419" sz="3600" b="1" i="0" u="none" strike="noStrike" cap="none" dirty="0">
                 <a:solidFill>
                   <a:srgbClr val="00FF00"/>
                 </a:solidFill>
@@ -10546,7 +10320,7 @@
               <a:t>i</a:t>
             </a:r>
             <a:r>
-              <a:rPr lang="en-US" sz="3600" b="1" i="0" u="none" strike="noStrike" cap="none" dirty="0" smtClean="0">
+              <a:rPr lang="es-419" sz="3600" b="1" i="0" u="none" strike="noStrike" cap="none" dirty="0">
                 <a:solidFill>
                   <a:srgbClr val="FFFF00"/>
                 </a:solidFill>
@@ -10557,36 +10331,16 @@
               </a:rPr>
               <a:t>)</a:t>
             </a:r>
-            <a:endParaRPr lang="en-US" sz="3600" b="1" i="0" u="none" strike="noStrike" cap="none" dirty="0">
-              <a:solidFill>
-                <a:srgbClr val="FFFF00"/>
-              </a:solidFill>
-              <a:latin typeface="Courier New"/>
-              <a:ea typeface="Courier New"/>
-              <a:cs typeface="Courier New"/>
-              <a:sym typeface="Courier New"/>
-            </a:endParaRPr>
-          </a:p>
-          <a:p>
-            <a:pPr marL="0" marR="0" lvl="0" indent="0" algn="l" rtl="0">
-              <a:lnSpc>
-                <a:spcPct val="100000"/>
-              </a:lnSpc>
-              <a:spcBef>
-                <a:spcPts val="0"/>
-              </a:spcBef>
-              <a:spcAft>
-                <a:spcPts val="0"/>
-              </a:spcAft>
+          </a:p>
+          <a:p>
+            <a:pPr lvl="0">
               <a:buClr>
                 <a:srgbClr val="FFFF00"/>
               </a:buClr>
               <a:buSzPct val="25000"/>
-              <a:buFont typeface="Cabin"/>
-              <a:buNone/>
             </a:pPr>
             <a:r>
-              <a:rPr lang="en-US" sz="3600" b="1" i="0" u="none" strike="noStrike" cap="none" dirty="0" smtClean="0">
+              <a:rPr lang="es-419" sz="3600" b="1" i="0" u="none" strike="noStrike" cap="none" dirty="0" err="1">
                 <a:solidFill>
                   <a:srgbClr val="FFFF00"/>
                 </a:solidFill>
@@ -10595,10 +10349,22 @@
                 <a:cs typeface="Courier New"/>
                 <a:sym typeface="Courier New"/>
               </a:rPr>
-              <a:t>print(</a:t>
-            </a:r>
-            <a:r>
-              <a:rPr lang="en-US" sz="3600" b="1" i="0" u="none" strike="noStrike" cap="none" dirty="0" smtClean="0">
+              <a:t>print</a:t>
+            </a:r>
+            <a:r>
+              <a:rPr lang="es-419" sz="3600" b="1" i="0" u="none" strike="noStrike" cap="none" dirty="0">
+                <a:solidFill>
+                  <a:srgbClr val="FFFF00"/>
+                </a:solidFill>
+                <a:latin typeface="Courier New"/>
+                <a:ea typeface="Courier New"/>
+                <a:cs typeface="Courier New"/>
+                <a:sym typeface="Courier New"/>
+              </a:rPr>
+              <a:t>(</a:t>
+            </a:r>
+            <a:r>
+              <a:rPr lang="es-419" sz="3600" b="1" dirty="0">
                 <a:solidFill>
                   <a:srgbClr val="FF7F00"/>
                 </a:solidFill>
@@ -10607,10 +10373,22 @@
                 <a:cs typeface="Courier New"/>
                 <a:sym typeface="Courier New"/>
               </a:rPr>
-              <a:t>'Blastoff!'</a:t>
-            </a:r>
-            <a:r>
-              <a:rPr lang="en-US" sz="3600" b="1" i="0" u="none" strike="noStrike" cap="none" dirty="0" smtClean="0">
+              <a:t>'¡Despegue!</a:t>
+            </a:r>
+            <a:r>
+              <a:rPr lang="es-419" sz="3600" b="1" i="0" u="none" strike="noStrike" cap="none" dirty="0">
+                <a:solidFill>
+                  <a:srgbClr val="FF7F00"/>
+                </a:solidFill>
+                <a:latin typeface="Courier New"/>
+                <a:ea typeface="Courier New"/>
+                <a:cs typeface="Courier New"/>
+                <a:sym typeface="Courier New"/>
+              </a:rPr>
+              <a:t>'</a:t>
+            </a:r>
+            <a:r>
+              <a:rPr lang="es-419" sz="3600" b="1" i="0" u="none" strike="noStrike" cap="none" dirty="0">
                 <a:solidFill>
                   <a:srgbClr val="FFFF00"/>
                 </a:solidFill>
@@ -10621,15 +10399,6 @@
               </a:rPr>
               <a:t>)</a:t>
             </a:r>
-            <a:endParaRPr lang="en-US" sz="3600" b="1" i="0" u="none" strike="noStrike" cap="none" dirty="0">
-              <a:solidFill>
-                <a:srgbClr val="FFFF00"/>
-              </a:solidFill>
-              <a:latin typeface="Courier New"/>
-              <a:ea typeface="Courier New"/>
-              <a:cs typeface="Courier New"/>
-              <a:sym typeface="Courier New"/>
-            </a:endParaRPr>
           </a:p>
         </p:txBody>
       </p:sp>
@@ -10642,7 +10411,7 @@
         <p:spPr>
           <a:xfrm>
             <a:off x="11091861" y="2188294"/>
-            <a:ext cx="2384424" cy="4902200"/>
+            <a:ext cx="3268664" cy="4902200"/>
           </a:xfrm>
           <a:prstGeom prst="rect">
             <a:avLst/>
@@ -10676,7 +10445,7 @@
               <a:buNone/>
             </a:pPr>
             <a:r>
-              <a:rPr lang="en-US" sz="4800" u="none" strike="noStrike" cap="none">
+              <a:rPr lang="es-419" sz="4800" u="none" strike="noStrike" cap="none" dirty="0">
                 <a:solidFill>
                   <a:srgbClr val="FF00FF"/>
                 </a:solidFill>
@@ -10707,7 +10476,7 @@
               <a:buNone/>
             </a:pPr>
             <a:r>
-              <a:rPr lang="en-US" sz="4800" u="none" strike="noStrike" cap="none">
+              <a:rPr lang="es-419" sz="4800" u="none" strike="noStrike" cap="none" dirty="0">
                 <a:solidFill>
                   <a:srgbClr val="FF00FF"/>
                 </a:solidFill>
@@ -10738,7 +10507,7 @@
               <a:buNone/>
             </a:pPr>
             <a:r>
-              <a:rPr lang="en-US" sz="4800" u="none" strike="noStrike" cap="none">
+              <a:rPr lang="es-419" sz="4800" u="none" strike="noStrike" cap="none" dirty="0">
                 <a:solidFill>
                   <a:srgbClr val="FF00FF"/>
                 </a:solidFill>
@@ -10769,7 +10538,7 @@
               <a:buNone/>
             </a:pPr>
             <a:r>
-              <a:rPr lang="en-US" sz="4800" u="none" strike="noStrike" cap="none">
+              <a:rPr lang="es-419" sz="4800" u="none" strike="noStrike" cap="none" dirty="0">
                 <a:solidFill>
                   <a:srgbClr val="FF00FF"/>
                 </a:solidFill>
@@ -10800,7 +10569,7 @@
               <a:buNone/>
             </a:pPr>
             <a:r>
-              <a:rPr lang="en-US" sz="4800" u="none" strike="noStrike" cap="none">
+              <a:rPr lang="es-419" sz="4800" u="none" strike="noStrike" cap="none" dirty="0">
                 <a:solidFill>
                   <a:srgbClr val="FF00FF"/>
                 </a:solidFill>
@@ -10831,7 +10600,7 @@
               <a:buNone/>
             </a:pPr>
             <a:r>
-              <a:rPr lang="en-US" sz="4800" u="none" strike="noStrike" cap="none">
+              <a:rPr lang="es-419" sz="4800" dirty="0">
                 <a:solidFill>
                   <a:srgbClr val="FF00FF"/>
                 </a:solidFill>
@@ -10840,7 +10609,19 @@
                 <a:cs typeface="Arial" charset="0"/>
                 <a:sym typeface="Cabin"/>
               </a:rPr>
-              <a:t>Blastoff!</a:t>
+              <a:t>¡</a:t>
+            </a:r>
+            <a:r>
+              <a:rPr lang="es-419" sz="4800" u="none" strike="noStrike" cap="none" dirty="0">
+                <a:solidFill>
+                  <a:srgbClr val="FF00FF"/>
+                </a:solidFill>
+                <a:latin typeface="Arial" charset="0"/>
+                <a:ea typeface="Arial" charset="0"/>
+                <a:cs typeface="Arial" charset="0"/>
+                <a:sym typeface="Cabin"/>
+              </a:rPr>
+              <a:t>Despegue!</a:t>
             </a:r>
           </a:p>
         </p:txBody>
@@ -10850,13 +10631,6 @@
   <p:clrMapOvr>
     <a:masterClrMapping/>
   </p:clrMapOvr>
-  <p:timing>
-    <p:tnLst>
-      <p:par>
-        <p:cTn xmlns:p14="http://schemas.microsoft.com/office/powerpoint/2010/main" id="1" dur="indefinite" restart="never" nodeType="tmRoot"/>
-      </p:par>
-    </p:tnLst>
-  </p:timing>
 </p:sld>
 </file>
 
@@ -10920,7 +10694,7 @@
               <a:buNone/>
             </a:pPr>
             <a:r>
-              <a:rPr lang="en-US" sz="6600" u="none" strike="noStrike" cap="none" dirty="0">
+              <a:rPr lang="es-419" sz="6600" u="none" strike="noStrike" cap="none" dirty="0">
                 <a:solidFill>
                   <a:srgbClr val="FFFF00"/>
                 </a:solidFill>
@@ -10929,101 +10703,8 @@
                 <a:cs typeface="Arial" charset="0"/>
                 <a:sym typeface="Cabin"/>
               </a:rPr>
-              <a:t>Lists and </a:t>
-            </a:r>
-            <a:r>
-              <a:rPr lang="en-US" sz="6600" u="none" strike="noStrike" cap="none" dirty="0" smtClean="0">
-                <a:solidFill>
-                  <a:srgbClr val="FFFF00"/>
-                </a:solidFill>
-                <a:latin typeface="Arial" charset="0"/>
-                <a:ea typeface="Arial" charset="0"/>
-                <a:cs typeface="Arial" charset="0"/>
-                <a:sym typeface="Cabin"/>
-              </a:rPr>
-              <a:t>Definite </a:t>
-            </a:r>
-            <a:r>
-              <a:rPr lang="en-US" sz="6600" dirty="0">
-                <a:solidFill>
-                  <a:srgbClr val="FFFF00"/>
-                </a:solidFill>
-                <a:latin typeface="Arial" charset="0"/>
-                <a:ea typeface="Arial" charset="0"/>
-                <a:cs typeface="Arial" charset="0"/>
-                <a:sym typeface="Cabin"/>
-              </a:rPr>
-              <a:t>L</a:t>
-            </a:r>
-            <a:r>
-              <a:rPr lang="en-US" sz="6600" u="none" strike="noStrike" cap="none" dirty="0" smtClean="0">
-                <a:solidFill>
-                  <a:srgbClr val="FFFF00"/>
-                </a:solidFill>
-                <a:latin typeface="Arial" charset="0"/>
-                <a:ea typeface="Arial" charset="0"/>
-                <a:cs typeface="Arial" charset="0"/>
-                <a:sym typeface="Cabin"/>
-              </a:rPr>
-              <a:t>oops – </a:t>
-            </a:r>
-            <a:r>
-              <a:rPr lang="en-US" sz="6600" dirty="0">
-                <a:solidFill>
-                  <a:srgbClr val="FFFF00"/>
-                </a:solidFill>
-                <a:latin typeface="Arial" charset="0"/>
-                <a:ea typeface="Arial" charset="0"/>
-                <a:cs typeface="Arial" charset="0"/>
-                <a:sym typeface="Cabin"/>
-              </a:rPr>
-              <a:t>B</a:t>
-            </a:r>
-            <a:r>
-              <a:rPr lang="en-US" sz="6600" u="none" strike="noStrike" cap="none" dirty="0" smtClean="0">
-                <a:solidFill>
-                  <a:srgbClr val="FFFF00"/>
-                </a:solidFill>
-                <a:latin typeface="Arial" charset="0"/>
-                <a:ea typeface="Arial" charset="0"/>
-                <a:cs typeface="Arial" charset="0"/>
-                <a:sym typeface="Cabin"/>
-              </a:rPr>
-              <a:t>est </a:t>
-            </a:r>
-            <a:r>
-              <a:rPr lang="en-US" sz="6600" dirty="0">
-                <a:solidFill>
-                  <a:srgbClr val="FFFF00"/>
-                </a:solidFill>
-                <a:latin typeface="Arial" charset="0"/>
-                <a:ea typeface="Arial" charset="0"/>
-                <a:cs typeface="Arial" charset="0"/>
-                <a:sym typeface="Cabin"/>
-              </a:rPr>
-              <a:t>P</a:t>
-            </a:r>
-            <a:r>
-              <a:rPr lang="en-US" sz="6600" u="none" strike="noStrike" cap="none" dirty="0" smtClean="0">
-                <a:solidFill>
-                  <a:srgbClr val="FFFF00"/>
-                </a:solidFill>
-                <a:latin typeface="Arial" charset="0"/>
-                <a:ea typeface="Arial" charset="0"/>
-                <a:cs typeface="Arial" charset="0"/>
-                <a:sym typeface="Cabin"/>
-              </a:rPr>
-              <a:t>als</a:t>
-            </a:r>
-            <a:endParaRPr lang="en-US" sz="6600" u="none" strike="noStrike" cap="none" dirty="0">
-              <a:solidFill>
-                <a:srgbClr val="FFFF00"/>
-              </a:solidFill>
-              <a:latin typeface="Arial" charset="0"/>
-              <a:ea typeface="Arial" charset="0"/>
-              <a:cs typeface="Arial" charset="0"/>
-              <a:sym typeface="Cabin"/>
-            </a:endParaRPr>
+              <a:t>Listas y Bucles Definidos – Mejores Amigos</a:t>
+            </a:r>
           </a:p>
         </p:txBody>
       </p:sp>
@@ -11035,8 +10716,8 @@
         </p:nvSpPr>
         <p:spPr>
           <a:xfrm>
-            <a:off x="1090964" y="2560873"/>
-            <a:ext cx="7280400" cy="2216099"/>
+            <a:off x="1090963" y="2560873"/>
+            <a:ext cx="7663071" cy="2216099"/>
           </a:xfrm>
           <a:prstGeom prst="rect">
             <a:avLst/>
@@ -11070,7 +10751,7 @@
               <a:buNone/>
             </a:pPr>
             <a:r>
-              <a:rPr lang="en-US" sz="2400" b="1" i="0" u="none" strike="noStrike" cap="none" dirty="0">
+              <a:rPr lang="es-419" sz="2400" b="1" i="0" u="none" strike="noStrike" cap="none" dirty="0">
                 <a:solidFill>
                   <a:srgbClr val="00FF00"/>
                 </a:solidFill>
@@ -11079,10 +10760,10 @@
                 <a:cs typeface="Courier New"/>
                 <a:sym typeface="Courier New"/>
               </a:rPr>
-              <a:t>friends</a:t>
-            </a:r>
-            <a:r>
-              <a:rPr lang="en-US" sz="2400" b="1" i="0" u="none" strike="noStrike" cap="none" dirty="0">
+              <a:t>amigos</a:t>
+            </a:r>
+            <a:r>
+              <a:rPr lang="es-419" sz="2400" b="1" i="0" u="none" strike="noStrike" cap="none" dirty="0">
                 <a:solidFill>
                   <a:schemeClr val="lt1"/>
                 </a:solidFill>
@@ -11094,7 +10775,7 @@
               <a:t> = </a:t>
             </a:r>
             <a:r>
-              <a:rPr lang="en-US" sz="2400" b="1" i="0" u="none" strike="noStrike" cap="none" dirty="0">
+              <a:rPr lang="es-419" sz="2400" b="1" i="0" u="none" strike="noStrike" cap="none" dirty="0">
                 <a:solidFill>
                   <a:srgbClr val="FF7F00"/>
                 </a:solidFill>
@@ -11125,7 +10806,7 @@
               <a:buNone/>
             </a:pPr>
             <a:r>
-              <a:rPr lang="en-US" sz="2400" b="1" i="0" u="none" strike="noStrike" cap="none" dirty="0">
+              <a:rPr lang="es-419" sz="2400" b="1" i="0" u="none" strike="noStrike" cap="none" dirty="0" err="1">
                 <a:solidFill>
                   <a:srgbClr val="FFFF00"/>
                 </a:solidFill>
@@ -11137,7 +10818,7 @@
               <a:t>for</a:t>
             </a:r>
             <a:r>
-              <a:rPr lang="en-US" sz="2400" b="1" i="0" u="none" strike="noStrike" cap="none" dirty="0">
+              <a:rPr lang="es-419" sz="2400" b="1" i="0" u="none" strike="noStrike" cap="none" dirty="0">
                 <a:solidFill>
                   <a:schemeClr val="lt1"/>
                 </a:solidFill>
@@ -11149,7 +10830,7 @@
               <a:t> </a:t>
             </a:r>
             <a:r>
-              <a:rPr lang="en-US" sz="2400" b="1" i="0" u="none" strike="noStrike" cap="none" dirty="0">
+              <a:rPr lang="es-419" sz="2400" b="1" i="0" u="none" strike="noStrike" cap="none" dirty="0">
                 <a:solidFill>
                   <a:srgbClr val="00FF00"/>
                 </a:solidFill>
@@ -11158,10 +10839,10 @@
                 <a:cs typeface="Courier New"/>
                 <a:sym typeface="Courier New"/>
               </a:rPr>
-              <a:t>friend</a:t>
-            </a:r>
-            <a:r>
-              <a:rPr lang="en-US" sz="2400" b="1" i="0" u="none" strike="noStrike" cap="none" dirty="0">
+              <a:t>amigo</a:t>
+            </a:r>
+            <a:r>
+              <a:rPr lang="es-419" sz="2400" b="1" i="0" u="none" strike="noStrike" cap="none" dirty="0">
                 <a:solidFill>
                   <a:schemeClr val="lt1"/>
                 </a:solidFill>
@@ -11173,7 +10854,7 @@
               <a:t> </a:t>
             </a:r>
             <a:r>
-              <a:rPr lang="en-US" sz="2400" b="1" i="0" u="none" strike="noStrike" cap="none" dirty="0">
+              <a:rPr lang="es-419" sz="2400" b="1" i="0" u="none" strike="noStrike" cap="none" dirty="0">
                 <a:solidFill>
                   <a:srgbClr val="FFFF00"/>
                 </a:solidFill>
@@ -11185,7 +10866,7 @@
               <a:t>in</a:t>
             </a:r>
             <a:r>
-              <a:rPr lang="en-US" sz="2400" b="1" i="0" u="none" strike="noStrike" cap="none" dirty="0">
+              <a:rPr lang="es-419" sz="2400" b="1" i="0" u="none" strike="noStrike" cap="none" dirty="0">
                 <a:solidFill>
                   <a:schemeClr val="lt1"/>
                 </a:solidFill>
@@ -11197,7 +10878,7 @@
               <a:t> </a:t>
             </a:r>
             <a:r>
-              <a:rPr lang="en-US" sz="2400" b="1" i="0" u="none" strike="noStrike" cap="none" dirty="0">
+              <a:rPr lang="es-419" sz="2400" b="1" i="0" u="none" strike="noStrike" cap="none" dirty="0">
                 <a:solidFill>
                   <a:srgbClr val="00FF00"/>
                 </a:solidFill>
@@ -11206,10 +10887,10 @@
                 <a:cs typeface="Courier New"/>
                 <a:sym typeface="Courier New"/>
               </a:rPr>
-              <a:t>friends </a:t>
-            </a:r>
-            <a:r>
-              <a:rPr lang="en-US" sz="2400" b="1" i="0" u="none" strike="noStrike" cap="none" dirty="0">
+              <a:t>amigos </a:t>
+            </a:r>
+            <a:r>
+              <a:rPr lang="es-419" sz="2400" b="1" i="0" u="none" strike="noStrike" cap="none" dirty="0">
                 <a:solidFill>
                   <a:schemeClr val="lt1"/>
                 </a:solidFill>
@@ -11229,7 +10910,7 @@
               <a:buSzPct val="25000"/>
             </a:pPr>
             <a:r>
-              <a:rPr lang="en-US" sz="2400" b="1" i="0" u="none" strike="noStrike" cap="none" dirty="0">
+              <a:rPr lang="es-419" sz="2400" b="1" i="0" u="none" strike="noStrike" cap="none" dirty="0">
                 <a:solidFill>
                   <a:schemeClr val="lt1"/>
                 </a:solidFill>
@@ -11241,7 +10922,7 @@
               <a:t>    </a:t>
             </a:r>
             <a:r>
-              <a:rPr lang="en-US" sz="2400" b="1" i="0" u="none" strike="noStrike" cap="none" dirty="0" smtClean="0">
+              <a:rPr lang="es-419" sz="2400" b="1" i="0" u="none" strike="noStrike" cap="none" dirty="0" err="1">
                 <a:solidFill>
                   <a:srgbClr val="FFFF00"/>
                 </a:solidFill>
@@ -11250,10 +10931,22 @@
                 <a:cs typeface="Courier New"/>
                 <a:sym typeface="Courier New"/>
               </a:rPr>
-              <a:t>print(</a:t>
-            </a:r>
-            <a:r>
-              <a:rPr lang="en-US" sz="2400" b="1" i="0" u="none" strike="noStrike" cap="none" dirty="0" smtClean="0">
+              <a:t>print</a:t>
+            </a:r>
+            <a:r>
+              <a:rPr lang="es-419" sz="2400" b="1" i="0" u="none" strike="noStrike" cap="none" dirty="0">
+                <a:solidFill>
+                  <a:srgbClr val="FFFF00"/>
+                </a:solidFill>
+                <a:latin typeface="Courier New"/>
+                <a:ea typeface="Courier New"/>
+                <a:cs typeface="Courier New"/>
+                <a:sym typeface="Courier New"/>
+              </a:rPr>
+              <a:t>(</a:t>
+            </a:r>
+            <a:r>
+              <a:rPr lang="es-419" sz="2400" b="1" dirty="0">
                 <a:solidFill>
                   <a:srgbClr val="FF7F00"/>
                 </a:solidFill>
@@ -11262,10 +10955,10 @@
                 <a:cs typeface="Courier New"/>
                 <a:sym typeface="Courier New"/>
               </a:rPr>
-              <a:t>'Happy </a:t>
-            </a:r>
-            <a:r>
-              <a:rPr lang="en-US" sz="2400" b="1" i="0" u="none" strike="noStrike" cap="none" dirty="0">
+              <a:t>'¡F</a:t>
+            </a:r>
+            <a:r>
+              <a:rPr lang="es-419" sz="2400" b="1" i="0" u="none" strike="noStrike" cap="none" dirty="0">
                 <a:solidFill>
                   <a:srgbClr val="FF7F00"/>
                 </a:solidFill>
@@ -11274,10 +10967,22 @@
                 <a:cs typeface="Courier New"/>
                 <a:sym typeface="Courier New"/>
               </a:rPr>
-              <a:t>New Year:'</a:t>
-            </a:r>
-            <a:r>
-              <a:rPr lang="en-US" sz="2400" b="1" i="0" u="none" strike="noStrike" cap="none" dirty="0">
+              <a:t>eliz año nuevo!:</a:t>
+            </a:r>
+            <a:r>
+              <a:rPr lang="es-419" sz="2400" b="1" dirty="0">
+                <a:solidFill>
+                  <a:srgbClr val="FF7F00"/>
+                </a:solidFill>
+                <a:latin typeface="Courier New"/>
+                <a:ea typeface="Courier New"/>
+                <a:cs typeface="Courier New"/>
+                <a:sym typeface="Courier New"/>
+              </a:rPr>
+              <a:t>'</a:t>
+            </a:r>
+            <a:r>
+              <a:rPr lang="es-419" sz="2400" b="1" i="0" u="none" strike="noStrike" cap="none" dirty="0">
                 <a:solidFill>
                   <a:schemeClr val="lt1"/>
                 </a:solidFill>
@@ -11289,7 +10994,7 @@
               <a:t>,  </a:t>
             </a:r>
             <a:r>
-              <a:rPr lang="en-US" sz="2400" b="1" i="0" u="none" strike="noStrike" cap="none" dirty="0" smtClean="0">
+              <a:rPr lang="es-419" sz="2400" b="1" i="0" u="none" strike="noStrike" cap="none" dirty="0">
                 <a:solidFill>
                   <a:srgbClr val="00FF00"/>
                 </a:solidFill>
@@ -11298,10 +11003,10 @@
                 <a:cs typeface="Courier New"/>
                 <a:sym typeface="Courier New"/>
               </a:rPr>
-              <a:t>friend</a:t>
-            </a:r>
-            <a:r>
-              <a:rPr lang="en-US" sz="2400" b="1" dirty="0" smtClean="0">
+              <a:t>amigo</a:t>
+            </a:r>
+            <a:r>
+              <a:rPr lang="es-419" sz="2400" b="1" dirty="0">
                 <a:solidFill>
                   <a:srgbClr val="FFFF00"/>
                 </a:solidFill>
@@ -11312,7 +11017,7 @@
               </a:rPr>
               <a:t>)</a:t>
             </a:r>
-            <a:endParaRPr lang="en-US" sz="2400" b="1" i="0" u="none" strike="noStrike" cap="none" dirty="0">
+            <a:endParaRPr lang="es-419" sz="2400" b="1" i="0" u="none" strike="noStrike" cap="none" dirty="0">
               <a:solidFill>
                 <a:srgbClr val="00FF00"/>
               </a:solidFill>
@@ -11330,7 +11035,7 @@
               <a:buSzPct val="25000"/>
             </a:pPr>
             <a:r>
-              <a:rPr lang="en-US" sz="2400" b="1" i="0" u="none" strike="noStrike" cap="none" dirty="0" smtClean="0">
+              <a:rPr lang="es-419" sz="2400" b="1" i="0" u="none" strike="noStrike" cap="none" dirty="0" err="1">
                 <a:solidFill>
                   <a:srgbClr val="FFFF00"/>
                 </a:solidFill>
@@ -11342,7 +11047,7 @@
               <a:t>print</a:t>
             </a:r>
             <a:r>
-              <a:rPr lang="en-US" sz="2400" b="1" dirty="0">
+              <a:rPr lang="es-419" sz="2400" b="1" dirty="0">
                 <a:solidFill>
                   <a:schemeClr val="lt1"/>
                 </a:solidFill>
@@ -11354,7 +11059,7 @@
               <a:t>(</a:t>
             </a:r>
             <a:r>
-              <a:rPr lang="en-US" sz="2400" b="1" i="0" u="none" strike="noStrike" cap="none" dirty="0" smtClean="0">
+              <a:rPr lang="es-419" sz="2400" b="1" dirty="0">
                 <a:solidFill>
                   <a:srgbClr val="FF7F00"/>
                 </a:solidFill>
@@ -11363,10 +11068,10 @@
                 <a:cs typeface="Courier New"/>
                 <a:sym typeface="Courier New"/>
               </a:rPr>
-              <a:t>'Done!'</a:t>
-            </a:r>
-            <a:r>
-              <a:rPr lang="en-US" sz="2400" b="1" dirty="0" smtClean="0">
+              <a:t>'¡Hecho!'</a:t>
+            </a:r>
+            <a:r>
+              <a:rPr lang="es-419" sz="2400" b="1" dirty="0">
                 <a:solidFill>
                   <a:srgbClr val="FFFF00"/>
                 </a:solidFill>
@@ -11377,15 +11082,6 @@
               </a:rPr>
               <a:t>)</a:t>
             </a:r>
-            <a:endParaRPr lang="en-US" sz="2400" b="1" dirty="0">
-              <a:solidFill>
-                <a:srgbClr val="FFFF00"/>
-              </a:solidFill>
-              <a:latin typeface="Courier New"/>
-              <a:ea typeface="Courier New"/>
-              <a:cs typeface="Courier New"/>
-              <a:sym typeface="Courier New"/>
-            </a:endParaRPr>
           </a:p>
         </p:txBody>
       </p:sp>
@@ -11432,7 +11128,7 @@
               <a:buNone/>
             </a:pPr>
             <a:r>
-              <a:rPr lang="en-US" sz="3200" u="none" strike="noStrike" cap="none" dirty="0">
+              <a:rPr lang="es-419" sz="3200" u="none" strike="noStrike" cap="none" dirty="0">
                 <a:solidFill>
                   <a:srgbClr val="FF00FF"/>
                 </a:solidFill>
@@ -11441,7 +11137,7 @@
                 <a:cs typeface="Arial" charset="0"/>
                 <a:sym typeface="Cabin"/>
               </a:rPr>
-              <a:t>Happy New Year: Joseph</a:t>
+              <a:t>¡Feliz Año Nuevo!: Joseph</a:t>
             </a:r>
           </a:p>
           <a:p>
@@ -11463,7 +11159,7 @@
               <a:buNone/>
             </a:pPr>
             <a:r>
-              <a:rPr lang="en-US" sz="3200" u="none" strike="noStrike" cap="none" dirty="0">
+              <a:rPr lang="es-419" sz="3200" u="none" strike="noStrike" cap="none" dirty="0">
                 <a:solidFill>
                   <a:srgbClr val="FF00FF"/>
                 </a:solidFill>
@@ -11472,7 +11168,7 @@
                 <a:cs typeface="Arial" charset="0"/>
                 <a:sym typeface="Cabin"/>
               </a:rPr>
-              <a:t>Happy New Year: Glenn</a:t>
+              <a:t>¡Feliz Año Nuevo!: Glenn</a:t>
             </a:r>
           </a:p>
           <a:p>
@@ -11494,7 +11190,7 @@
               <a:buNone/>
             </a:pPr>
             <a:r>
-              <a:rPr lang="en-US" sz="3200" u="none" strike="noStrike" cap="none" dirty="0">
+              <a:rPr lang="es-419" sz="3200" u="none" strike="noStrike" cap="none" dirty="0">
                 <a:solidFill>
                   <a:srgbClr val="FF00FF"/>
                 </a:solidFill>
@@ -11503,7 +11199,7 @@
                 <a:cs typeface="Arial" charset="0"/>
                 <a:sym typeface="Cabin"/>
               </a:rPr>
-              <a:t>Happy New Year: Sally</a:t>
+              <a:t>¡Feliz Año Nuevo!: Sally</a:t>
             </a:r>
           </a:p>
           <a:p>
@@ -11525,7 +11221,7 @@
               <a:buNone/>
             </a:pPr>
             <a:r>
-              <a:rPr lang="en-US" sz="3200" u="none" strike="noStrike" cap="none" dirty="0">
+              <a:rPr lang="es-419" sz="3200" dirty="0">
                 <a:solidFill>
                   <a:srgbClr val="FF00FF"/>
                 </a:solidFill>
@@ -11534,7 +11230,19 @@
                 <a:cs typeface="Arial" charset="0"/>
                 <a:sym typeface="Cabin"/>
               </a:rPr>
-              <a:t>Done!</a:t>
+              <a:t>¡Hecho</a:t>
+            </a:r>
+            <a:r>
+              <a:rPr lang="es-419" sz="3200" u="none" strike="noStrike" cap="none" dirty="0">
+                <a:solidFill>
+                  <a:srgbClr val="FF00FF"/>
+                </a:solidFill>
+                <a:latin typeface="Arial" charset="0"/>
+                <a:ea typeface="Arial" charset="0"/>
+                <a:cs typeface="Arial" charset="0"/>
+                <a:sym typeface="Cabin"/>
+              </a:rPr>
+              <a:t>!</a:t>
             </a:r>
           </a:p>
         </p:txBody>
@@ -11660,7 +11368,7 @@
               <a:buNone/>
             </a:pPr>
             <a:r>
-              <a:rPr lang="en-US" sz="2400" b="1" i="0" u="none" strike="noStrike" cap="none" dirty="0" smtClean="0">
+              <a:rPr lang="es-419" sz="2400" b="1" i="0" u="none" strike="noStrike" cap="none" dirty="0">
                 <a:solidFill>
                   <a:srgbClr val="00FF00"/>
                 </a:solidFill>
@@ -11672,7 +11380,7 @@
               <a:t>z </a:t>
             </a:r>
             <a:r>
-              <a:rPr lang="en-US" sz="2400" b="1" i="0" u="none" strike="noStrike" cap="none" dirty="0" smtClean="0">
+              <a:rPr lang="es-419" sz="2400" b="1" i="0" u="none" strike="noStrike" cap="none" dirty="0">
                 <a:solidFill>
                   <a:schemeClr val="lt1"/>
                 </a:solidFill>
@@ -11684,7 +11392,7 @@
               <a:t>= </a:t>
             </a:r>
             <a:r>
-              <a:rPr lang="en-US" sz="2400" b="1" i="0" u="none" strike="noStrike" cap="none" dirty="0">
+              <a:rPr lang="es-419" sz="2400" b="1" i="0" u="none" strike="noStrike" cap="none" dirty="0">
                 <a:solidFill>
                   <a:srgbClr val="FF7F00"/>
                 </a:solidFill>
@@ -11715,7 +11423,7 @@
               <a:buNone/>
             </a:pPr>
             <a:r>
-              <a:rPr lang="en-US" sz="2400" b="1" i="0" u="none" strike="noStrike" cap="none" dirty="0">
+              <a:rPr lang="es-419" sz="2400" b="1" i="0" u="none" strike="noStrike" cap="none" dirty="0" err="1">
                 <a:solidFill>
                   <a:srgbClr val="FFFF00"/>
                 </a:solidFill>
@@ -11727,7 +11435,7 @@
               <a:t>for</a:t>
             </a:r>
             <a:r>
-              <a:rPr lang="en-US" sz="2400" b="1" i="0" u="none" strike="noStrike" cap="none" dirty="0">
+              <a:rPr lang="es-419" sz="2400" b="1" i="0" u="none" strike="noStrike" cap="none" dirty="0">
                 <a:solidFill>
                   <a:schemeClr val="lt1"/>
                 </a:solidFill>
@@ -11739,7 +11447,7 @@
               <a:t> </a:t>
             </a:r>
             <a:r>
-              <a:rPr lang="en-US" sz="2400" b="1" i="0" u="none" strike="noStrike" cap="none" dirty="0" smtClean="0">
+              <a:rPr lang="es-419" sz="2400" b="1" i="0" u="none" strike="noStrike" cap="none" dirty="0">
                 <a:solidFill>
                   <a:srgbClr val="00FF00"/>
                 </a:solidFill>
@@ -11751,7 +11459,7 @@
               <a:t>x </a:t>
             </a:r>
             <a:r>
-              <a:rPr lang="en-US" sz="2400" b="1" i="0" u="none" strike="noStrike" cap="none" dirty="0" smtClean="0">
+              <a:rPr lang="es-419" sz="2400" b="1" i="0" u="none" strike="noStrike" cap="none" dirty="0">
                 <a:solidFill>
                   <a:srgbClr val="FFFF00"/>
                 </a:solidFill>
@@ -11763,7 +11471,7 @@
               <a:t>in</a:t>
             </a:r>
             <a:r>
-              <a:rPr lang="en-US" sz="2400" b="1" i="0" u="none" strike="noStrike" cap="none" dirty="0" smtClean="0">
+              <a:rPr lang="es-419" sz="2400" b="1" i="0" u="none" strike="noStrike" cap="none" dirty="0">
                 <a:solidFill>
                   <a:schemeClr val="lt1"/>
                 </a:solidFill>
@@ -11775,7 +11483,7 @@
               <a:t> </a:t>
             </a:r>
             <a:r>
-              <a:rPr lang="en-US" sz="2400" b="1" i="0" u="none" strike="noStrike" cap="none" dirty="0" smtClean="0">
+              <a:rPr lang="es-419" sz="2400" b="1" i="0" u="none" strike="noStrike" cap="none" dirty="0">
                 <a:solidFill>
                   <a:srgbClr val="00FF00"/>
                 </a:solidFill>
@@ -11787,7 +11495,7 @@
               <a:t>z</a:t>
             </a:r>
             <a:r>
-              <a:rPr lang="en-US" sz="2400" b="1" i="0" u="none" strike="noStrike" cap="none" dirty="0" smtClean="0">
+              <a:rPr lang="es-419" sz="2400" b="1" i="0" u="none" strike="noStrike" cap="none" dirty="0">
                 <a:solidFill>
                   <a:schemeClr val="lt1"/>
                 </a:solidFill>
@@ -11798,15 +11506,6 @@
               </a:rPr>
               <a:t>:</a:t>
             </a:r>
-            <a:endParaRPr lang="en-US" sz="2400" b="1" i="0" u="none" strike="noStrike" cap="none" dirty="0">
-              <a:solidFill>
-                <a:schemeClr val="lt1"/>
-              </a:solidFill>
-              <a:latin typeface="Courier New"/>
-              <a:ea typeface="Courier New"/>
-              <a:cs typeface="Courier New"/>
-              <a:sym typeface="Courier New"/>
-            </a:endParaRPr>
           </a:p>
           <a:p>
             <a:pPr>
@@ -11816,7 +11515,7 @@
               <a:buSzPct val="25000"/>
             </a:pPr>
             <a:r>
-              <a:rPr lang="en-US" sz="2400" b="1" i="0" u="none" strike="noStrike" cap="none" dirty="0">
+              <a:rPr lang="es-419" sz="2400" b="1" i="0" u="none" strike="noStrike" cap="none" dirty="0">
                 <a:solidFill>
                   <a:schemeClr val="lt1"/>
                 </a:solidFill>
@@ -11828,7 +11527,7 @@
               <a:t>    </a:t>
             </a:r>
             <a:r>
-              <a:rPr lang="en-US" sz="2400" b="1" i="0" u="none" strike="noStrike" cap="none" dirty="0" smtClean="0">
+              <a:rPr lang="es-419" sz="2400" b="1" i="0" u="none" strike="noStrike" cap="none" dirty="0" err="1">
                 <a:solidFill>
                   <a:srgbClr val="FFFF00"/>
                 </a:solidFill>
@@ -11837,10 +11536,22 @@
                 <a:cs typeface="Courier New"/>
                 <a:sym typeface="Courier New"/>
               </a:rPr>
-              <a:t>print(</a:t>
-            </a:r>
-            <a:r>
-              <a:rPr lang="en-US" sz="2400" b="1" i="0" u="none" strike="noStrike" cap="none" dirty="0" smtClean="0">
+              <a:t>print</a:t>
+            </a:r>
+            <a:r>
+              <a:rPr lang="es-419" sz="2400" b="1" dirty="0">
+                <a:solidFill>
+                  <a:srgbClr val="FFFF00"/>
+                </a:solidFill>
+                <a:latin typeface="Courier New"/>
+                <a:ea typeface="Courier New"/>
+                <a:cs typeface="Courier New"/>
+                <a:sym typeface="Courier New"/>
+              </a:rPr>
+              <a:t>(</a:t>
+            </a:r>
+            <a:r>
+              <a:rPr lang="es-419" sz="2400" b="1" dirty="0">
                 <a:solidFill>
                   <a:srgbClr val="FF7F00"/>
                 </a:solidFill>
@@ -11849,22 +11560,10 @@
                 <a:cs typeface="Courier New"/>
                 <a:sym typeface="Courier New"/>
               </a:rPr>
-              <a:t>'Happy </a:t>
-            </a:r>
-            <a:r>
-              <a:rPr lang="en-US" sz="2400" b="1" i="0" u="none" strike="noStrike" cap="none" dirty="0">
-                <a:solidFill>
-                  <a:srgbClr val="FF7F00"/>
-                </a:solidFill>
-                <a:latin typeface="Courier New"/>
-                <a:ea typeface="Courier New"/>
-                <a:cs typeface="Courier New"/>
-                <a:sym typeface="Courier New"/>
-              </a:rPr>
-              <a:t>New Year:'</a:t>
-            </a:r>
-            <a:r>
-              <a:rPr lang="en-US" sz="2400" b="1" i="0" u="none" strike="noStrike" cap="none" dirty="0">
+              <a:t>'¡Feliz año nuevo!:'</a:t>
+            </a:r>
+            <a:r>
+              <a:rPr lang="es-419" sz="2400" b="1" dirty="0">
                 <a:solidFill>
                   <a:schemeClr val="lt1"/>
                 </a:solidFill>
@@ -11876,7 +11575,7 @@
               <a:t>,  </a:t>
             </a:r>
             <a:r>
-              <a:rPr lang="en-US" sz="2400" b="1" i="0" u="none" strike="noStrike" cap="none" dirty="0" smtClean="0">
+              <a:rPr lang="es-419" sz="2400" b="1" i="0" u="none" strike="noStrike" cap="none" dirty="0">
                 <a:solidFill>
                   <a:srgbClr val="00FF00"/>
                 </a:solidFill>
@@ -11888,7 +11587,7 @@
               <a:t>x</a:t>
             </a:r>
             <a:r>
-              <a:rPr lang="en-US" sz="2400" b="1" dirty="0" smtClean="0">
+              <a:rPr lang="es-419" sz="2400" b="1" dirty="0">
                 <a:solidFill>
                   <a:srgbClr val="FFFF00"/>
                 </a:solidFill>
@@ -11899,7 +11598,7 @@
               </a:rPr>
               <a:t>)</a:t>
             </a:r>
-            <a:endParaRPr lang="en-US" sz="2400" b="1" i="0" u="none" strike="noStrike" cap="none" dirty="0">
+            <a:endParaRPr lang="es-419" sz="2400" b="1" i="0" u="none" strike="noStrike" cap="none" dirty="0">
               <a:solidFill>
                 <a:srgbClr val="00FF00"/>
               </a:solidFill>
@@ -11917,7 +11616,7 @@
               <a:buSzPct val="25000"/>
             </a:pPr>
             <a:r>
-              <a:rPr lang="en-US" sz="2400" b="1" i="0" u="none" strike="noStrike" cap="none" dirty="0" smtClean="0">
+              <a:rPr lang="es-419" sz="2400" b="1" i="0" u="none" strike="noStrike" cap="none" dirty="0" err="1">
                 <a:solidFill>
                   <a:srgbClr val="FFFF00"/>
                 </a:solidFill>
@@ -11929,7 +11628,7 @@
               <a:t>print</a:t>
             </a:r>
             <a:r>
-              <a:rPr lang="en-US" sz="2400" b="1" dirty="0">
+              <a:rPr lang="es-419" sz="2400" b="1" dirty="0">
                 <a:solidFill>
                   <a:schemeClr val="lt1"/>
                 </a:solidFill>
@@ -11941,7 +11640,7 @@
               <a:t>(</a:t>
             </a:r>
             <a:r>
-              <a:rPr lang="en-US" sz="2400" b="1" i="0" u="none" strike="noStrike" cap="none" dirty="0" smtClean="0">
+              <a:rPr lang="es-419" sz="2400" b="1" dirty="0">
                 <a:solidFill>
                   <a:srgbClr val="FF7F00"/>
                 </a:solidFill>
@@ -11950,10 +11649,22 @@
                 <a:cs typeface="Courier New"/>
                 <a:sym typeface="Courier New"/>
               </a:rPr>
-              <a:t>'Done!'</a:t>
-            </a:r>
-            <a:r>
-              <a:rPr lang="en-US" sz="2400" b="1" dirty="0" smtClean="0">
+              <a:t>'¡</a:t>
+            </a:r>
+            <a:r>
+              <a:rPr lang="es-419" sz="2400" b="1" i="0" u="none" strike="noStrike" cap="none" dirty="0">
+                <a:solidFill>
+                  <a:srgbClr val="FF7F00"/>
+                </a:solidFill>
+                <a:latin typeface="Courier New"/>
+                <a:ea typeface="Courier New"/>
+                <a:cs typeface="Courier New"/>
+                <a:sym typeface="Courier New"/>
+              </a:rPr>
+              <a:t>Hecho!'</a:t>
+            </a:r>
+            <a:r>
+              <a:rPr lang="es-419" sz="2400" b="1" dirty="0">
                 <a:solidFill>
                   <a:srgbClr val="FFFF00"/>
                 </a:solidFill>
@@ -11964,15 +11675,6 @@
               </a:rPr>
               <a:t>)</a:t>
             </a:r>
-            <a:endParaRPr lang="en-US" sz="2400" b="1" dirty="0">
-              <a:solidFill>
-                <a:srgbClr val="FFFF00"/>
-              </a:solidFill>
-              <a:latin typeface="Courier New"/>
-              <a:ea typeface="Courier New"/>
-              <a:cs typeface="Courier New"/>
-              <a:sym typeface="Courier New"/>
-            </a:endParaRPr>
           </a:p>
         </p:txBody>
       </p:sp>
@@ -11981,13 +11683,6 @@
   <p:clrMapOvr>
     <a:masterClrMapping/>
   </p:clrMapOvr>
-  <p:timing>
-    <p:tnLst>
-      <p:par>
-        <p:cTn xmlns:p14="http://schemas.microsoft.com/office/powerpoint/2010/main" id="1" dur="indefinite" restart="never" nodeType="tmRoot"/>
-      </p:par>
-    </p:tnLst>
-  </p:timing>
 </p:sld>
 </file>
 
@@ -12055,7 +11750,7 @@
               <a:buNone/>
             </a:pPr>
             <a:r>
-              <a:rPr lang="en-US" sz="7600" u="none" strike="noStrike" cap="none" dirty="0">
+              <a:rPr lang="es-419" sz="7600" u="none" strike="noStrike" cap="none" dirty="0">
                 <a:solidFill>
                   <a:srgbClr val="FFFF00"/>
                 </a:solidFill>
@@ -12064,7 +11759,7 @@
                 <a:cs typeface="Arial" charset="0"/>
                 <a:sym typeface="Cabin"/>
               </a:rPr>
-              <a:t>Looking Inside Lists</a:t>
+              <a:t>Búsqueda dentro de Listas</a:t>
             </a:r>
           </a:p>
         </p:txBody>
@@ -12081,7 +11776,7 @@
         </p:nvSpPr>
         <p:spPr>
           <a:xfrm>
-            <a:off x="4343399" y="1952460"/>
+            <a:off x="4343399" y="2266704"/>
             <a:ext cx="10364327" cy="3086100"/>
           </a:xfrm>
           <a:prstGeom prst="rect">
@@ -12111,7 +11806,7 @@
               <a:buNone/>
             </a:pPr>
             <a:r>
-              <a:rPr lang="en-US" sz="3600" b="0" u="none" strike="noStrike" cap="none" dirty="0">
+              <a:rPr lang="es-419" sz="3600" b="0" u="none" strike="noStrike" cap="none" dirty="0">
                 <a:solidFill>
                   <a:schemeClr val="lt1"/>
                 </a:solidFill>
@@ -12120,10 +11815,10 @@
                 <a:cs typeface="Arial" charset="0"/>
                 <a:sym typeface="Cabin"/>
               </a:rPr>
-              <a:t>Just like strings, we can get at any single element in a list using an index specified in</a:t>
-            </a:r>
-            <a:r>
-              <a:rPr lang="en-US" sz="3600" b="0" u="none" strike="noStrike" cap="none" dirty="0">
+              <a:t>Así como en las cadenas, podemos obtener cualquier elemento individual de una lista utilizando un índice especificado en </a:t>
+            </a:r>
+            <a:r>
+              <a:rPr lang="es-419" sz="3600" b="0" dirty="0">
                 <a:solidFill>
                   <a:srgbClr val="00FFFF"/>
                 </a:solidFill>
@@ -12132,8 +11827,17 @@
                 <a:cs typeface="Arial" charset="0"/>
                 <a:sym typeface="Cabin"/>
               </a:rPr>
-              <a:t> square brackets</a:t>
-            </a:r>
+              <a:t>corchetes</a:t>
+            </a:r>
+            <a:endParaRPr lang="es-419" sz="3600" b="0" u="none" strike="noStrike" cap="none" dirty="0">
+              <a:solidFill>
+                <a:srgbClr val="00FFFF"/>
+              </a:solidFill>
+              <a:latin typeface="Arial" charset="0"/>
+              <a:ea typeface="Arial" charset="0"/>
+              <a:cs typeface="Arial" charset="0"/>
+              <a:sym typeface="Cabin"/>
+            </a:endParaRPr>
           </a:p>
         </p:txBody>
       </p:sp>
@@ -12207,7 +11911,7 @@
               <a:buNone/>
             </a:pPr>
             <a:r>
-              <a:rPr lang="en-US" sz="4000" u="none" strike="noStrike" cap="none">
+              <a:rPr lang="es-419" sz="4000" u="none" strike="noStrike" cap="none">
                 <a:solidFill>
                   <a:schemeClr val="lt1"/>
                 </a:solidFill>
@@ -12270,7 +11974,7 @@
               <a:buNone/>
             </a:pPr>
             <a:r>
-              <a:rPr lang="en-US" sz="4000" u="none" strike="noStrike" cap="none">
+              <a:rPr lang="es-419" sz="4000" u="none" strike="noStrike" cap="none">
                 <a:solidFill>
                   <a:schemeClr val="lt1"/>
                 </a:solidFill>
@@ -12327,7 +12031,7 @@
               <a:buNone/>
             </a:pPr>
             <a:r>
-              <a:rPr lang="en-US" sz="2400" b="1" i="0" u="none" strike="noStrike" cap="none" dirty="0">
+              <a:rPr lang="es-419" sz="2400" b="1" i="0" u="none" strike="noStrike" cap="none" dirty="0">
                 <a:solidFill>
                   <a:schemeClr val="lt1"/>
                 </a:solidFill>
@@ -12339,7 +12043,7 @@
               <a:t>&gt;&gt;&gt; </a:t>
             </a:r>
             <a:r>
-              <a:rPr lang="en-US" sz="2400" b="1" i="0" u="none" strike="noStrike" cap="none" dirty="0">
+              <a:rPr lang="es-419" sz="2400" b="1" i="0" u="none" strike="noStrike" cap="none" dirty="0">
                 <a:solidFill>
                   <a:srgbClr val="00FF00"/>
                 </a:solidFill>
@@ -12348,10 +12052,10 @@
                 <a:cs typeface="Courier New"/>
                 <a:sym typeface="Courier New"/>
               </a:rPr>
-              <a:t>friends</a:t>
-            </a:r>
-            <a:r>
-              <a:rPr lang="en-US" sz="2400" b="1" i="0" u="none" strike="noStrike" cap="none" dirty="0">
+              <a:t>amigos</a:t>
+            </a:r>
+            <a:r>
+              <a:rPr lang="es-419" sz="2400" b="1" i="0" u="none" strike="noStrike" cap="none" dirty="0">
                 <a:solidFill>
                   <a:schemeClr val="lt1"/>
                 </a:solidFill>
@@ -12363,7 +12067,7 @@
               <a:t> = </a:t>
             </a:r>
             <a:r>
-              <a:rPr lang="en-US" sz="2400" b="1" i="0" u="none" strike="noStrike" cap="none" dirty="0">
+              <a:rPr lang="es-419" sz="2400" b="1" i="0" u="none" strike="noStrike" cap="none" dirty="0">
                 <a:solidFill>
                   <a:srgbClr val="FF7F00"/>
                 </a:solidFill>
@@ -12394,7 +12098,7 @@
               <a:buNone/>
             </a:pPr>
             <a:r>
-              <a:rPr lang="en-US" sz="2400" b="1" i="0" u="none" strike="noStrike" cap="none" dirty="0">
+              <a:rPr lang="es-419" sz="2400" b="1" i="0" u="none" strike="noStrike" cap="none" dirty="0">
                 <a:solidFill>
                   <a:schemeClr val="lt1"/>
                 </a:solidFill>
@@ -12406,7 +12110,7 @@
               <a:t>&gt;&gt;&gt; </a:t>
             </a:r>
             <a:r>
-              <a:rPr lang="en-US" sz="2400" b="1" i="0" u="none" strike="noStrike" cap="none" dirty="0" smtClean="0">
+              <a:rPr lang="es-419" sz="2400" b="1" i="0" u="none" strike="noStrike" cap="none" dirty="0" err="1">
                 <a:solidFill>
                   <a:srgbClr val="FFFF00"/>
                 </a:solidFill>
@@ -12415,10 +12119,22 @@
                 <a:cs typeface="Courier New"/>
                 <a:sym typeface="Courier New"/>
               </a:rPr>
-              <a:t>print(</a:t>
-            </a:r>
-            <a:r>
-              <a:rPr lang="en-US" sz="2400" b="1" i="0" u="none" strike="noStrike" cap="none" dirty="0" smtClean="0">
+              <a:t>print</a:t>
+            </a:r>
+            <a:r>
+              <a:rPr lang="es-419" sz="2400" b="1" i="0" u="none" strike="noStrike" cap="none" dirty="0">
+                <a:solidFill>
+                  <a:srgbClr val="FFFF00"/>
+                </a:solidFill>
+                <a:latin typeface="Courier New"/>
+                <a:ea typeface="Courier New"/>
+                <a:cs typeface="Courier New"/>
+                <a:sym typeface="Courier New"/>
+              </a:rPr>
+              <a:t>(</a:t>
+            </a:r>
+            <a:r>
+              <a:rPr lang="es-419" sz="2400" b="1" i="0" u="none" strike="noStrike" cap="none" dirty="0">
                 <a:solidFill>
                   <a:srgbClr val="00FF00"/>
                 </a:solidFill>
@@ -12427,10 +12143,10 @@
                 <a:cs typeface="Courier New"/>
                 <a:sym typeface="Courier New"/>
               </a:rPr>
-              <a:t>friends</a:t>
-            </a:r>
-            <a:r>
-              <a:rPr lang="en-US" sz="2400" b="1" i="0" u="none" strike="noStrike" cap="none" dirty="0" smtClean="0">
+              <a:t>amigos</a:t>
+            </a:r>
+            <a:r>
+              <a:rPr lang="es-419" sz="2400" b="1" i="0" u="none" strike="noStrike" cap="none" dirty="0">
                 <a:solidFill>
                   <a:srgbClr val="00FFFF"/>
                 </a:solidFill>
@@ -12442,7 +12158,7 @@
               <a:t>[</a:t>
             </a:r>
             <a:r>
-              <a:rPr lang="en-US" sz="2400" b="1" i="0" u="none" strike="noStrike" cap="none" dirty="0" smtClean="0">
+              <a:rPr lang="es-419" sz="2400" b="1" i="0" u="none" strike="noStrike" cap="none" dirty="0">
                 <a:solidFill>
                   <a:schemeClr val="lt1"/>
                 </a:solidFill>
@@ -12454,7 +12170,7 @@
               <a:t>1</a:t>
             </a:r>
             <a:r>
-              <a:rPr lang="en-US" sz="2400" b="1" i="0" u="none" strike="noStrike" cap="none" dirty="0" smtClean="0">
+              <a:rPr lang="es-419" sz="2400" b="1" i="0" u="none" strike="noStrike" cap="none" dirty="0">
                 <a:solidFill>
                   <a:srgbClr val="00FFFF"/>
                 </a:solidFill>
@@ -12466,7 +12182,7 @@
               <a:t>]</a:t>
             </a:r>
             <a:r>
-              <a:rPr lang="en-US" sz="2400" b="1" i="0" u="none" strike="noStrike" cap="none" dirty="0" smtClean="0">
+              <a:rPr lang="es-419" sz="2400" b="1" i="0" u="none" strike="noStrike" cap="none" dirty="0">
                 <a:solidFill>
                   <a:srgbClr val="FFFF00"/>
                 </a:solidFill>
@@ -12477,7 +12193,7 @@
               </a:rPr>
               <a:t>)</a:t>
             </a:r>
-            <a:endParaRPr lang="en-US" sz="2400" b="1" dirty="0">
+            <a:endParaRPr lang="es-419" sz="2400" b="1" dirty="0">
               <a:solidFill>
                 <a:srgbClr val="FFFF00"/>
               </a:solidFill>
@@ -12506,7 +12222,7 @@
               <a:buNone/>
             </a:pPr>
             <a:r>
-              <a:rPr lang="en-US" sz="2400" b="1" i="0" u="none" strike="noStrike" cap="none" dirty="0" smtClean="0">
+              <a:rPr lang="es-419" sz="2400" b="1" i="0" u="none" strike="noStrike" cap="none" dirty="0">
                 <a:solidFill>
                   <a:schemeClr val="lt1"/>
                 </a:solidFill>
@@ -12517,15 +12233,6 @@
               </a:rPr>
               <a:t>Glenn</a:t>
             </a:r>
-            <a:endParaRPr lang="en-US" sz="2400" b="1" i="0" u="none" strike="noStrike" cap="none" dirty="0">
-              <a:solidFill>
-                <a:schemeClr val="lt1"/>
-              </a:solidFill>
-              <a:latin typeface="Courier New"/>
-              <a:ea typeface="Courier New"/>
-              <a:cs typeface="Courier New"/>
-              <a:sym typeface="Courier New"/>
-            </a:endParaRPr>
           </a:p>
           <a:p>
             <a:pPr marL="0" marR="0" lvl="0" indent="0" algn="l" rtl="0">
@@ -12546,7 +12253,7 @@
               <a:buNone/>
             </a:pPr>
             <a:r>
-              <a:rPr lang="en-US" sz="2400" b="1" i="0" u="none" strike="noStrike" cap="none" dirty="0">
+              <a:rPr lang="es-419" sz="2400" b="1" i="0" u="none" strike="noStrike" cap="none" dirty="0">
                 <a:solidFill>
                   <a:schemeClr val="lt1"/>
                 </a:solidFill>
@@ -12603,7 +12310,7 @@
               <a:buNone/>
             </a:pPr>
             <a:r>
-              <a:rPr lang="en-US" sz="4000" u="none" strike="noStrike" cap="none">
+              <a:rPr lang="es-419" sz="4000" u="none" strike="noStrike" cap="none">
                 <a:solidFill>
                   <a:schemeClr val="lt1"/>
                 </a:solidFill>
@@ -12666,7 +12373,7 @@
               <a:buNone/>
             </a:pPr>
             <a:r>
-              <a:rPr lang="en-US" sz="4000" u="none" strike="noStrike" cap="none">
+              <a:rPr lang="es-419" sz="4000" u="none" strike="noStrike" cap="none">
                 <a:solidFill>
                   <a:schemeClr val="lt1"/>
                 </a:solidFill>
@@ -12723,7 +12430,7 @@
               <a:buNone/>
             </a:pPr>
             <a:r>
-              <a:rPr lang="en-US" sz="4000" u="none" strike="noStrike" cap="none">
+              <a:rPr lang="es-419" sz="4000" u="none" strike="noStrike" cap="none">
                 <a:solidFill>
                   <a:schemeClr val="lt1"/>
                 </a:solidFill>
@@ -12786,7 +12493,7 @@
               <a:buNone/>
             </a:pPr>
             <a:r>
-              <a:rPr lang="en-US" sz="4000" u="none" strike="noStrike" cap="none">
+              <a:rPr lang="es-419" sz="4000" u="none" strike="noStrike" cap="none">
                 <a:solidFill>
                   <a:schemeClr val="lt1"/>
                 </a:solidFill>
@@ -12805,13 +12512,6 @@
   <p:clrMapOvr>
     <a:masterClrMapping/>
   </p:clrMapOvr>
-  <p:timing>
-    <p:tnLst>
-      <p:par>
-        <p:cTn xmlns:p14="http://schemas.microsoft.com/office/powerpoint/2010/main" id="1" dur="indefinite" restart="never" nodeType="tmRoot"/>
-      </p:par>
-    </p:tnLst>
-  </p:timing>
 </p:sld>
 </file>
 
@@ -12879,7 +12579,7 @@
               <a:buNone/>
             </a:pPr>
             <a:r>
-              <a:rPr lang="en-US" sz="7600" u="none" strike="noStrike" cap="none" dirty="0">
+              <a:rPr lang="es-419" sz="7600" dirty="0">
                 <a:solidFill>
                   <a:srgbClr val="FFFF00"/>
                 </a:solidFill>
@@ -12888,32 +12588,17 @@
                 <a:cs typeface="Arial" charset="0"/>
                 <a:sym typeface="Cabin"/>
               </a:rPr>
-              <a:t>Lists </a:t>
-            </a:r>
-            <a:r>
-              <a:rPr lang="en-US" sz="7600" u="none" strike="noStrike" cap="none" dirty="0" smtClean="0">
-                <a:solidFill>
-                  <a:srgbClr val="FFFF00"/>
-                </a:solidFill>
-                <a:latin typeface="Arial" charset="0"/>
-                <a:ea typeface="Arial" charset="0"/>
-                <a:cs typeface="Arial" charset="0"/>
-                <a:sym typeface="Cabin"/>
-              </a:rPr>
-              <a:t>Are </a:t>
-            </a:r>
-            <a:r>
-              <a:rPr lang="en-US" sz="7600" u="none" strike="noStrike" cap="none" dirty="0">
-                <a:solidFill>
-                  <a:srgbClr val="FFFF00"/>
-                </a:solidFill>
-                <a:latin typeface="Arial" charset="0"/>
-                <a:ea typeface="Arial" charset="0"/>
-                <a:cs typeface="Arial" charset="0"/>
-                <a:sym typeface="Cabin"/>
-              </a:rPr>
-              <a:t>Mutable</a:t>
-            </a:r>
+              <a:t>Las Listas son Mutables</a:t>
+            </a:r>
+            <a:endParaRPr lang="es-419" sz="7600" u="none" strike="noStrike" cap="none" dirty="0">
+              <a:solidFill>
+                <a:srgbClr val="FFFF00"/>
+              </a:solidFill>
+              <a:latin typeface="Arial" charset="0"/>
+              <a:ea typeface="Arial" charset="0"/>
+              <a:cs typeface="Arial" charset="0"/>
+              <a:sym typeface="Cabin"/>
+            </a:endParaRPr>
           </a:p>
         </p:txBody>
       </p:sp>
@@ -12961,7 +12646,7 @@
               <a:buChar char="•"/>
             </a:pPr>
             <a:r>
-              <a:rPr lang="en-US" sz="3400" b="0" u="none" strike="noStrike" cap="none" dirty="0">
+              <a:rPr lang="es-419" sz="3400" b="0" u="none" strike="noStrike" cap="none" dirty="0">
                 <a:solidFill>
                   <a:schemeClr val="lt1"/>
                 </a:solidFill>
@@ -12970,10 +12655,10 @@
                 <a:cs typeface="Arial" charset="0"/>
                 <a:sym typeface="Cabin"/>
               </a:rPr>
-              <a:t>Strings are </a:t>
-            </a:r>
-            <a:r>
-              <a:rPr lang="en-US" sz="3400" b="0" dirty="0">
+              <a:t>Las Cadenas son </a:t>
+            </a:r>
+            <a:r>
+              <a:rPr lang="es-419" sz="3400" b="0" dirty="0">
                 <a:solidFill>
                   <a:schemeClr val="lt1"/>
                 </a:solidFill>
@@ -12985,7 +12670,7 @@
               <a:t>“</a:t>
             </a:r>
             <a:r>
-              <a:rPr lang="en-US" sz="3400" b="0" u="none" strike="noStrike" cap="none" dirty="0">
+              <a:rPr lang="es-419" sz="3400" b="0" u="none" strike="noStrike" cap="none" dirty="0">
                 <a:solidFill>
                   <a:srgbClr val="00FF00"/>
                 </a:solidFill>
@@ -12994,10 +12679,10 @@
                 <a:cs typeface="Arial" charset="0"/>
                 <a:sym typeface="Cabin"/>
               </a:rPr>
-              <a:t>immutable</a:t>
-            </a:r>
-            <a:r>
-              <a:rPr lang="en-US" sz="3400" b="0" dirty="0">
+              <a:t>inmutables</a:t>
+            </a:r>
+            <a:r>
+              <a:rPr lang="es-419" sz="3400" b="0" dirty="0">
                 <a:solidFill>
                   <a:schemeClr val="lt1"/>
                 </a:solidFill>
@@ -13009,7 +12694,7 @@
               <a:t>”</a:t>
             </a:r>
             <a:r>
-              <a:rPr lang="en-US" sz="3400" b="0" u="none" strike="noStrike" cap="none" dirty="0">
+              <a:rPr lang="es-419" sz="3400" b="0" u="none" strike="noStrike" cap="none" dirty="0">
                 <a:solidFill>
                   <a:schemeClr val="lt1"/>
                 </a:solidFill>
@@ -13018,35 +12703,77 @@
                 <a:cs typeface="Arial" charset="0"/>
                 <a:sym typeface="Cabin"/>
               </a:rPr>
-              <a:t> - we cannot change the contents of a string - we must make a </a:t>
-            </a:r>
-            <a:r>
-              <a:rPr lang="en-US" sz="3400" b="0" u="none" strike="noStrike" cap="none" dirty="0">
-                <a:solidFill>
-                  <a:srgbClr val="FF00FF"/>
+              <a:t> – no podemos cambiar el contenido de una cadena – tenemos que </a:t>
+            </a:r>
+            <a:r>
+              <a:rPr lang="es-419" sz="3400" b="0" dirty="0">
+                <a:solidFill>
+                  <a:schemeClr val="lt1"/>
                 </a:solidFill>
                 <a:latin typeface="Arial" charset="0"/>
                 <a:ea typeface="Arial" charset="0"/>
                 <a:cs typeface="Arial" charset="0"/>
                 <a:sym typeface="Cabin"/>
               </a:rPr>
-              <a:t>new string</a:t>
-            </a:r>
-            <a:r>
-              <a:rPr lang="en-US" sz="3400" b="0" u="none" strike="noStrike" cap="none" dirty="0">
-                <a:solidFill>
-                  <a:schemeClr val="lt1"/>
+              <a:t>crear una </a:t>
+            </a:r>
+            <a:r>
+              <a:rPr lang="es-419" sz="3400" b="0" u="none" strike="noStrike" cap="none" dirty="0">
+                <a:solidFill>
+                  <a:srgbClr val="FF00FF"/>
                 </a:solidFill>
                 <a:latin typeface="Arial" charset="0"/>
                 <a:ea typeface="Arial" charset="0"/>
                 <a:cs typeface="Arial" charset="0"/>
                 <a:sym typeface="Cabin"/>
               </a:rPr>
-              <a:t> to make any change</a:t>
-            </a:r>
-          </a:p>
-          <a:p>
-            <a:pPr marL="469900" lvl="0" indent="-457200">
+              <a:t>nueva cadena</a:t>
+            </a:r>
+            <a:r>
+              <a:rPr lang="es-419" sz="3400" b="0" u="none" strike="noStrike" cap="none" dirty="0">
+                <a:solidFill>
+                  <a:schemeClr val="lt1"/>
+                </a:solidFill>
+                <a:latin typeface="Arial" charset="0"/>
+                <a:ea typeface="Arial" charset="0"/>
+                <a:cs typeface="Arial" charset="0"/>
+                <a:sym typeface="Cabin"/>
+              </a:rPr>
+              <a:t> para </a:t>
+            </a:r>
+            <a:r>
+              <a:rPr lang="es-419" sz="3400" b="0" u="none" strike="noStrike" cap="none" dirty="0" err="1">
+                <a:solidFill>
+                  <a:schemeClr val="lt1"/>
+                </a:solidFill>
+                <a:latin typeface="Arial" charset="0"/>
+                <a:ea typeface="Arial" charset="0"/>
+                <a:cs typeface="Arial" charset="0"/>
+                <a:sym typeface="Cabin"/>
+              </a:rPr>
+              <a:t>haer</a:t>
+            </a:r>
+            <a:r>
+              <a:rPr lang="es-419" sz="3400" b="0" u="none" strike="noStrike" cap="none" dirty="0">
+                <a:solidFill>
+                  <a:schemeClr val="lt1"/>
+                </a:solidFill>
+                <a:latin typeface="Arial" charset="0"/>
+                <a:ea typeface="Arial" charset="0"/>
+                <a:cs typeface="Arial" charset="0"/>
+                <a:sym typeface="Cabin"/>
+              </a:rPr>
+              <a:t> cualquier cambio</a:t>
+            </a:r>
+          </a:p>
+          <a:p>
+            <a:pPr marL="469900" marR="0" lvl="0" indent="-457200" algn="l" rtl="0">
+              <a:lnSpc>
+                <a:spcPct val="100000"/>
+              </a:lnSpc>
+              <a:spcBef>
+                <a:spcPts val="0"/>
+              </a:spcBef>
               <a:spcAft>
                 <a:spcPts val="1000"/>
               </a:spcAft>
@@ -13055,7 +12782,7 @@
               <a:buChar char="•"/>
             </a:pPr>
             <a:r>
-              <a:rPr lang="en-US" sz="3400" b="0" u="none" strike="noStrike" cap="none" dirty="0">
+              <a:rPr lang="es-419" sz="3400" b="0" dirty="0">
                 <a:solidFill>
                   <a:schemeClr val="lt1"/>
                 </a:solidFill>
@@ -13064,10 +12791,10 @@
                 <a:cs typeface="Arial" charset="0"/>
                 <a:sym typeface="Cabin"/>
               </a:rPr>
-              <a:t>Lists are </a:t>
-            </a:r>
-            <a:r>
-              <a:rPr lang="en-US" sz="3400" b="0" dirty="0">
+              <a:t>Las Listas son</a:t>
+            </a:r>
+            <a:r>
+              <a:rPr lang="es-419" sz="3400" b="0" u="none" strike="noStrike" cap="none" dirty="0">
                 <a:solidFill>
                   <a:schemeClr val="lt1"/>
                 </a:solidFill>
@@ -13076,34 +12803,34 @@
                 <a:cs typeface="Arial" charset="0"/>
                 <a:sym typeface="Cabin"/>
               </a:rPr>
-              <a:t>“</a:t>
-            </a:r>
-            <a:r>
-              <a:rPr lang="en-US" sz="3400" b="0" u="none" strike="noStrike" cap="none" dirty="0" smtClean="0">
-                <a:solidFill>
-                  <a:srgbClr val="00FF00"/>
+              <a:t> </a:t>
+            </a:r>
+            <a:r>
+              <a:rPr lang="es-419" sz="3400" b="0" dirty="0">
+                <a:solidFill>
+                  <a:schemeClr val="lt1"/>
                 </a:solidFill>
                 <a:latin typeface="Arial" charset="0"/>
                 <a:ea typeface="Arial" charset="0"/>
                 <a:cs typeface="Arial" charset="0"/>
                 <a:sym typeface="Cabin"/>
               </a:rPr>
-              <a:t>mutable</a:t>
-            </a:r>
-            <a:r>
-              <a:rPr lang="en-US" sz="3400" b="0" dirty="0">
-                <a:solidFill>
-                  <a:schemeClr val="lt1"/>
+              <a:t>“</a:t>
+            </a:r>
+            <a:r>
+              <a:rPr lang="es-419" sz="3400" b="0" u="none" strike="noStrike" cap="none" dirty="0">
+                <a:solidFill>
+                  <a:srgbClr val="00FF00"/>
                 </a:solidFill>
                 <a:latin typeface="Arial" charset="0"/>
                 <a:ea typeface="Arial" charset="0"/>
                 <a:cs typeface="Arial" charset="0"/>
                 <a:sym typeface="Cabin"/>
               </a:rPr>
-              <a:t>”</a:t>
-            </a:r>
-            <a:r>
-              <a:rPr lang="en-US" sz="3400" b="0" u="none" strike="noStrike" cap="none" dirty="0" smtClean="0">
+              <a:t>mutables</a:t>
+            </a:r>
+            <a:r>
+              <a:rPr lang="es-419" sz="3400" b="0" dirty="0">
                 <a:solidFill>
                   <a:schemeClr val="lt1"/>
                 </a:solidFill>
@@ -13112,10 +12839,10 @@
                 <a:cs typeface="Arial" charset="0"/>
                 <a:sym typeface="Cabin"/>
               </a:rPr>
-              <a:t> </a:t>
-            </a:r>
-            <a:r>
-              <a:rPr lang="en-US" sz="3400" b="0" u="none" strike="noStrike" cap="none" dirty="0">
+              <a:t>”</a:t>
+            </a:r>
+            <a:r>
+              <a:rPr lang="es-419" sz="3400" b="0" u="none" strike="noStrike" cap="none" dirty="0">
                 <a:solidFill>
                   <a:schemeClr val="lt1"/>
                 </a:solidFill>
@@ -13124,10 +12851,10 @@
                 <a:cs typeface="Arial" charset="0"/>
                 <a:sym typeface="Cabin"/>
               </a:rPr>
-              <a:t>- we can </a:t>
-            </a:r>
-            <a:r>
-              <a:rPr lang="en-US" sz="3400" b="0" u="none" strike="noStrike" cap="none" dirty="0">
+              <a:t> - podemos </a:t>
+            </a:r>
+            <a:r>
+              <a:rPr lang="es-419" sz="3400" b="0" u="none" strike="noStrike" cap="none" dirty="0">
                 <a:solidFill>
                   <a:srgbClr val="FF00FF"/>
                 </a:solidFill>
@@ -13136,10 +12863,10 @@
                 <a:cs typeface="Arial" charset="0"/>
                 <a:sym typeface="Cabin"/>
               </a:rPr>
-              <a:t>change</a:t>
-            </a:r>
-            <a:r>
-              <a:rPr lang="en-US" sz="3400" b="0" u="none" strike="noStrike" cap="none" dirty="0">
+              <a:t>cambiar </a:t>
+            </a:r>
+            <a:r>
+              <a:rPr lang="es-419" sz="3400" b="0" dirty="0">
                 <a:solidFill>
                   <a:schemeClr val="lt1"/>
                 </a:solidFill>
@@ -13148,32 +12875,17 @@
                 <a:cs typeface="Arial" charset="0"/>
                 <a:sym typeface="Cabin"/>
               </a:rPr>
-              <a:t> an element of a list using the </a:t>
-            </a:r>
-            <a:r>
-              <a:rPr lang="en-US" sz="3400" b="0" u="none" strike="noStrike" cap="none" dirty="0">
-                <a:solidFill>
-                  <a:srgbClr val="00FFFF"/>
-                </a:solidFill>
-                <a:latin typeface="Arial" charset="0"/>
-                <a:ea typeface="Arial" charset="0"/>
-                <a:cs typeface="Arial" charset="0"/>
-                <a:sym typeface="Cabin"/>
-              </a:rPr>
-              <a:t>index</a:t>
-            </a:r>
-            <a:r>
-              <a:rPr lang="en-US" sz="3400" b="0" u="none" strike="noStrike" cap="none" dirty="0">
-                <a:solidFill>
-                  <a:schemeClr val="lt1"/>
-                </a:solidFill>
-                <a:latin typeface="Arial" charset="0"/>
-                <a:ea typeface="Arial" charset="0"/>
-                <a:cs typeface="Arial" charset="0"/>
-                <a:sym typeface="Cabin"/>
-              </a:rPr>
-              <a:t> operator</a:t>
-            </a:r>
+              <a:t>un elemento de una lista utilizando el operador índice</a:t>
+            </a:r>
+            <a:endParaRPr lang="es-419" sz="3400" b="0" u="none" strike="noStrike" cap="none" dirty="0">
+              <a:solidFill>
+                <a:schemeClr val="lt1"/>
+              </a:solidFill>
+              <a:latin typeface="Arial" charset="0"/>
+              <a:ea typeface="Arial" charset="0"/>
+              <a:cs typeface="Arial" charset="0"/>
+              <a:sym typeface="Cabin"/>
+            </a:endParaRPr>
           </a:p>
         </p:txBody>
       </p:sp>
@@ -13220,7 +12932,7 @@
               <a:buNone/>
             </a:pPr>
             <a:r>
-              <a:rPr lang="en-US" sz="2400" b="1" i="0" u="none" strike="noStrike" cap="none" dirty="0">
+              <a:rPr lang="es-419" sz="2400" b="1" i="0" u="none" strike="noStrike" cap="none" dirty="0">
                 <a:solidFill>
                   <a:schemeClr val="lt1"/>
                 </a:solidFill>
@@ -13232,7 +12944,7 @@
               <a:t>&gt;&gt;&gt; </a:t>
             </a:r>
             <a:r>
-              <a:rPr lang="en-US" sz="2400" b="1" i="0" u="none" strike="noStrike" cap="none" dirty="0">
+              <a:rPr lang="es-419" sz="2400" b="1" i="0" u="none" strike="noStrike" cap="none" dirty="0">
                 <a:solidFill>
                   <a:srgbClr val="00FF00"/>
                 </a:solidFill>
@@ -13241,10 +12953,10 @@
                 <a:cs typeface="Courier New"/>
                 <a:sym typeface="Courier New"/>
               </a:rPr>
-              <a:t>fruit</a:t>
-            </a:r>
-            <a:r>
-              <a:rPr lang="en-US" sz="2400" b="1" i="0" u="none" strike="noStrike" cap="none" dirty="0">
+              <a:t>fruta</a:t>
+            </a:r>
+            <a:r>
+              <a:rPr lang="es-419" sz="2400" b="1" i="0" u="none" strike="noStrike" cap="none" dirty="0">
                 <a:solidFill>
                   <a:schemeClr val="lt1"/>
                 </a:solidFill>
@@ -13256,7 +12968,7 @@
               <a:t> = 'Banana</a:t>
             </a:r>
             <a:r>
-              <a:rPr lang="en-US" sz="2400" b="1" dirty="0">
+              <a:rPr lang="es-419" sz="2400" b="1" dirty="0">
                 <a:solidFill>
                   <a:schemeClr val="lt1"/>
                 </a:solidFill>
@@ -13287,7 +12999,7 @@
               <a:buNone/>
             </a:pPr>
             <a:r>
-              <a:rPr lang="en-US" sz="2400" b="1" i="0" u="none" strike="noStrike" cap="none" dirty="0">
+              <a:rPr lang="es-419" sz="2400" b="1" i="0" u="none" strike="noStrike" cap="none" dirty="0">
                 <a:solidFill>
                   <a:schemeClr val="lt1"/>
                 </a:solidFill>
@@ -13299,7 +13011,7 @@
               <a:t>&gt;&gt;&gt; </a:t>
             </a:r>
             <a:r>
-              <a:rPr lang="en-US" sz="2400" b="1" i="0" u="none" strike="noStrike" cap="none" dirty="0">
+              <a:rPr lang="es-419" sz="2400" b="1" i="0" u="none" strike="noStrike" cap="none" dirty="0">
                 <a:solidFill>
                   <a:srgbClr val="00FF00"/>
                 </a:solidFill>
@@ -13308,10 +13020,10 @@
                 <a:cs typeface="Courier New"/>
                 <a:sym typeface="Courier New"/>
               </a:rPr>
-              <a:t>fruit</a:t>
-            </a:r>
-            <a:r>
-              <a:rPr lang="en-US" sz="2400" b="1" i="0" u="none" strike="noStrike" cap="none" dirty="0">
+              <a:t>fruta</a:t>
+            </a:r>
+            <a:r>
+              <a:rPr lang="es-419" sz="2400" b="1" i="0" u="none" strike="noStrike" cap="none" dirty="0">
                 <a:solidFill>
                   <a:srgbClr val="00FFFF"/>
                 </a:solidFill>
@@ -13323,7 +13035,7 @@
               <a:t>[</a:t>
             </a:r>
             <a:r>
-              <a:rPr lang="en-US" sz="2400" b="1" i="0" u="none" strike="noStrike" cap="none" dirty="0">
+              <a:rPr lang="es-419" sz="2400" b="1" i="0" u="none" strike="noStrike" cap="none" dirty="0">
                 <a:solidFill>
                   <a:schemeClr val="lt1"/>
                 </a:solidFill>
@@ -13335,7 +13047,7 @@
               <a:t>0</a:t>
             </a:r>
             <a:r>
-              <a:rPr lang="en-US" sz="2400" b="1" i="0" u="none" strike="noStrike" cap="none" dirty="0">
+              <a:rPr lang="es-419" sz="2400" b="1" i="0" u="none" strike="noStrike" cap="none" dirty="0">
                 <a:solidFill>
                   <a:srgbClr val="00FFFF"/>
                 </a:solidFill>
@@ -13347,7 +13059,7 @@
               <a:t>]</a:t>
             </a:r>
             <a:r>
-              <a:rPr lang="en-US" sz="2400" b="1" i="0" u="none" strike="noStrike" cap="none" dirty="0">
+              <a:rPr lang="es-419" sz="2400" b="1" i="0" u="none" strike="noStrike" cap="none" dirty="0">
                 <a:solidFill>
                   <a:schemeClr val="lt1"/>
                 </a:solidFill>
@@ -13359,7 +13071,7 @@
               <a:t> = 'b</a:t>
             </a:r>
             <a:r>
-              <a:rPr lang="en-US" sz="2400" b="1" dirty="0">
+              <a:rPr lang="es-419" sz="2400" b="1" dirty="0">
                 <a:solidFill>
                   <a:schemeClr val="lt1"/>
                 </a:solidFill>
@@ -13390,7 +13102,7 @@
               <a:buNone/>
             </a:pPr>
             <a:r>
-              <a:rPr lang="en-US" sz="2400" b="1" i="0" u="none" strike="noStrike" cap="none" dirty="0" err="1">
+              <a:rPr lang="es-419" sz="2400" b="1" i="0" u="none" strike="noStrike" cap="none" dirty="0" err="1">
                 <a:solidFill>
                   <a:srgbClr val="E06666"/>
                 </a:solidFill>
@@ -13402,7 +13114,7 @@
               <a:t>Traceback</a:t>
             </a:r>
             <a:r>
-              <a:rPr lang="en-US" sz="2400" b="1" i="0" u="none" strike="noStrike" cap="none" dirty="0">
+              <a:rPr lang="es-419" sz="2400" b="1" i="0" u="none" strike="noStrike" cap="none" dirty="0">
                 <a:solidFill>
                   <a:srgbClr val="E06666"/>
                 </a:solidFill>
@@ -13433,7 +13145,7 @@
               <a:buNone/>
             </a:pPr>
             <a:r>
-              <a:rPr lang="en-US" sz="2400" b="1" i="0" u="none" strike="noStrike" cap="none" dirty="0" err="1">
+              <a:rPr lang="es-419" sz="2400" b="1" i="0" u="none" strike="noStrike" cap="none" dirty="0" err="1">
                 <a:solidFill>
                   <a:srgbClr val="E06666"/>
                 </a:solidFill>
@@ -13445,7 +13157,7 @@
               <a:t>TypeError</a:t>
             </a:r>
             <a:r>
-              <a:rPr lang="en-US" sz="2400" b="1" i="0" u="none" strike="noStrike" cap="none" dirty="0">
+              <a:rPr lang="es-419" sz="2400" b="1" i="0" u="none" strike="noStrike" cap="none" dirty="0">
                 <a:solidFill>
                   <a:srgbClr val="E06666"/>
                 </a:solidFill>
@@ -13457,7 +13169,7 @@
               <a:t>: '</a:t>
             </a:r>
             <a:r>
-              <a:rPr lang="en-US" sz="2400" b="1" i="0" u="none" strike="noStrike" cap="none" dirty="0" err="1">
+              <a:rPr lang="es-419" sz="2400" b="1" i="0" u="none" strike="noStrike" cap="none" dirty="0" err="1">
                 <a:solidFill>
                   <a:srgbClr val="E06666"/>
                 </a:solidFill>
@@ -13469,7 +13181,7 @@
               <a:t>str</a:t>
             </a:r>
             <a:r>
-              <a:rPr lang="en-US" sz="2400" b="1" i="0" u="none" strike="noStrike" cap="none" dirty="0">
+              <a:rPr lang="es-419" sz="2400" b="1" i="0" u="none" strike="noStrike" cap="none" dirty="0">
                 <a:solidFill>
                   <a:srgbClr val="E06666"/>
                 </a:solidFill>
@@ -13478,7 +13190,79 @@
                 <a:cs typeface="Courier New"/>
                 <a:sym typeface="Courier New"/>
               </a:rPr>
-              <a:t>' object does not </a:t>
+              <a:t>' </a:t>
+            </a:r>
+            <a:r>
+              <a:rPr lang="es-419" sz="2400" b="1" i="0" u="none" strike="noStrike" cap="none" dirty="0" err="1">
+                <a:solidFill>
+                  <a:srgbClr val="E06666"/>
+                </a:solidFill>
+                <a:latin typeface="Courier New"/>
+                <a:ea typeface="Courier New"/>
+                <a:cs typeface="Courier New"/>
+                <a:sym typeface="Courier New"/>
+              </a:rPr>
+              <a:t>object</a:t>
+            </a:r>
+            <a:r>
+              <a:rPr lang="es-419" sz="2400" b="1" i="0" u="none" strike="noStrike" cap="none" dirty="0">
+                <a:solidFill>
+                  <a:srgbClr val="E06666"/>
+                </a:solidFill>
+                <a:latin typeface="Courier New"/>
+                <a:ea typeface="Courier New"/>
+                <a:cs typeface="Courier New"/>
+                <a:sym typeface="Courier New"/>
+              </a:rPr>
+              <a:t> </a:t>
+            </a:r>
+            <a:r>
+              <a:rPr lang="es-419" sz="2400" b="1" i="0" u="none" strike="noStrike" cap="none" dirty="0" err="1">
+                <a:solidFill>
+                  <a:srgbClr val="E06666"/>
+                </a:solidFill>
+                <a:latin typeface="Courier New"/>
+                <a:ea typeface="Courier New"/>
+                <a:cs typeface="Courier New"/>
+                <a:sym typeface="Courier New"/>
+              </a:rPr>
+              <a:t>does</a:t>
+            </a:r>
+            <a:r>
+              <a:rPr lang="es-419" sz="2400" b="1" i="0" u="none" strike="noStrike" cap="none" dirty="0">
+                <a:solidFill>
+                  <a:srgbClr val="E06666"/>
+                </a:solidFill>
+                <a:latin typeface="Courier New"/>
+                <a:ea typeface="Courier New"/>
+                <a:cs typeface="Courier New"/>
+                <a:sym typeface="Courier New"/>
+              </a:rPr>
+              <a:t> </a:t>
+            </a:r>
+            <a:r>
+              <a:rPr lang="es-419" sz="2400" b="1" i="0" u="none" strike="noStrike" cap="none" dirty="0" err="1">
+                <a:solidFill>
+                  <a:srgbClr val="E06666"/>
+                </a:solidFill>
+                <a:latin typeface="Courier New"/>
+                <a:ea typeface="Courier New"/>
+                <a:cs typeface="Courier New"/>
+                <a:sym typeface="Courier New"/>
+              </a:rPr>
+              <a:t>not</a:t>
+            </a:r>
+            <a:r>
+              <a:rPr lang="es-419" sz="2400" b="1" i="0" u="none" strike="noStrike" cap="none" dirty="0">
+                <a:solidFill>
+                  <a:srgbClr val="E06666"/>
+                </a:solidFill>
+                <a:latin typeface="Courier New"/>
+                <a:ea typeface="Courier New"/>
+                <a:cs typeface="Courier New"/>
+                <a:sym typeface="Courier New"/>
+              </a:rPr>
+              <a:t> </a:t>
             </a:r>
           </a:p>
           <a:p>
@@ -13500,7 +13284,7 @@
               <a:buNone/>
             </a:pPr>
             <a:r>
-              <a:rPr lang="en-US" sz="2400" b="1" i="0" u="none" strike="noStrike" cap="none" dirty="0">
+              <a:rPr lang="es-419" sz="2400" b="1" i="0" u="none" strike="noStrike" cap="none" dirty="0" err="1">
                 <a:solidFill>
                   <a:srgbClr val="E06666"/>
                 </a:solidFill>
@@ -13509,8 +13293,65 @@
                 <a:cs typeface="Courier New"/>
                 <a:sym typeface="Courier New"/>
               </a:rPr>
-              <a:t>support item assignment</a:t>
-            </a:r>
+              <a:t>support</a:t>
+            </a:r>
+            <a:r>
+              <a:rPr lang="es-419" sz="2400" b="1" i="0" u="none" strike="noStrike" cap="none" dirty="0">
+                <a:solidFill>
+                  <a:srgbClr val="E06666"/>
+                </a:solidFill>
+                <a:latin typeface="Courier New"/>
+                <a:ea typeface="Courier New"/>
+                <a:cs typeface="Courier New"/>
+                <a:sym typeface="Courier New"/>
+              </a:rPr>
+              <a:t> </a:t>
+            </a:r>
+            <a:r>
+              <a:rPr lang="es-419" sz="2400" b="1" i="0" u="none" strike="noStrike" cap="none" dirty="0" err="1">
+                <a:solidFill>
+                  <a:srgbClr val="E06666"/>
+                </a:solidFill>
+                <a:latin typeface="Courier New"/>
+                <a:ea typeface="Courier New"/>
+                <a:cs typeface="Courier New"/>
+                <a:sym typeface="Courier New"/>
+              </a:rPr>
+              <a:t>item</a:t>
+            </a:r>
+            <a:r>
+              <a:rPr lang="es-419" sz="2400" b="1" i="0" u="none" strike="noStrike" cap="none" dirty="0">
+                <a:solidFill>
+                  <a:srgbClr val="E06666"/>
+                </a:solidFill>
+                <a:latin typeface="Courier New"/>
+                <a:ea typeface="Courier New"/>
+                <a:cs typeface="Courier New"/>
+                <a:sym typeface="Courier New"/>
+              </a:rPr>
+              <a:t> </a:t>
+            </a:r>
+            <a:r>
+              <a:rPr lang="es-419" sz="2400" b="1" i="0" u="none" strike="noStrike" cap="none" dirty="0" err="1">
+                <a:solidFill>
+                  <a:srgbClr val="E06666"/>
+                </a:solidFill>
+                <a:latin typeface="Courier New"/>
+                <a:ea typeface="Courier New"/>
+                <a:cs typeface="Courier New"/>
+                <a:sym typeface="Courier New"/>
+              </a:rPr>
+              <a:t>assignment</a:t>
+            </a:r>
+            <a:endParaRPr lang="es-419" sz="2400" b="1" i="0" u="none" strike="noStrike" cap="none" dirty="0">
+              <a:solidFill>
+                <a:srgbClr val="E06666"/>
+              </a:solidFill>
+              <a:latin typeface="Courier New"/>
+              <a:ea typeface="Courier New"/>
+              <a:cs typeface="Courier New"/>
+              <a:sym typeface="Courier New"/>
+            </a:endParaRPr>
           </a:p>
           <a:p>
             <a:pPr marL="0" marR="0" lvl="0" indent="0" algn="l" rtl="0">
@@ -13531,7 +13372,7 @@
               <a:buNone/>
             </a:pPr>
             <a:r>
-              <a:rPr lang="en-US" sz="2400" b="1" i="0" u="none" strike="noStrike" cap="none" dirty="0">
+              <a:rPr lang="es-419" sz="2400" b="1" i="0" u="none" strike="noStrike" cap="none" dirty="0">
                 <a:solidFill>
                   <a:schemeClr val="lt1"/>
                 </a:solidFill>
@@ -13543,7 +13384,7 @@
               <a:t>&gt;&gt;&gt; </a:t>
             </a:r>
             <a:r>
-              <a:rPr lang="en-US" sz="2400" b="1" i="0" u="none" strike="noStrike" cap="none" dirty="0">
+              <a:rPr lang="es-419" sz="2400" b="1" i="0" u="none" strike="noStrike" cap="none" dirty="0">
                 <a:solidFill>
                   <a:srgbClr val="00FF00"/>
                 </a:solidFill>
@@ -13555,7 +13396,7 @@
               <a:t>x</a:t>
             </a:r>
             <a:r>
-              <a:rPr lang="en-US" sz="2400" b="1" i="0" u="none" strike="noStrike" cap="none" dirty="0">
+              <a:rPr lang="es-419" sz="2400" b="1" i="0" u="none" strike="noStrike" cap="none" dirty="0">
                 <a:solidFill>
                   <a:schemeClr val="lt1"/>
                 </a:solidFill>
@@ -13567,7 +13408,7 @@
               <a:t> = </a:t>
             </a:r>
             <a:r>
-              <a:rPr lang="en-US" sz="2400" b="1" i="0" u="none" strike="noStrike" cap="none" dirty="0" err="1">
+              <a:rPr lang="es-419" sz="2400" b="1" i="0" u="none" strike="noStrike" cap="none" dirty="0" err="1">
                 <a:solidFill>
                   <a:srgbClr val="00FF00"/>
                 </a:solidFill>
@@ -13576,10 +13417,10 @@
                 <a:cs typeface="Courier New"/>
                 <a:sym typeface="Courier New"/>
               </a:rPr>
-              <a:t>fruit</a:t>
-            </a:r>
-            <a:r>
-              <a:rPr lang="en-US" sz="2400" b="1" i="0" u="none" strike="noStrike" cap="none" dirty="0" err="1">
+              <a:t>fruta</a:t>
+            </a:r>
+            <a:r>
+              <a:rPr lang="es-419" sz="2400" b="1" i="0" u="none" strike="noStrike" cap="none" dirty="0" err="1">
                 <a:solidFill>
                   <a:srgbClr val="FF00FF"/>
                 </a:solidFill>
@@ -13591,7 +13432,7 @@
               <a:t>.lower</a:t>
             </a:r>
             <a:r>
-              <a:rPr lang="en-US" sz="2400" b="1" i="0" u="none" strike="noStrike" cap="none" dirty="0">
+              <a:rPr lang="es-419" sz="2400" b="1" i="0" u="none" strike="noStrike" cap="none" dirty="0">
                 <a:solidFill>
                   <a:schemeClr val="lt1"/>
                 </a:solidFill>
@@ -13622,7 +13463,7 @@
               <a:buNone/>
             </a:pPr>
             <a:r>
-              <a:rPr lang="en-US" sz="2400" b="1" i="0" u="none" strike="noStrike" cap="none" dirty="0">
+              <a:rPr lang="es-419" sz="2400" b="1" i="0" u="none" strike="noStrike" cap="none" dirty="0">
                 <a:solidFill>
                   <a:schemeClr val="lt1"/>
                 </a:solidFill>
@@ -13634,7 +13475,7 @@
               <a:t>&gt;&gt;&gt; </a:t>
             </a:r>
             <a:r>
-              <a:rPr lang="en-US" sz="2400" b="1" i="0" u="none" strike="noStrike" cap="none" dirty="0" smtClean="0">
+              <a:rPr lang="es-419" sz="2400" b="1" i="0" u="none" strike="noStrike" cap="none" dirty="0" err="1">
                 <a:solidFill>
                   <a:srgbClr val="FFFF00"/>
                 </a:solidFill>
@@ -13643,10 +13484,22 @@
                 <a:cs typeface="Courier New"/>
                 <a:sym typeface="Courier New"/>
               </a:rPr>
-              <a:t>print(</a:t>
-            </a:r>
-            <a:r>
-              <a:rPr lang="en-US" sz="2400" b="1" i="0" u="none" strike="noStrike" cap="none" dirty="0" smtClean="0">
+              <a:t>print</a:t>
+            </a:r>
+            <a:r>
+              <a:rPr lang="es-419" sz="2400" b="1" i="0" u="none" strike="noStrike" cap="none" dirty="0">
+                <a:solidFill>
+                  <a:srgbClr val="FFFF00"/>
+                </a:solidFill>
+                <a:latin typeface="Courier New"/>
+                <a:ea typeface="Courier New"/>
+                <a:cs typeface="Courier New"/>
+                <a:sym typeface="Courier New"/>
+              </a:rPr>
+              <a:t>(</a:t>
+            </a:r>
+            <a:r>
+              <a:rPr lang="es-419" sz="2400" b="1" i="0" u="none" strike="noStrike" cap="none" dirty="0">
                 <a:solidFill>
                   <a:srgbClr val="00FF00"/>
                 </a:solidFill>
@@ -13658,7 +13511,7 @@
               <a:t>x</a:t>
             </a:r>
             <a:r>
-              <a:rPr lang="en-US" sz="2400" b="1" i="0" u="none" strike="noStrike" cap="none" dirty="0" smtClean="0">
+              <a:rPr lang="es-419" sz="2400" b="1" i="0" u="none" strike="noStrike" cap="none" dirty="0">
                 <a:solidFill>
                   <a:srgbClr val="FFFF00"/>
                 </a:solidFill>
@@ -13669,15 +13522,6 @@
               </a:rPr>
               <a:t>)</a:t>
             </a:r>
-            <a:endParaRPr lang="en-US" sz="2400" b="1" i="0" u="none" strike="noStrike" cap="none" dirty="0">
-              <a:solidFill>
-                <a:srgbClr val="FFFF00"/>
-              </a:solidFill>
-              <a:latin typeface="Courier New"/>
-              <a:ea typeface="Courier New"/>
-              <a:cs typeface="Courier New"/>
-              <a:sym typeface="Courier New"/>
-            </a:endParaRPr>
           </a:p>
           <a:p>
             <a:pPr marL="0" marR="0" lvl="0" indent="0" algn="l" rtl="0">
@@ -13698,7 +13542,7 @@
               <a:buNone/>
             </a:pPr>
             <a:r>
-              <a:rPr lang="en-US" sz="2400" b="1" i="0" u="none" strike="noStrike" cap="none" dirty="0">
+              <a:rPr lang="es-419" sz="2400" b="1" i="0" u="none" strike="noStrike" cap="none" dirty="0">
                 <a:solidFill>
                   <a:schemeClr val="lt1"/>
                 </a:solidFill>
@@ -13729,7 +13573,7 @@
               <a:buNone/>
             </a:pPr>
             <a:r>
-              <a:rPr lang="en-US" sz="2400" b="1" i="0" u="none" strike="noStrike" cap="none" dirty="0">
+              <a:rPr lang="es-419" sz="2400" b="1" i="0" u="none" strike="noStrike" cap="none" dirty="0">
                 <a:solidFill>
                   <a:schemeClr val="lt1"/>
                 </a:solidFill>
@@ -13741,7 +13585,7 @@
               <a:t>&gt;&gt;&gt; </a:t>
             </a:r>
             <a:r>
-              <a:rPr lang="en-US" sz="2400" b="1" i="0" u="none" strike="noStrike" cap="none" dirty="0" smtClean="0">
+              <a:rPr lang="es-419" sz="2400" b="1" i="0" u="none" strike="noStrike" cap="none" dirty="0">
                 <a:solidFill>
                   <a:srgbClr val="00FF00"/>
                 </a:solidFill>
@@ -13750,34 +13594,22 @@
                 <a:cs typeface="Courier New"/>
                 <a:sym typeface="Courier New"/>
               </a:rPr>
-              <a:t>lotto</a:t>
-            </a:r>
-            <a:r>
-              <a:rPr lang="en-US" sz="2400" b="1" i="0" u="none" strike="noStrike" cap="none" dirty="0" smtClean="0">
-                <a:solidFill>
-                  <a:schemeClr val="lt1"/>
-                </a:solidFill>
-                <a:latin typeface="Courier New"/>
-                <a:ea typeface="Courier New"/>
-                <a:cs typeface="Courier New"/>
-                <a:sym typeface="Courier New"/>
-              </a:rPr>
-              <a:t> </a:t>
-            </a:r>
-            <a:r>
-              <a:rPr lang="en-US" sz="2400" b="1" i="0" u="none" strike="noStrike" cap="none" dirty="0">
-                <a:solidFill>
-                  <a:schemeClr val="lt1"/>
-                </a:solidFill>
-                <a:latin typeface="Courier New"/>
-                <a:ea typeface="Courier New"/>
-                <a:cs typeface="Courier New"/>
-                <a:sym typeface="Courier New"/>
-              </a:rPr>
-              <a:t>= </a:t>
-            </a:r>
-            <a:r>
-              <a:rPr lang="en-US" sz="2400" b="1" i="0" u="none" strike="noStrike" cap="none" dirty="0">
+              <a:t>loto</a:t>
+            </a:r>
+            <a:r>
+              <a:rPr lang="es-419" sz="2400" b="1" i="0" u="none" strike="noStrike" cap="none" dirty="0">
+                <a:solidFill>
+                  <a:schemeClr val="lt1"/>
+                </a:solidFill>
+                <a:latin typeface="Courier New"/>
+                <a:ea typeface="Courier New"/>
+                <a:cs typeface="Courier New"/>
+                <a:sym typeface="Courier New"/>
+              </a:rPr>
+              <a:t> = </a:t>
+            </a:r>
+            <a:r>
+              <a:rPr lang="es-419" sz="2400" b="1" i="0" u="none" strike="noStrike" cap="none" dirty="0">
                 <a:solidFill>
                   <a:srgbClr val="FF7F00"/>
                 </a:solidFill>
@@ -13797,7 +13629,7 @@
               <a:buSzPct val="25000"/>
             </a:pPr>
             <a:r>
-              <a:rPr lang="en-US" sz="2400" b="1" i="0" u="none" strike="noStrike" cap="none" dirty="0">
+              <a:rPr lang="es-419" sz="2400" b="1" i="0" u="none" strike="noStrike" cap="none" dirty="0">
                 <a:solidFill>
                   <a:schemeClr val="lt1"/>
                 </a:solidFill>
@@ -13809,7 +13641,7 @@
               <a:t>&gt;&gt;&gt; </a:t>
             </a:r>
             <a:r>
-              <a:rPr lang="en-US" sz="2400" b="1" i="0" u="none" strike="noStrike" cap="none" dirty="0" smtClean="0">
+              <a:rPr lang="es-419" sz="2400" b="1" i="0" u="none" strike="noStrike" cap="none" dirty="0" err="1">
                 <a:solidFill>
                   <a:srgbClr val="FFFF00"/>
                 </a:solidFill>
@@ -13818,10 +13650,22 @@
                 <a:cs typeface="Courier New"/>
                 <a:sym typeface="Courier New"/>
               </a:rPr>
-              <a:t>print(</a:t>
-            </a:r>
-            <a:r>
-              <a:rPr lang="en-US" sz="2400" b="1" i="0" u="none" strike="noStrike" cap="none" dirty="0" smtClean="0">
+              <a:t>print</a:t>
+            </a:r>
+            <a:r>
+              <a:rPr lang="es-419" sz="2400" b="1" i="0" u="none" strike="noStrike" cap="none" dirty="0">
+                <a:solidFill>
+                  <a:srgbClr val="FFFF00"/>
+                </a:solidFill>
+                <a:latin typeface="Courier New"/>
+                <a:ea typeface="Courier New"/>
+                <a:cs typeface="Courier New"/>
+                <a:sym typeface="Courier New"/>
+              </a:rPr>
+              <a:t>(</a:t>
+            </a:r>
+            <a:r>
+              <a:rPr lang="es-419" sz="2400" b="1" i="0" u="none" strike="noStrike" cap="none" dirty="0">
                 <a:solidFill>
                   <a:srgbClr val="00FF00"/>
                 </a:solidFill>
@@ -13830,10 +13674,10 @@
                 <a:cs typeface="Courier New"/>
                 <a:sym typeface="Courier New"/>
               </a:rPr>
-              <a:t>lotto</a:t>
-            </a:r>
-            <a:r>
-              <a:rPr lang="en-US" sz="2400" b="1" dirty="0" smtClean="0">
+              <a:t>loto</a:t>
+            </a:r>
+            <a:r>
+              <a:rPr lang="es-419" sz="2400" b="1" dirty="0">
                 <a:solidFill>
                   <a:srgbClr val="FFFF00"/>
                 </a:solidFill>
@@ -13844,7 +13688,7 @@
               </a:rPr>
               <a:t>)</a:t>
             </a:r>
-            <a:endParaRPr lang="en-US" sz="2400" b="1" i="0" u="none" strike="noStrike" cap="none" dirty="0">
+            <a:endParaRPr lang="es-419" sz="2400" b="1" i="0" u="none" strike="noStrike" cap="none" dirty="0">
               <a:solidFill>
                 <a:srgbClr val="00FF00"/>
               </a:solidFill>
@@ -13873,7 +13717,7 @@
               <a:buNone/>
             </a:pPr>
             <a:r>
-              <a:rPr lang="en-US" sz="2400" b="1" i="0" u="none" strike="noStrike" cap="none" dirty="0">
+              <a:rPr lang="es-419" sz="2400" b="1" i="0" u="none" strike="noStrike" cap="none" dirty="0">
                 <a:solidFill>
                   <a:schemeClr val="lt1"/>
                 </a:solidFill>
@@ -13904,7 +13748,7 @@
               <a:buNone/>
             </a:pPr>
             <a:r>
-              <a:rPr lang="en-US" sz="2400" b="1" i="0" u="none" strike="noStrike" cap="none" dirty="0">
+              <a:rPr lang="es-419" sz="2400" b="1" i="0" u="none" strike="noStrike" cap="none" dirty="0">
                 <a:solidFill>
                   <a:schemeClr val="lt1"/>
                 </a:solidFill>
@@ -13916,7 +13760,7 @@
               <a:t>&gt;&gt;&gt; </a:t>
             </a:r>
             <a:r>
-              <a:rPr lang="en-US" sz="2400" b="1" i="0" u="none" strike="noStrike" cap="none" dirty="0">
+              <a:rPr lang="es-419" sz="2400" b="1" i="0" u="none" strike="noStrike" cap="none" dirty="0">
                 <a:solidFill>
                   <a:srgbClr val="00FF00"/>
                 </a:solidFill>
@@ -13925,10 +13769,10 @@
                 <a:cs typeface="Courier New"/>
                 <a:sym typeface="Courier New"/>
               </a:rPr>
-              <a:t>lotto</a:t>
-            </a:r>
-            <a:r>
-              <a:rPr lang="en-US" sz="2400" b="1" i="0" u="none" strike="noStrike" cap="none" dirty="0">
+              <a:t>loto</a:t>
+            </a:r>
+            <a:r>
+              <a:rPr lang="es-419" sz="2400" b="1" i="0" u="none" strike="noStrike" cap="none" dirty="0">
                 <a:solidFill>
                   <a:srgbClr val="00FFFF"/>
                 </a:solidFill>
@@ -13940,7 +13784,7 @@
               <a:t>[</a:t>
             </a:r>
             <a:r>
-              <a:rPr lang="en-US" sz="2400" b="1" i="0" u="none" strike="noStrike" cap="none" dirty="0">
+              <a:rPr lang="es-419" sz="2400" b="1" i="0" u="none" strike="noStrike" cap="none" dirty="0">
                 <a:solidFill>
                   <a:schemeClr val="lt1"/>
                 </a:solidFill>
@@ -13952,7 +13796,7 @@
               <a:t>2</a:t>
             </a:r>
             <a:r>
-              <a:rPr lang="en-US" sz="2400" b="1" i="0" u="none" strike="noStrike" cap="none" dirty="0">
+              <a:rPr lang="es-419" sz="2400" b="1" i="0" u="none" strike="noStrike" cap="none" dirty="0">
                 <a:solidFill>
                   <a:srgbClr val="00FFFF"/>
                 </a:solidFill>
@@ -13964,7 +13808,7 @@
               <a:t>]</a:t>
             </a:r>
             <a:r>
-              <a:rPr lang="en-US" sz="2400" b="1" i="0" u="none" strike="noStrike" cap="none" dirty="0">
+              <a:rPr lang="es-419" sz="2400" b="1" i="0" u="none" strike="noStrike" cap="none" dirty="0">
                 <a:solidFill>
                   <a:schemeClr val="lt1"/>
                 </a:solidFill>
@@ -13984,7 +13828,7 @@
               <a:buSzPct val="25000"/>
             </a:pPr>
             <a:r>
-              <a:rPr lang="en-US" sz="2400" b="1" i="0" u="none" strike="noStrike" cap="none" dirty="0">
+              <a:rPr lang="es-419" sz="2400" b="1" i="0" u="none" strike="noStrike" cap="none" dirty="0">
                 <a:solidFill>
                   <a:schemeClr val="lt1"/>
                 </a:solidFill>
@@ -13996,7 +13840,7 @@
               <a:t>&gt;&gt;&gt; </a:t>
             </a:r>
             <a:r>
-              <a:rPr lang="en-US" sz="2400" b="1" i="0" u="none" strike="noStrike" cap="none" dirty="0" smtClean="0">
+              <a:rPr lang="es-419" sz="2400" b="1" i="0" u="none" strike="noStrike" cap="none" dirty="0" err="1">
                 <a:solidFill>
                   <a:srgbClr val="FFFF00"/>
                 </a:solidFill>
@@ -14005,10 +13849,22 @@
                 <a:cs typeface="Courier New"/>
                 <a:sym typeface="Courier New"/>
               </a:rPr>
-              <a:t>print(</a:t>
-            </a:r>
-            <a:r>
-              <a:rPr lang="en-US" sz="2400" b="1" i="0" u="none" strike="noStrike" cap="none" dirty="0" smtClean="0">
+              <a:t>print</a:t>
+            </a:r>
+            <a:r>
+              <a:rPr lang="es-419" sz="2400" b="1" i="0" u="none" strike="noStrike" cap="none" dirty="0">
+                <a:solidFill>
+                  <a:srgbClr val="FFFF00"/>
+                </a:solidFill>
+                <a:latin typeface="Courier New"/>
+                <a:ea typeface="Courier New"/>
+                <a:cs typeface="Courier New"/>
+                <a:sym typeface="Courier New"/>
+              </a:rPr>
+              <a:t>(</a:t>
+            </a:r>
+            <a:r>
+              <a:rPr lang="es-419" sz="2400" b="1" i="0" u="none" strike="noStrike" cap="none" dirty="0">
                 <a:solidFill>
                   <a:srgbClr val="00FF00"/>
                 </a:solidFill>
@@ -14017,10 +13873,10 @@
                 <a:cs typeface="Courier New"/>
                 <a:sym typeface="Courier New"/>
               </a:rPr>
-              <a:t>lotto</a:t>
-            </a:r>
-            <a:r>
-              <a:rPr lang="en-US" sz="2400" b="1" dirty="0" smtClean="0">
+              <a:t>loto</a:t>
+            </a:r>
+            <a:r>
+              <a:rPr lang="es-419" sz="2400" b="1" dirty="0">
                 <a:solidFill>
                   <a:srgbClr val="FFFF00"/>
                 </a:solidFill>
@@ -14031,7 +13887,7 @@
               </a:rPr>
               <a:t>)</a:t>
             </a:r>
-            <a:endParaRPr lang="en-US" sz="2400" b="1" i="0" u="none" strike="noStrike" cap="none" dirty="0">
+            <a:endParaRPr lang="es-419" sz="2400" b="1" i="0" u="none" strike="noStrike" cap="none" dirty="0">
               <a:solidFill>
                 <a:srgbClr val="00FF00"/>
               </a:solidFill>
@@ -14060,7 +13916,7 @@
               <a:buNone/>
             </a:pPr>
             <a:r>
-              <a:rPr lang="en-US" sz="2400" b="1" i="0" u="none" strike="noStrike" cap="none" dirty="0">
+              <a:rPr lang="es-419" sz="2400" b="1" i="0" u="none" strike="noStrike" cap="none" dirty="0">
                 <a:solidFill>
                   <a:schemeClr val="lt1"/>
                 </a:solidFill>
@@ -14072,7 +13928,7 @@
               <a:t>[2, 14, </a:t>
             </a:r>
             <a:r>
-              <a:rPr lang="en-US" sz="2400" b="1" i="0" u="none" strike="noStrike" cap="none" dirty="0">
+              <a:rPr lang="es-419" sz="2400" b="1" i="0" u="none" strike="noStrike" cap="none" dirty="0">
                 <a:solidFill>
                   <a:srgbClr val="FF00FF"/>
                 </a:solidFill>
@@ -14084,7 +13940,7 @@
               <a:t>28</a:t>
             </a:r>
             <a:r>
-              <a:rPr lang="en-US" sz="2400" b="1" i="0" u="none" strike="noStrike" cap="none" dirty="0">
+              <a:rPr lang="es-419" sz="2400" b="1" i="0" u="none" strike="noStrike" cap="none" dirty="0">
                 <a:solidFill>
                   <a:schemeClr val="lt1"/>
                 </a:solidFill>
@@ -14103,13 +13959,6 @@
   <p:clrMapOvr>
     <a:masterClrMapping/>
   </p:clrMapOvr>
-  <p:timing>
-    <p:tnLst>
-      <p:par>
-        <p:cTn xmlns:p14="http://schemas.microsoft.com/office/powerpoint/2010/main" id="1" dur="indefinite" restart="never" nodeType="tmRoot"/>
-      </p:par>
-    </p:tnLst>
-  </p:timing>
 </p:sld>
 </file>
 
